--- a/TechUpdate_Status.pptx
+++ b/TechUpdate_Status.pptx
@@ -5,10 +5,10 @@
     <p:sldMasterId id="2147483648" r:id="rId5"/>
   </p:sldMasterIdLst>
   <p:notesMasterIdLst>
-    <p:notesMasterId r:id="rId20"/>
+    <p:notesMasterId r:id="rId21"/>
   </p:notesMasterIdLst>
   <p:handoutMasterIdLst>
-    <p:handoutMasterId r:id="rId21"/>
+    <p:handoutMasterId r:id="rId22"/>
   </p:handoutMasterIdLst>
   <p:sldIdLst>
     <p:sldId id="319" r:id="rId6"/>
@@ -17,19 +17,20 @@
     <p:sldId id="350" r:id="rId9"/>
     <p:sldId id="348" r:id="rId10"/>
     <p:sldId id="351" r:id="rId11"/>
-    <p:sldId id="339" r:id="rId12"/>
-    <p:sldId id="352" r:id="rId13"/>
-    <p:sldId id="329" r:id="rId14"/>
-    <p:sldId id="354" r:id="rId15"/>
-    <p:sldId id="328" r:id="rId16"/>
-    <p:sldId id="355" r:id="rId17"/>
-    <p:sldId id="274" r:id="rId18"/>
-    <p:sldId id="332" r:id="rId19"/>
+    <p:sldId id="356" r:id="rId12"/>
+    <p:sldId id="339" r:id="rId13"/>
+    <p:sldId id="352" r:id="rId14"/>
+    <p:sldId id="329" r:id="rId15"/>
+    <p:sldId id="354" r:id="rId16"/>
+    <p:sldId id="328" r:id="rId17"/>
+    <p:sldId id="355" r:id="rId18"/>
+    <p:sldId id="274" r:id="rId19"/>
+    <p:sldId id="332" r:id="rId20"/>
   </p:sldIdLst>
   <p:sldSz cx="9144000" cy="6858000" type="screen4x3"/>
   <p:notesSz cx="6805613" cy="9944100"/>
   <p:custDataLst>
-    <p:tags r:id="rId22"/>
+    <p:tags r:id="rId23"/>
   </p:custDataLst>
   <p:defaultTextStyle>
     <a:defPPr>
@@ -227,7 +228,7 @@
             <a:pPr algn="l"/>
             <a:fld id="{992ACF9D-DFDC-416D-8629-6E7E5D8EA592}" type="datetime1">
               <a:rPr lang="de-DE" smtClean="0"/>
-              <a:t>21.02.2017</a:t>
+              <a:t>28.02.2017</a:t>
             </a:fld>
             <a:endParaRPr lang="en-GB" dirty="0"/>
           </a:p>
@@ -788,7 +789,7 @@
       </p:grpSpPr>
       <p:sp>
         <p:nvSpPr>
-          <p:cNvPr id="10" name="Espace réservé de l'image des diapositives 9"/>
+          <p:cNvPr id="2" name="Espace réservé de l'image des diapositives 1"/>
           <p:cNvSpPr>
             <a:spLocks noGrp="1" noRot="1" noChangeAspect="1"/>
           </p:cNvSpPr>
@@ -805,7 +806,7 @@
       </p:sp>
       <p:sp>
         <p:nvSpPr>
-          <p:cNvPr id="11" name="Espace réservé des commentaires 10"/>
+          <p:cNvPr id="3" name="Espace réservé des commentaires 2"/>
           <p:cNvSpPr>
             <a:spLocks noGrp="1"/>
           </p:cNvSpPr>
@@ -818,14 +819,14 @@
           <a:bodyPr/>
           <a:lstStyle/>
           <a:p>
-            <a:endParaRPr lang="fr-FR"/>
+            <a:endParaRPr lang="fr-FR" dirty="0"/>
           </a:p>
         </p:txBody>
       </p:sp>
     </p:spTree>
     <p:extLst>
       <p:ext uri="{BB962C8B-B14F-4D97-AF65-F5344CB8AC3E}">
-        <p14:creationId xmlns:p14="http://schemas.microsoft.com/office/powerpoint/2010/main" val="185757619"/>
+        <p14:creationId xmlns:p14="http://schemas.microsoft.com/office/powerpoint/2010/main" val="1354417404"/>
       </p:ext>
     </p:extLst>
   </p:cSld>
@@ -854,7 +855,7 @@
       </p:grpSpPr>
       <p:sp>
         <p:nvSpPr>
-          <p:cNvPr id="2" name="Espace réservé de l'image des diapositives 1"/>
+          <p:cNvPr id="10" name="Espace réservé de l'image des diapositives 9"/>
           <p:cNvSpPr>
             <a:spLocks noGrp="1" noRot="1" noChangeAspect="1"/>
           </p:cNvSpPr>
@@ -871,7 +872,7 @@
       </p:sp>
       <p:sp>
         <p:nvSpPr>
-          <p:cNvPr id="3" name="Espace réservé des commentaires 2"/>
+          <p:cNvPr id="11" name="Espace réservé des commentaires 10"/>
           <p:cNvSpPr>
             <a:spLocks noGrp="1"/>
           </p:cNvSpPr>
@@ -891,7 +892,7 @@
     </p:spTree>
     <p:extLst>
       <p:ext uri="{BB962C8B-B14F-4D97-AF65-F5344CB8AC3E}">
-        <p14:creationId xmlns:p14="http://schemas.microsoft.com/office/powerpoint/2010/main" val="3853147094"/>
+        <p14:creationId xmlns:p14="http://schemas.microsoft.com/office/powerpoint/2010/main" val="185757619"/>
       </p:ext>
     </p:extLst>
   </p:cSld>
@@ -920,7 +921,7 @@
       </p:grpSpPr>
       <p:sp>
         <p:nvSpPr>
-          <p:cNvPr id="10" name="Espace réservé de l'image des diapositives 9"/>
+          <p:cNvPr id="2" name="Espace réservé de l'image des diapositives 1"/>
           <p:cNvSpPr>
             <a:spLocks noGrp="1" noRot="1" noChangeAspect="1"/>
           </p:cNvSpPr>
@@ -937,7 +938,7 @@
       </p:sp>
       <p:sp>
         <p:nvSpPr>
-          <p:cNvPr id="11" name="Espace réservé des commentaires 10"/>
+          <p:cNvPr id="3" name="Espace réservé des commentaires 2"/>
           <p:cNvSpPr>
             <a:spLocks noGrp="1"/>
           </p:cNvSpPr>
@@ -957,7 +958,7 @@
     </p:spTree>
     <p:extLst>
       <p:ext uri="{BB962C8B-B14F-4D97-AF65-F5344CB8AC3E}">
-        <p14:creationId xmlns:p14="http://schemas.microsoft.com/office/powerpoint/2010/main" val="185757619"/>
+        <p14:creationId xmlns:p14="http://schemas.microsoft.com/office/powerpoint/2010/main" val="3853147094"/>
       </p:ext>
     </p:extLst>
   </p:cSld>
@@ -1023,6 +1024,72 @@
     </p:spTree>
     <p:extLst>
       <p:ext uri="{BB962C8B-B14F-4D97-AF65-F5344CB8AC3E}">
+        <p14:creationId xmlns:p14="http://schemas.microsoft.com/office/powerpoint/2010/main" val="185757619"/>
+      </p:ext>
+    </p:extLst>
+  </p:cSld>
+  <p:clrMapOvr>
+    <a:masterClrMapping/>
+  </p:clrMapOvr>
+</p:notes>
+</file>
+
+<file path=ppt/notesSlides/notesSlide14.xml><?xml version="1.0" encoding="utf-8"?>
+<p:notes xmlns:a="http://schemas.openxmlformats.org/drawingml/2006/main" xmlns:r="http://schemas.openxmlformats.org/officeDocument/2006/relationships" xmlns:p="http://schemas.openxmlformats.org/presentationml/2006/main">
+  <p:cSld>
+    <p:spTree>
+      <p:nvGrpSpPr>
+        <p:cNvPr id="1" name=""/>
+        <p:cNvGrpSpPr/>
+        <p:nvPr/>
+      </p:nvGrpSpPr>
+      <p:grpSpPr>
+        <a:xfrm>
+          <a:off x="0" y="0"/>
+          <a:ext cx="0" cy="0"/>
+          <a:chOff x="0" y="0"/>
+          <a:chExt cx="0" cy="0"/>
+        </a:xfrm>
+      </p:grpSpPr>
+      <p:sp>
+        <p:nvSpPr>
+          <p:cNvPr id="10" name="Espace réservé de l'image des diapositives 9"/>
+          <p:cNvSpPr>
+            <a:spLocks noGrp="1" noRot="1" noChangeAspect="1"/>
+          </p:cNvSpPr>
+          <p:nvPr>
+            <p:ph type="sldImg"/>
+          </p:nvPr>
+        </p:nvSpPr>
+        <p:spPr>
+          <a:xfrm>
+            <a:off x="0" y="0"/>
+            <a:ext cx="6805613" cy="5105400"/>
+          </a:xfrm>
+        </p:spPr>
+      </p:sp>
+      <p:sp>
+        <p:nvSpPr>
+          <p:cNvPr id="11" name="Espace réservé des commentaires 10"/>
+          <p:cNvSpPr>
+            <a:spLocks noGrp="1"/>
+          </p:cNvSpPr>
+          <p:nvPr>
+            <p:ph type="body" idx="1"/>
+          </p:nvPr>
+        </p:nvSpPr>
+        <p:spPr/>
+        <p:txBody>
+          <a:bodyPr/>
+          <a:lstStyle/>
+          <a:p>
+            <a:endParaRPr lang="fr-FR"/>
+          </a:p>
+        </p:txBody>
+      </p:sp>
+    </p:spTree>
+    <p:extLst>
+      <p:ext uri="{BB962C8B-B14F-4D97-AF65-F5344CB8AC3E}">
         <p14:creationId xmlns:p14="http://schemas.microsoft.com/office/powerpoint/2010/main" val="2671404399"/>
       </p:ext>
     </p:extLst>
@@ -1033,7 +1100,7 @@
 </p:notes>
 </file>
 
-<file path=ppt/notesSlides/notesSlide14.xml><?xml version="1.0" encoding="utf-8"?>
+<file path=ppt/notesSlides/notesSlide15.xml><?xml version="1.0" encoding="utf-8"?>
 <p:notes xmlns:a="http://schemas.openxmlformats.org/drawingml/2006/main" xmlns:r="http://schemas.openxmlformats.org/officeDocument/2006/relationships" xmlns:p="http://schemas.openxmlformats.org/presentationml/2006/main">
   <p:cSld>
     <p:spTree>
@@ -1448,7 +1515,7 @@
       </p:grpSpPr>
       <p:sp>
         <p:nvSpPr>
-          <p:cNvPr id="2" name="Espace réservé de l'image des diapositives 1"/>
+          <p:cNvPr id="10" name="Espace réservé de l'image des diapositives 9"/>
           <p:cNvSpPr>
             <a:spLocks noGrp="1" noRot="1" noChangeAspect="1"/>
           </p:cNvSpPr>
@@ -1465,7 +1532,7 @@
       </p:sp>
       <p:sp>
         <p:nvSpPr>
-          <p:cNvPr id="3" name="Espace réservé des commentaires 2"/>
+          <p:cNvPr id="11" name="Espace réservé des commentaires 10"/>
           <p:cNvSpPr>
             <a:spLocks noGrp="1"/>
           </p:cNvSpPr>
@@ -1485,7 +1552,7 @@
     </p:spTree>
     <p:extLst>
       <p:ext uri="{BB962C8B-B14F-4D97-AF65-F5344CB8AC3E}">
-        <p14:creationId xmlns:p14="http://schemas.microsoft.com/office/powerpoint/2010/main" val="320443389"/>
+        <p14:creationId xmlns:p14="http://schemas.microsoft.com/office/powerpoint/2010/main" val="185757619"/>
       </p:ext>
     </p:extLst>
   </p:cSld>
@@ -1514,7 +1581,7 @@
       </p:grpSpPr>
       <p:sp>
         <p:nvSpPr>
-          <p:cNvPr id="10" name="Espace réservé de l'image des diapositives 9"/>
+          <p:cNvPr id="2" name="Espace réservé de l'image des diapositives 1"/>
           <p:cNvSpPr>
             <a:spLocks noGrp="1" noRot="1" noChangeAspect="1"/>
           </p:cNvSpPr>
@@ -1531,7 +1598,7 @@
       </p:sp>
       <p:sp>
         <p:nvSpPr>
-          <p:cNvPr id="11" name="Espace réservé des commentaires 10"/>
+          <p:cNvPr id="3" name="Espace réservé des commentaires 2"/>
           <p:cNvSpPr>
             <a:spLocks noGrp="1"/>
           </p:cNvSpPr>
@@ -1551,7 +1618,7 @@
     </p:spTree>
     <p:extLst>
       <p:ext uri="{BB962C8B-B14F-4D97-AF65-F5344CB8AC3E}">
-        <p14:creationId xmlns:p14="http://schemas.microsoft.com/office/powerpoint/2010/main" val="185757619"/>
+        <p14:creationId xmlns:p14="http://schemas.microsoft.com/office/powerpoint/2010/main" val="320443389"/>
       </p:ext>
     </p:extLst>
   </p:cSld>
@@ -1580,7 +1647,7 @@
       </p:grpSpPr>
       <p:sp>
         <p:nvSpPr>
-          <p:cNvPr id="2" name="Espace réservé de l'image des diapositives 1"/>
+          <p:cNvPr id="10" name="Espace réservé de l'image des diapositives 9"/>
           <p:cNvSpPr>
             <a:spLocks noGrp="1" noRot="1" noChangeAspect="1"/>
           </p:cNvSpPr>
@@ -1597,7 +1664,7 @@
       </p:sp>
       <p:sp>
         <p:nvSpPr>
-          <p:cNvPr id="3" name="Espace réservé des commentaires 2"/>
+          <p:cNvPr id="11" name="Espace réservé des commentaires 10"/>
           <p:cNvSpPr>
             <a:spLocks noGrp="1"/>
           </p:cNvSpPr>
@@ -1610,14 +1677,14 @@
           <a:bodyPr/>
           <a:lstStyle/>
           <a:p>
-            <a:endParaRPr lang="fr-FR" dirty="0"/>
+            <a:endParaRPr lang="fr-FR"/>
           </a:p>
         </p:txBody>
       </p:sp>
     </p:spTree>
     <p:extLst>
       <p:ext uri="{BB962C8B-B14F-4D97-AF65-F5344CB8AC3E}">
-        <p14:creationId xmlns:p14="http://schemas.microsoft.com/office/powerpoint/2010/main" val="1354417404"/>
+        <p14:creationId xmlns:p14="http://schemas.microsoft.com/office/powerpoint/2010/main" val="185757619"/>
       </p:ext>
     </p:extLst>
   </p:cSld>
@@ -1669,7 +1736,7 @@
           <a:graphicData uri="http://schemas.openxmlformats.org/presentationml/2006/ole">
             <mc:AlternateContent xmlns:mc="http://schemas.openxmlformats.org/markup-compatibility/2006">
               <mc:Choice xmlns:v="urn:schemas-microsoft-com:vml" Requires="v">
-                <p:oleObj spid="_x0000_s3143" name="think-cell Folie" r:id="rId4" imgW="270" imgH="270" progId="TCLayout.ActiveDocument.1">
+                <p:oleObj spid="_x0000_s3145" name="think-cell Folie" r:id="rId4" imgW="270" imgH="270" progId="TCLayout.ActiveDocument.1">
                   <p:embed/>
                 </p:oleObj>
               </mc:Choice>
@@ -6862,7 +6929,7 @@
           <a:graphicData uri="http://schemas.openxmlformats.org/presentationml/2006/ole">
             <mc:AlternateContent xmlns:mc="http://schemas.openxmlformats.org/markup-compatibility/2006">
               <mc:Choice xmlns:v="urn:schemas-microsoft-com:vml" Requires="v">
-                <p:oleObj spid="_x0000_s5183" name="think-cell Folie" r:id="rId4" imgW="270" imgH="270" progId="TCLayout.ActiveDocument.1">
+                <p:oleObj spid="_x0000_s5185" name="think-cell Folie" r:id="rId4" imgW="270" imgH="270" progId="TCLayout.ActiveDocument.1">
                   <p:embed/>
                 </p:oleObj>
               </mc:Choice>
@@ -9854,7 +9921,7 @@
           <a:graphicData uri="http://schemas.openxmlformats.org/presentationml/2006/ole">
             <mc:AlternateContent xmlns:mc="http://schemas.openxmlformats.org/markup-compatibility/2006">
               <mc:Choice xmlns:v="urn:schemas-microsoft-com:vml" Requires="v">
-                <p:oleObj spid="_x0000_s1096" name="think-cell Folie" r:id="rId20" imgW="270" imgH="270" progId="TCLayout.ActiveDocument.1">
+                <p:oleObj spid="_x0000_s1098" name="think-cell Folie" r:id="rId20" imgW="270" imgH="270" progId="TCLayout.ActiveDocument.1">
                   <p:embed/>
                 </p:oleObj>
               </mc:Choice>
@@ -11136,14 +11203,39 @@
           <a:chExt cx="0" cy="0"/>
         </a:xfrm>
       </p:grpSpPr>
-      <p:sp>
-        <p:nvSpPr>
-          <p:cNvPr id="2" name="Espace réservé du contenu 1"/>
-          <p:cNvSpPr>
-            <a:spLocks noGrp="1"/>
-          </p:cNvSpPr>
-          <p:nvPr>
-            <p:ph idx="1"/>
+      <p:pic>
+        <p:nvPicPr>
+          <p:cNvPr id="9" name="Espace réservé pour une image  12"/>
+          <p:cNvPicPr>
+            <a:picLocks noGrp="1" noChangeAspect="1"/>
+          </p:cNvPicPr>
+          <p:nvPr>
+            <p:ph type="pic" sz="quarter" idx="15"/>
+          </p:nvPr>
+        </p:nvPicPr>
+        <p:blipFill>
+          <a:blip r:embed="rId3">
+            <a:extLst>
+              <a:ext uri="{28A0092B-C50C-407E-A947-70E740481C1C}">
+                <a14:useLocalDpi xmlns:a14="http://schemas.microsoft.com/office/drawing/2010/main" val="0"/>
+              </a:ext>
+            </a:extLst>
+          </a:blip>
+          <a:srcRect t="77" b="77"/>
+          <a:stretch>
+            <a:fillRect/>
+          </a:stretch>
+        </p:blipFill>
+        <p:spPr bwMode="gray"/>
+      </p:pic>
+      <p:sp>
+        <p:nvSpPr>
+          <p:cNvPr id="5" name="Titre 4"/>
+          <p:cNvSpPr>
+            <a:spLocks noGrp="1"/>
+          </p:cNvSpPr>
+          <p:nvPr>
+            <p:ph type="ctrTitle"/>
           </p:nvPr>
         </p:nvSpPr>
         <p:spPr bwMode="gray"/>
@@ -11151,63 +11243,22 @@
           <a:bodyPr/>
           <a:lstStyle/>
           <a:p>
-            <a:pPr lvl="0"/>
-            <a:r>
-              <a:rPr lang="de-DE" dirty="0" err="1"/>
-              <a:t>Blockchain</a:t>
+            <a:r>
+              <a:rPr lang="de-DE" dirty="0" smtClean="0"/>
+              <a:t>Themenspeicher</a:t>
             </a:r>
             <a:endParaRPr lang="de-DE" dirty="0"/>
           </a:p>
-          <a:p>
-            <a:pPr lvl="0"/>
-            <a:r>
-              <a:rPr lang="de-DE" dirty="0" err="1"/>
-              <a:t>CoreBanking</a:t>
-            </a:r>
-            <a:endParaRPr lang="de-DE" dirty="0"/>
-          </a:p>
-          <a:p>
-            <a:pPr lvl="0"/>
-            <a:r>
-              <a:rPr lang="de-DE" dirty="0" err="1"/>
-              <a:t>AxWay</a:t>
-            </a:r>
-            <a:r>
-              <a:rPr lang="de-DE" dirty="0"/>
-              <a:t>/ </a:t>
-            </a:r>
-            <a:r>
-              <a:rPr lang="de-DE" dirty="0" err="1" smtClean="0"/>
-              <a:t>Apiomat</a:t>
-            </a:r>
-            <a:endParaRPr lang="de-DE" dirty="0"/>
-          </a:p>
-          <a:p>
-            <a:pPr lvl="0"/>
-            <a:r>
-              <a:rPr lang="de-DE" dirty="0" err="1" smtClean="0"/>
-              <a:t>Themenclustermap</a:t>
-            </a:r>
-            <a:endParaRPr lang="de-DE" dirty="0" smtClean="0"/>
-          </a:p>
-          <a:p>
-            <a:pPr lvl="2"/>
-            <a:endParaRPr lang="de-DE" dirty="0" smtClean="0"/>
-          </a:p>
-          <a:p>
-            <a:pPr lvl="2"/>
-            <a:endParaRPr lang="de-DE" dirty="0"/>
-          </a:p>
-        </p:txBody>
-      </p:sp>
-      <p:sp>
-        <p:nvSpPr>
-          <p:cNvPr id="3" name="Titre 2"/>
-          <p:cNvSpPr>
-            <a:spLocks noGrp="1"/>
-          </p:cNvSpPr>
-          <p:nvPr>
-            <p:ph type="title"/>
+        </p:txBody>
+      </p:sp>
+      <p:sp>
+        <p:nvSpPr>
+          <p:cNvPr id="6" name="Sous-titre 5"/>
+          <p:cNvSpPr>
+            <a:spLocks noGrp="1"/>
+          </p:cNvSpPr>
+          <p:nvPr>
+            <p:ph type="subTitle" idx="1"/>
           </p:nvPr>
         </p:nvSpPr>
         <p:spPr bwMode="gray"/>
@@ -11216,8 +11267,8 @@
           <a:lstStyle/>
           <a:p>
             <a:r>
-              <a:rPr lang="de-DE" dirty="0"/>
-              <a:t>Themenspeicher</a:t>
+              <a:rPr lang="de-DE" dirty="0" smtClean="0"/>
+              <a:t>Was wollen wir?</a:t>
             </a:r>
             <a:endParaRPr lang="de-DE" dirty="0"/>
           </a:p>
@@ -11225,12 +11276,12 @@
       </p:sp>
       <p:sp>
         <p:nvSpPr>
-          <p:cNvPr id="10" name="Espace réservé du texte 9"/>
-          <p:cNvSpPr>
-            <a:spLocks noGrp="1"/>
-          </p:cNvSpPr>
-          <p:nvPr>
-            <p:ph type="body" sz="quarter" idx="13"/>
+          <p:cNvPr id="10" name="FooterDate"/>
+          <p:cNvSpPr>
+            <a:spLocks noGrp="1"/>
+          </p:cNvSpPr>
+          <p:nvPr>
+            <p:ph type="dt" sz="half" idx="2"/>
           </p:nvPr>
         </p:nvSpPr>
         <p:spPr bwMode="gray"/>
@@ -11239,21 +11290,21 @@
           <a:lstStyle/>
           <a:p>
             <a:r>
-              <a:rPr lang="de-DE" dirty="0"/>
-              <a:t>Was wollen wir?</a:t>
-            </a:r>
-            <a:endParaRPr lang="de-DE" dirty="0"/>
-          </a:p>
-        </p:txBody>
-      </p:sp>
-      <p:sp>
-        <p:nvSpPr>
-          <p:cNvPr id="8" name="FooterDate"/>
-          <p:cNvSpPr>
-            <a:spLocks noGrp="1"/>
-          </p:cNvSpPr>
-          <p:nvPr>
-            <p:ph type="dt" sz="half" idx="2"/>
+              <a:rPr lang="de-DE" noProof="0" smtClean="0"/>
+              <a:t>17.12.2014</a:t>
+            </a:r>
+            <a:endParaRPr lang="de-DE" noProof="0" dirty="0"/>
+          </a:p>
+        </p:txBody>
+      </p:sp>
+      <p:sp>
+        <p:nvSpPr>
+          <p:cNvPr id="2" name="FooterTitle"/>
+          <p:cNvSpPr>
+            <a:spLocks noGrp="1"/>
+          </p:cNvSpPr>
+          <p:nvPr>
+            <p:ph type="ftr" sz="quarter" idx="3"/>
           </p:nvPr>
         </p:nvSpPr>
         <p:spPr bwMode="gray"/>
@@ -11262,29 +11313,6 @@
           <a:lstStyle/>
           <a:p>
             <a:r>
-              <a:rPr lang="de-DE" noProof="0" smtClean="0"/>
-              <a:t>17.12.2014</a:t>
-            </a:r>
-            <a:endParaRPr lang="de-DE" noProof="0" dirty="0"/>
-          </a:p>
-        </p:txBody>
-      </p:sp>
-      <p:sp>
-        <p:nvSpPr>
-          <p:cNvPr id="6" name="FooterTitle"/>
-          <p:cNvSpPr>
-            <a:spLocks noGrp="1"/>
-          </p:cNvSpPr>
-          <p:nvPr>
-            <p:ph type="ftr" sz="quarter" idx="3"/>
-          </p:nvPr>
-        </p:nvSpPr>
-        <p:spPr bwMode="gray"/>
-        <p:txBody>
-          <a:bodyPr/>
-          <a:lstStyle/>
-          <a:p>
-            <a:r>
               <a:rPr lang="de-DE" noProof="0" dirty="0" smtClean="0"/>
               <a:t>Titel</a:t>
             </a:r>
@@ -11294,7 +11322,7 @@
       </p:sp>
       <p:sp>
         <p:nvSpPr>
-          <p:cNvPr id="5" name="Espace réservé du numéro de diapositive 4"/>
+          <p:cNvPr id="4" name="Espace réservé du numéro de diapositive 3"/>
           <p:cNvSpPr>
             <a:spLocks noGrp="1"/>
           </p:cNvSpPr>
@@ -11319,7 +11347,7 @@
     </p:spTree>
     <p:extLst>
       <p:ext uri="{BB962C8B-B14F-4D97-AF65-F5344CB8AC3E}">
-        <p14:creationId xmlns:p14="http://schemas.microsoft.com/office/powerpoint/2010/main" val="3976055063"/>
+        <p14:creationId xmlns:p14="http://schemas.microsoft.com/office/powerpoint/2010/main" val="725989068"/>
       </p:ext>
     </p:extLst>
   </p:cSld>
@@ -11361,39 +11389,14 @@
           <a:chExt cx="0" cy="0"/>
         </a:xfrm>
       </p:grpSpPr>
-      <p:pic>
-        <p:nvPicPr>
-          <p:cNvPr id="12" name="Bildplatzhalter 11"/>
-          <p:cNvPicPr>
-            <a:picLocks noGrp="1" noChangeAspect="1"/>
-          </p:cNvPicPr>
-          <p:nvPr>
-            <p:ph type="pic" sz="quarter" idx="15"/>
-          </p:nvPr>
-        </p:nvPicPr>
-        <p:blipFill>
-          <a:blip r:embed="rId3">
-            <a:extLst>
-              <a:ext uri="{28A0092B-C50C-407E-A947-70E740481C1C}">
-                <a14:useLocalDpi xmlns:a14="http://schemas.microsoft.com/office/drawing/2010/main" val="0"/>
-              </a:ext>
-            </a:extLst>
-          </a:blip>
-          <a:srcRect t="15983" b="15983"/>
-          <a:stretch>
-            <a:fillRect/>
-          </a:stretch>
-        </p:blipFill>
-        <p:spPr bwMode="gray"/>
-      </p:pic>
-      <p:sp>
-        <p:nvSpPr>
-          <p:cNvPr id="5" name="Titre 4"/>
-          <p:cNvSpPr>
-            <a:spLocks noGrp="1"/>
-          </p:cNvSpPr>
-          <p:nvPr>
-            <p:ph type="ctrTitle"/>
+      <p:sp>
+        <p:nvSpPr>
+          <p:cNvPr id="2" name="Espace réservé du contenu 1"/>
+          <p:cNvSpPr>
+            <a:spLocks noGrp="1"/>
+          </p:cNvSpPr>
+          <p:nvPr>
+            <p:ph idx="1"/>
           </p:nvPr>
         </p:nvSpPr>
         <p:spPr bwMode="gray"/>
@@ -11401,22 +11404,63 @@
           <a:bodyPr/>
           <a:lstStyle/>
           <a:p>
-            <a:r>
-              <a:rPr lang="de-DE" dirty="0" smtClean="0"/>
-              <a:t>Nächste Schritte</a:t>
+            <a:pPr lvl="0"/>
+            <a:r>
+              <a:rPr lang="de-DE" dirty="0" err="1"/>
+              <a:t>Blockchain</a:t>
             </a:r>
             <a:endParaRPr lang="de-DE" dirty="0"/>
           </a:p>
-        </p:txBody>
-      </p:sp>
-      <p:sp>
-        <p:nvSpPr>
-          <p:cNvPr id="6" name="Sous-titre 5"/>
-          <p:cNvSpPr>
-            <a:spLocks noGrp="1"/>
-          </p:cNvSpPr>
-          <p:nvPr>
-            <p:ph type="subTitle" idx="1"/>
+          <a:p>
+            <a:pPr lvl="0"/>
+            <a:r>
+              <a:rPr lang="de-DE" dirty="0" err="1"/>
+              <a:t>CoreBanking</a:t>
+            </a:r>
+            <a:endParaRPr lang="de-DE" dirty="0"/>
+          </a:p>
+          <a:p>
+            <a:pPr lvl="0"/>
+            <a:r>
+              <a:rPr lang="de-DE" dirty="0" err="1"/>
+              <a:t>AxWay</a:t>
+            </a:r>
+            <a:r>
+              <a:rPr lang="de-DE" dirty="0"/>
+              <a:t>/ </a:t>
+            </a:r>
+            <a:r>
+              <a:rPr lang="de-DE" dirty="0" err="1" smtClean="0"/>
+              <a:t>Apiomat</a:t>
+            </a:r>
+            <a:endParaRPr lang="de-DE" dirty="0"/>
+          </a:p>
+          <a:p>
+            <a:pPr lvl="0"/>
+            <a:r>
+              <a:rPr lang="de-DE" dirty="0" err="1" smtClean="0"/>
+              <a:t>Themenclustermap</a:t>
+            </a:r>
+            <a:endParaRPr lang="de-DE" dirty="0" smtClean="0"/>
+          </a:p>
+          <a:p>
+            <a:pPr lvl="2"/>
+            <a:endParaRPr lang="de-DE" dirty="0" smtClean="0"/>
+          </a:p>
+          <a:p>
+            <a:pPr lvl="2"/>
+            <a:endParaRPr lang="de-DE" dirty="0"/>
+          </a:p>
+        </p:txBody>
+      </p:sp>
+      <p:sp>
+        <p:nvSpPr>
+          <p:cNvPr id="3" name="Titre 2"/>
+          <p:cNvSpPr>
+            <a:spLocks noGrp="1"/>
+          </p:cNvSpPr>
+          <p:nvPr>
+            <p:ph type="title"/>
           </p:nvPr>
         </p:nvSpPr>
         <p:spPr bwMode="gray"/>
@@ -11425,21 +11469,20 @@
           <a:lstStyle/>
           <a:p>
             <a:r>
-              <a:rPr lang="de-DE" dirty="0" smtClean="0"/>
-              <a:t>Wie geht es weiter?</a:t>
-            </a:r>
-            <a:endParaRPr lang="de-DE" dirty="0"/>
-          </a:p>
-        </p:txBody>
-      </p:sp>
-      <p:sp>
-        <p:nvSpPr>
-          <p:cNvPr id="10" name="FooterDate"/>
-          <p:cNvSpPr>
-            <a:spLocks noGrp="1"/>
-          </p:cNvSpPr>
-          <p:nvPr>
-            <p:ph type="dt" sz="half" idx="2"/>
+              <a:rPr lang="de-DE" dirty="0"/>
+              <a:t>Themenspeicher</a:t>
+            </a:r>
+          </a:p>
+        </p:txBody>
+      </p:sp>
+      <p:sp>
+        <p:nvSpPr>
+          <p:cNvPr id="10" name="Espace réservé du texte 9"/>
+          <p:cNvSpPr>
+            <a:spLocks noGrp="1"/>
+          </p:cNvSpPr>
+          <p:nvPr>
+            <p:ph type="body" sz="quarter" idx="13"/>
           </p:nvPr>
         </p:nvSpPr>
         <p:spPr bwMode="gray"/>
@@ -11448,6 +11491,28 @@
           <a:lstStyle/>
           <a:p>
             <a:r>
+              <a:rPr lang="de-DE" dirty="0"/>
+              <a:t>Was wollen wir?</a:t>
+            </a:r>
+          </a:p>
+        </p:txBody>
+      </p:sp>
+      <p:sp>
+        <p:nvSpPr>
+          <p:cNvPr id="8" name="FooterDate"/>
+          <p:cNvSpPr>
+            <a:spLocks noGrp="1"/>
+          </p:cNvSpPr>
+          <p:nvPr>
+            <p:ph type="dt" sz="half" idx="2"/>
+          </p:nvPr>
+        </p:nvSpPr>
+        <p:spPr bwMode="gray"/>
+        <p:txBody>
+          <a:bodyPr/>
+          <a:lstStyle/>
+          <a:p>
+            <a:r>
               <a:rPr lang="de-DE" noProof="0" smtClean="0"/>
               <a:t>17.12.2014</a:t>
             </a:r>
@@ -11457,7 +11522,7 @@
       </p:sp>
       <p:sp>
         <p:nvSpPr>
-          <p:cNvPr id="2" name="FooterTitle"/>
+          <p:cNvPr id="6" name="FooterTitle"/>
           <p:cNvSpPr>
             <a:spLocks noGrp="1"/>
           </p:cNvSpPr>
@@ -11480,7 +11545,7 @@
       </p:sp>
       <p:sp>
         <p:nvSpPr>
-          <p:cNvPr id="4" name="Espace réservé du numéro de diapositive 3"/>
+          <p:cNvPr id="5" name="Espace réservé du numéro de diapositive 4"/>
           <p:cNvSpPr>
             <a:spLocks noGrp="1"/>
           </p:cNvSpPr>
@@ -11505,7 +11570,7 @@
     </p:spTree>
     <p:extLst>
       <p:ext uri="{BB962C8B-B14F-4D97-AF65-F5344CB8AC3E}">
-        <p14:creationId xmlns:p14="http://schemas.microsoft.com/office/powerpoint/2010/main" val="4184904272"/>
+        <p14:creationId xmlns:p14="http://schemas.microsoft.com/office/powerpoint/2010/main" val="3976055063"/>
       </p:ext>
     </p:extLst>
   </p:cSld>
@@ -11547,14 +11612,39 @@
           <a:chExt cx="0" cy="0"/>
         </a:xfrm>
       </p:grpSpPr>
-      <p:sp>
-        <p:nvSpPr>
-          <p:cNvPr id="2" name="Espace réservé du contenu 1"/>
-          <p:cNvSpPr>
-            <a:spLocks noGrp="1"/>
-          </p:cNvSpPr>
-          <p:nvPr>
-            <p:ph idx="1"/>
+      <p:pic>
+        <p:nvPicPr>
+          <p:cNvPr id="12" name="Bildplatzhalter 11"/>
+          <p:cNvPicPr>
+            <a:picLocks noGrp="1" noChangeAspect="1"/>
+          </p:cNvPicPr>
+          <p:nvPr>
+            <p:ph type="pic" sz="quarter" idx="15"/>
+          </p:nvPr>
+        </p:nvPicPr>
+        <p:blipFill>
+          <a:blip r:embed="rId3">
+            <a:extLst>
+              <a:ext uri="{28A0092B-C50C-407E-A947-70E740481C1C}">
+                <a14:useLocalDpi xmlns:a14="http://schemas.microsoft.com/office/drawing/2010/main" val="0"/>
+              </a:ext>
+            </a:extLst>
+          </a:blip>
+          <a:srcRect t="15983" b="15983"/>
+          <a:stretch>
+            <a:fillRect/>
+          </a:stretch>
+        </p:blipFill>
+        <p:spPr bwMode="gray"/>
+      </p:pic>
+      <p:sp>
+        <p:nvSpPr>
+          <p:cNvPr id="5" name="Titre 4"/>
+          <p:cNvSpPr>
+            <a:spLocks noGrp="1"/>
+          </p:cNvSpPr>
+          <p:nvPr>
+            <p:ph type="ctrTitle"/>
           </p:nvPr>
         </p:nvSpPr>
         <p:spPr bwMode="gray"/>
@@ -11562,65 +11652,22 @@
           <a:bodyPr/>
           <a:lstStyle/>
           <a:p>
-            <a:pPr lvl="0"/>
             <a:r>
               <a:rPr lang="de-DE" dirty="0" smtClean="0"/>
-              <a:t>Konzeption zum Aufbau eines </a:t>
-            </a:r>
-            <a:r>
-              <a:rPr lang="de-DE" dirty="0" err="1" smtClean="0"/>
-              <a:t>Blockchain</a:t>
-            </a:r>
-            <a:r>
-              <a:rPr lang="de-DE" dirty="0" smtClean="0"/>
-              <a:t> Prototyps</a:t>
-            </a:r>
-          </a:p>
-          <a:p>
-            <a:pPr lvl="0"/>
-            <a:r>
-              <a:rPr lang="de-DE" dirty="0" smtClean="0"/>
-              <a:t>Aufbau einer </a:t>
-            </a:r>
-            <a:r>
-              <a:rPr lang="de-DE" dirty="0" err="1" smtClean="0"/>
-              <a:t>Continuous</a:t>
-            </a:r>
-            <a:r>
-              <a:rPr lang="de-DE" dirty="0" smtClean="0"/>
-              <a:t> Integration Infrastruktur</a:t>
-            </a:r>
-          </a:p>
-          <a:p>
-            <a:pPr lvl="0"/>
-            <a:r>
-              <a:rPr lang="de-DE" dirty="0" err="1" smtClean="0"/>
-              <a:t>CoreBanking</a:t>
-            </a:r>
-            <a:r>
-              <a:rPr lang="de-DE" dirty="0" smtClean="0"/>
-              <a:t> Prototyp erweitern</a:t>
-            </a:r>
-            <a:endParaRPr lang="de-DE" dirty="0" smtClean="0"/>
-          </a:p>
-          <a:p>
-            <a:pPr lvl="2"/>
-            <a:endParaRPr lang="de-DE" dirty="0" smtClean="0"/>
-          </a:p>
-          <a:p>
-            <a:pPr lvl="2"/>
+              <a:t>Nächste Schritte</a:t>
+            </a:r>
             <a:endParaRPr lang="de-DE" dirty="0"/>
           </a:p>
         </p:txBody>
       </p:sp>
       <p:sp>
         <p:nvSpPr>
-          <p:cNvPr id="3" name="Titre 2"/>
-          <p:cNvSpPr>
-            <a:spLocks noGrp="1"/>
-          </p:cNvSpPr>
-          <p:nvPr>
-            <p:ph type="title"/>
+          <p:cNvPr id="6" name="Sous-titre 5"/>
+          <p:cNvSpPr>
+            <a:spLocks noGrp="1"/>
+          </p:cNvSpPr>
+          <p:nvPr>
+            <p:ph type="subTitle" idx="1"/>
           </p:nvPr>
         </p:nvSpPr>
         <p:spPr bwMode="gray"/>
@@ -11629,8 +11676,8 @@
           <a:lstStyle/>
           <a:p>
             <a:r>
-              <a:rPr lang="de-DE" dirty="0"/>
-              <a:t>Nächste Schritte</a:t>
+              <a:rPr lang="de-DE" dirty="0" smtClean="0"/>
+              <a:t>Wie geht es weiter?</a:t>
             </a:r>
             <a:endParaRPr lang="de-DE" dirty="0"/>
           </a:p>
@@ -11638,12 +11685,12 @@
       </p:sp>
       <p:sp>
         <p:nvSpPr>
-          <p:cNvPr id="10" name="Espace réservé du texte 9"/>
-          <p:cNvSpPr>
-            <a:spLocks noGrp="1"/>
-          </p:cNvSpPr>
-          <p:nvPr>
-            <p:ph type="body" sz="quarter" idx="13"/>
+          <p:cNvPr id="10" name="FooterDate"/>
+          <p:cNvSpPr>
+            <a:spLocks noGrp="1"/>
+          </p:cNvSpPr>
+          <p:nvPr>
+            <p:ph type="dt" sz="half" idx="2"/>
           </p:nvPr>
         </p:nvSpPr>
         <p:spPr bwMode="gray"/>
@@ -11652,20 +11699,21 @@
           <a:lstStyle/>
           <a:p>
             <a:r>
-              <a:rPr lang="de-DE" dirty="0"/>
-              <a:t>Wie geht es weiter?</a:t>
-            </a:r>
-          </a:p>
-        </p:txBody>
-      </p:sp>
-      <p:sp>
-        <p:nvSpPr>
-          <p:cNvPr id="8" name="FooterDate"/>
-          <p:cNvSpPr>
-            <a:spLocks noGrp="1"/>
-          </p:cNvSpPr>
-          <p:nvPr>
-            <p:ph type="dt" sz="half" idx="2"/>
+              <a:rPr lang="de-DE" noProof="0" smtClean="0"/>
+              <a:t>17.12.2014</a:t>
+            </a:r>
+            <a:endParaRPr lang="de-DE" noProof="0" dirty="0"/>
+          </a:p>
+        </p:txBody>
+      </p:sp>
+      <p:sp>
+        <p:nvSpPr>
+          <p:cNvPr id="2" name="FooterTitle"/>
+          <p:cNvSpPr>
+            <a:spLocks noGrp="1"/>
+          </p:cNvSpPr>
+          <p:nvPr>
+            <p:ph type="ftr" sz="quarter" idx="3"/>
           </p:nvPr>
         </p:nvSpPr>
         <p:spPr bwMode="gray"/>
@@ -11674,29 +11722,6 @@
           <a:lstStyle/>
           <a:p>
             <a:r>
-              <a:rPr lang="de-DE" noProof="0" smtClean="0"/>
-              <a:t>17.12.2014</a:t>
-            </a:r>
-            <a:endParaRPr lang="de-DE" noProof="0" dirty="0"/>
-          </a:p>
-        </p:txBody>
-      </p:sp>
-      <p:sp>
-        <p:nvSpPr>
-          <p:cNvPr id="6" name="FooterTitle"/>
-          <p:cNvSpPr>
-            <a:spLocks noGrp="1"/>
-          </p:cNvSpPr>
-          <p:nvPr>
-            <p:ph type="ftr" sz="quarter" idx="3"/>
-          </p:nvPr>
-        </p:nvSpPr>
-        <p:spPr bwMode="gray"/>
-        <p:txBody>
-          <a:bodyPr/>
-          <a:lstStyle/>
-          <a:p>
-            <a:r>
               <a:rPr lang="de-DE" noProof="0" dirty="0" smtClean="0"/>
               <a:t>Titel</a:t>
             </a:r>
@@ -11706,7 +11731,7 @@
       </p:sp>
       <p:sp>
         <p:nvSpPr>
-          <p:cNvPr id="5" name="Espace réservé du numéro de diapositive 4"/>
+          <p:cNvPr id="4" name="Espace réservé du numéro de diapositive 3"/>
           <p:cNvSpPr>
             <a:spLocks noGrp="1"/>
           </p:cNvSpPr>
@@ -11731,7 +11756,7 @@
     </p:spTree>
     <p:extLst>
       <p:ext uri="{BB962C8B-B14F-4D97-AF65-F5344CB8AC3E}">
-        <p14:creationId xmlns:p14="http://schemas.microsoft.com/office/powerpoint/2010/main" val="3976055063"/>
+        <p14:creationId xmlns:p14="http://schemas.microsoft.com/office/powerpoint/2010/main" val="4184904272"/>
       </p:ext>
     </p:extLst>
   </p:cSld>
@@ -11775,12 +11800,12 @@
       </p:grpSpPr>
       <p:sp>
         <p:nvSpPr>
-          <p:cNvPr id="10" name="FooterDate"/>
-          <p:cNvSpPr>
-            <a:spLocks noGrp="1"/>
-          </p:cNvSpPr>
-          <p:nvPr>
-            <p:ph type="dt" sz="half" idx="2"/>
+          <p:cNvPr id="2" name="Espace réservé du contenu 1"/>
+          <p:cNvSpPr>
+            <a:spLocks noGrp="1"/>
+          </p:cNvSpPr>
+          <p:nvPr>
+            <p:ph idx="1"/>
           </p:nvPr>
         </p:nvSpPr>
         <p:spPr bwMode="gray"/>
@@ -11788,6 +11813,150 @@
           <a:bodyPr/>
           <a:lstStyle/>
           <a:p>
+            <a:pPr lvl="0"/>
+            <a:r>
+              <a:rPr lang="de-DE" dirty="0" smtClean="0"/>
+              <a:t>Konzeption zum Aufbau eines </a:t>
+            </a:r>
+            <a:r>
+              <a:rPr lang="de-DE" dirty="0" err="1" smtClean="0"/>
+              <a:t>Blockchain</a:t>
+            </a:r>
+            <a:r>
+              <a:rPr lang="de-DE" dirty="0" smtClean="0"/>
+              <a:t> Prototyps</a:t>
+            </a:r>
+          </a:p>
+          <a:p>
+            <a:pPr lvl="0"/>
+            <a:r>
+              <a:rPr lang="de-DE" dirty="0" smtClean="0"/>
+              <a:t>Aufbau einer </a:t>
+            </a:r>
+            <a:r>
+              <a:rPr lang="de-DE" dirty="0" err="1" smtClean="0"/>
+              <a:t>Continuous</a:t>
+            </a:r>
+            <a:r>
+              <a:rPr lang="de-DE" dirty="0" smtClean="0"/>
+              <a:t> Integration Infrastruktur</a:t>
+            </a:r>
+          </a:p>
+          <a:p>
+            <a:pPr lvl="0"/>
+            <a:r>
+              <a:rPr lang="de-DE" dirty="0" err="1" smtClean="0"/>
+              <a:t>CoreBanking</a:t>
+            </a:r>
+            <a:r>
+              <a:rPr lang="de-DE" dirty="0" smtClean="0"/>
+              <a:t> Prototyp </a:t>
+            </a:r>
+            <a:r>
+              <a:rPr lang="de-DE" dirty="0" smtClean="0"/>
+              <a:t>erweitern</a:t>
+            </a:r>
+          </a:p>
+          <a:p>
+            <a:pPr lvl="0"/>
+            <a:r>
+              <a:rPr lang="de-DE" dirty="0" smtClean="0"/>
+              <a:t>Integration </a:t>
+            </a:r>
+            <a:r>
+              <a:rPr lang="de-DE" dirty="0" err="1" smtClean="0"/>
+              <a:t>ThemenClusterMap</a:t>
+            </a:r>
+            <a:r>
+              <a:rPr lang="de-DE" dirty="0" smtClean="0"/>
+              <a:t>: </a:t>
+            </a:r>
+            <a:r>
+              <a:rPr lang="de-DE" dirty="0" smtClean="0"/>
+              <a:t>Links, bearbeitete Themen</a:t>
+            </a:r>
+          </a:p>
+          <a:p>
+            <a:pPr lvl="0"/>
+            <a:r>
+              <a:rPr lang="de-DE" dirty="0" smtClean="0"/>
+              <a:t>Unterstützung </a:t>
+            </a:r>
+            <a:r>
+              <a:rPr lang="de-DE" smtClean="0"/>
+              <a:t>durch Werkstudent</a:t>
+            </a:r>
+            <a:endParaRPr lang="de-DE" dirty="0" smtClean="0"/>
+          </a:p>
+          <a:p>
+            <a:pPr lvl="2"/>
+            <a:endParaRPr lang="de-DE" dirty="0" smtClean="0"/>
+          </a:p>
+          <a:p>
+            <a:pPr lvl="2"/>
+            <a:endParaRPr lang="de-DE" dirty="0"/>
+          </a:p>
+        </p:txBody>
+      </p:sp>
+      <p:sp>
+        <p:nvSpPr>
+          <p:cNvPr id="3" name="Titre 2"/>
+          <p:cNvSpPr>
+            <a:spLocks noGrp="1"/>
+          </p:cNvSpPr>
+          <p:nvPr>
+            <p:ph type="title"/>
+          </p:nvPr>
+        </p:nvSpPr>
+        <p:spPr bwMode="gray"/>
+        <p:txBody>
+          <a:bodyPr/>
+          <a:lstStyle/>
+          <a:p>
+            <a:r>
+              <a:rPr lang="de-DE" dirty="0"/>
+              <a:t>Nächste Schritte</a:t>
+            </a:r>
+          </a:p>
+        </p:txBody>
+      </p:sp>
+      <p:sp>
+        <p:nvSpPr>
+          <p:cNvPr id="10" name="Espace réservé du texte 9"/>
+          <p:cNvSpPr>
+            <a:spLocks noGrp="1"/>
+          </p:cNvSpPr>
+          <p:nvPr>
+            <p:ph type="body" sz="quarter" idx="13"/>
+          </p:nvPr>
+        </p:nvSpPr>
+        <p:spPr bwMode="gray"/>
+        <p:txBody>
+          <a:bodyPr/>
+          <a:lstStyle/>
+          <a:p>
+            <a:r>
+              <a:rPr lang="de-DE" dirty="0"/>
+              <a:t>Wie geht es weiter?</a:t>
+            </a:r>
+          </a:p>
+        </p:txBody>
+      </p:sp>
+      <p:sp>
+        <p:nvSpPr>
+          <p:cNvPr id="8" name="FooterDate"/>
+          <p:cNvSpPr>
+            <a:spLocks noGrp="1"/>
+          </p:cNvSpPr>
+          <p:nvPr>
+            <p:ph type="dt" sz="half" idx="2"/>
+          </p:nvPr>
+        </p:nvSpPr>
+        <p:spPr bwMode="gray"/>
+        <p:txBody>
+          <a:bodyPr/>
+          <a:lstStyle/>
+          <a:p>
             <a:r>
               <a:rPr lang="de-DE" noProof="0" smtClean="0"/>
               <a:t>17.12.2014</a:t>
@@ -11798,7 +11967,7 @@
       </p:sp>
       <p:sp>
         <p:nvSpPr>
-          <p:cNvPr id="7" name="FooterTitle"/>
+          <p:cNvPr id="6" name="FooterTitle"/>
           <p:cNvSpPr>
             <a:spLocks noGrp="1"/>
           </p:cNvSpPr>
@@ -11843,467 +12012,10 @@
           </a:p>
         </p:txBody>
       </p:sp>
-      <p:sp>
-        <p:nvSpPr>
-          <p:cNvPr id="17" name="ContactAddress"/>
-          <p:cNvSpPr txBox="1"/>
-          <p:nvPr/>
-        </p:nvSpPr>
-        <p:spPr bwMode="gray">
-          <a:xfrm>
-            <a:off x="418356" y="5118645"/>
-            <a:ext cx="4141830" cy="1169551"/>
-          </a:xfrm>
-          <a:prstGeom prst="rect">
-            <a:avLst/>
-          </a:prstGeom>
-          <a:noFill/>
-        </p:spPr>
-        <p:txBody>
-          <a:bodyPr wrap="square" rtlCol="0">
-            <a:spAutoFit/>
-          </a:bodyPr>
-          <a:lstStyle/>
-          <a:p>
-            <a:r>
-              <a:rPr lang="de-DE" sz="1400" b="1" dirty="0" smtClean="0"/>
-              <a:t>Sopra Steria Consulting</a:t>
-            </a:r>
-          </a:p>
-          <a:p>
-            <a:r>
-              <a:rPr lang="en-US" sz="1400" dirty="0"/>
-              <a:t>Business Unit Promotional &amp; Cooperative </a:t>
-            </a:r>
-            <a:r>
-              <a:rPr lang="en-US" sz="1400" dirty="0" smtClean="0"/>
-              <a:t>Banks</a:t>
-            </a:r>
-          </a:p>
-          <a:p>
-            <a:r>
-              <a:rPr lang="de-DE" sz="1400" dirty="0"/>
-              <a:t>Unit Banking Java Mobile Web </a:t>
-            </a:r>
-            <a:r>
-              <a:rPr lang="de-DE" sz="1400" dirty="0" smtClean="0"/>
-              <a:t>(Klaudio Misselwitz)</a:t>
-            </a:r>
-            <a:endParaRPr lang="de-DE" sz="1400" dirty="0"/>
-          </a:p>
-          <a:p>
-            <a:endParaRPr lang="de-DE" sz="1400" dirty="0" smtClean="0"/>
-          </a:p>
-          <a:p>
-            <a:r>
-              <a:rPr lang="de-DE" sz="1400" dirty="0" smtClean="0"/>
-              <a:t>www.soprasteria.de</a:t>
-            </a:r>
-            <a:endParaRPr lang="de-DE" sz="1400" dirty="0"/>
-          </a:p>
-        </p:txBody>
-      </p:sp>
-      <p:sp>
-        <p:nvSpPr>
-          <p:cNvPr id="2" name="Rectangle 1"/>
-          <p:cNvSpPr/>
-          <p:nvPr/>
-        </p:nvSpPr>
-        <p:spPr bwMode="gray">
-          <a:xfrm>
-            <a:off x="489400" y="2773855"/>
-            <a:ext cx="3240000" cy="1980000"/>
-          </a:xfrm>
-          <a:prstGeom prst="rect">
-            <a:avLst/>
-          </a:prstGeom>
-          <a:noFill/>
-          <a:ln w="9525">
-            <a:solidFill>
-              <a:schemeClr val="tx1"/>
-            </a:solidFill>
-          </a:ln>
-        </p:spPr>
-        <p:style>
-          <a:lnRef idx="2">
-            <a:schemeClr val="accent1">
-              <a:shade val="50000"/>
-            </a:schemeClr>
-          </a:lnRef>
-          <a:fillRef idx="1">
-            <a:schemeClr val="accent1"/>
-          </a:fillRef>
-          <a:effectRef idx="0">
-            <a:schemeClr val="accent1"/>
-          </a:effectRef>
-          <a:fontRef idx="minor">
-            <a:schemeClr val="lt1"/>
-          </a:fontRef>
-        </p:style>
-        <p:txBody>
-          <a:bodyPr rtlCol="0" anchor="ctr"/>
-          <a:lstStyle/>
-          <a:p>
-            <a:pPr algn="ctr"/>
-            <a:endParaRPr lang="de-DE" dirty="0" smtClean="0"/>
-          </a:p>
-        </p:txBody>
-      </p:sp>
-      <p:sp>
-        <p:nvSpPr>
-          <p:cNvPr id="3" name="ZoneTexte 2"/>
-          <p:cNvSpPr txBox="1"/>
-          <p:nvPr/>
-        </p:nvSpPr>
-        <p:spPr bwMode="gray">
-          <a:xfrm>
-            <a:off x="1898891" y="3578500"/>
-            <a:ext cx="1800200" cy="338554"/>
-          </a:xfrm>
-          <a:prstGeom prst="rect">
-            <a:avLst/>
-          </a:prstGeom>
-          <a:noFill/>
-        </p:spPr>
-        <p:txBody>
-          <a:bodyPr wrap="square" rtlCol="0">
-            <a:spAutoFit/>
-          </a:bodyPr>
-          <a:lstStyle/>
-          <a:p>
-            <a:pPr algn="r"/>
-            <a:r>
-              <a:rPr lang="de-DE" sz="800" b="1" dirty="0" smtClean="0">
-                <a:solidFill>
-                  <a:schemeClr val="tx2"/>
-                </a:solidFill>
-              </a:rPr>
-              <a:t>Michael ENZ</a:t>
-            </a:r>
-            <a:endParaRPr lang="de-DE" sz="800" b="1" dirty="0" smtClean="0">
-              <a:solidFill>
-                <a:schemeClr val="tx2"/>
-              </a:solidFill>
-            </a:endParaRPr>
-          </a:p>
-          <a:p>
-            <a:pPr algn="r"/>
-            <a:r>
-              <a:rPr lang="de-DE" sz="800" dirty="0" smtClean="0"/>
-              <a:t>Senior Consultant</a:t>
-            </a:r>
-            <a:endParaRPr lang="de-DE" sz="800" dirty="0"/>
-          </a:p>
-        </p:txBody>
-      </p:sp>
-      <p:sp>
-        <p:nvSpPr>
-          <p:cNvPr id="9" name="ContactBusinessCard"/>
-          <p:cNvSpPr txBox="1"/>
-          <p:nvPr/>
-        </p:nvSpPr>
-        <p:spPr bwMode="gray">
-          <a:xfrm>
-            <a:off x="1882266" y="4015984"/>
-            <a:ext cx="1800200" cy="584775"/>
-          </a:xfrm>
-          <a:prstGeom prst="rect">
-            <a:avLst/>
-          </a:prstGeom>
-          <a:noFill/>
-        </p:spPr>
-        <p:txBody>
-          <a:bodyPr wrap="square" rtlCol="0">
-            <a:spAutoFit/>
-          </a:bodyPr>
-          <a:lstStyle/>
-          <a:p>
-            <a:pPr algn="r"/>
-            <a:endParaRPr lang="de-DE" sz="800" dirty="0" smtClean="0"/>
-          </a:p>
-          <a:p>
-            <a:pPr algn="r"/>
-            <a:endParaRPr lang="de-DE" sz="800" dirty="0"/>
-          </a:p>
-          <a:p>
-            <a:pPr algn="r"/>
-            <a:r>
-              <a:rPr lang="de-DE" sz="800" dirty="0" smtClean="0"/>
-              <a:t>M</a:t>
-            </a:r>
-            <a:r>
-              <a:rPr lang="de-DE" sz="800" dirty="0"/>
-              <a:t>. +49 (</a:t>
-            </a:r>
-            <a:r>
-              <a:rPr lang="de-DE" sz="800" dirty="0" smtClean="0"/>
-              <a:t>0) 178 661 2752</a:t>
-            </a:r>
-            <a:endParaRPr lang="de-DE" sz="800" dirty="0"/>
-          </a:p>
-          <a:p>
-            <a:pPr algn="r"/>
-            <a:r>
-              <a:rPr lang="de-DE" sz="800" dirty="0" smtClean="0"/>
-              <a:t>Michael.Enz@soprasteria.com</a:t>
-            </a:r>
-            <a:endParaRPr lang="de-DE" sz="800" dirty="0"/>
-          </a:p>
-        </p:txBody>
-      </p:sp>
-      <p:sp>
-        <p:nvSpPr>
-          <p:cNvPr id="11" name="Rectangle 10"/>
-          <p:cNvSpPr/>
-          <p:nvPr/>
-        </p:nvSpPr>
-        <p:spPr bwMode="gray">
-          <a:xfrm>
-            <a:off x="418356" y="2360755"/>
-            <a:ext cx="2067682" cy="307777"/>
-          </a:xfrm>
-          <a:prstGeom prst="rect">
-            <a:avLst/>
-          </a:prstGeom>
-          <a:noFill/>
-        </p:spPr>
-        <p:txBody>
-          <a:bodyPr wrap="none">
-            <a:spAutoFit/>
-          </a:bodyPr>
-          <a:lstStyle/>
-          <a:p>
-            <a:pPr marL="266700" lvl="0" indent="-266700">
-              <a:spcAft>
-                <a:spcPts val="600"/>
-              </a:spcAft>
-              <a:buSzPct val="70000"/>
-              <a:defRPr/>
-            </a:pPr>
-            <a:r>
-              <a:rPr lang="de-DE" sz="1400" b="1" dirty="0" smtClean="0"/>
-              <a:t>IHRE </a:t>
-            </a:r>
-            <a:r>
-              <a:rPr lang="de-DE" sz="1400" b="1" dirty="0" smtClean="0"/>
-              <a:t>ANSPRECHPARTNER</a:t>
-            </a:r>
-            <a:endParaRPr lang="de-DE" sz="1400" b="1" dirty="0"/>
-          </a:p>
-        </p:txBody>
-      </p:sp>
-      <p:pic>
-        <p:nvPicPr>
-          <p:cNvPr id="4" name="LogoDE_Klein"/>
-          <p:cNvPicPr>
-            <a:picLocks noChangeAspect="1"/>
-          </p:cNvPicPr>
-          <p:nvPr/>
-        </p:nvPicPr>
-        <p:blipFill>
-          <a:blip r:embed="rId3">
-            <a:extLst>
-              <a:ext uri="{28A0092B-C50C-407E-A947-70E740481C1C}">
-                <a14:useLocalDpi xmlns:a14="http://schemas.microsoft.com/office/drawing/2010/main" val="0"/>
-              </a:ext>
-            </a:extLst>
-          </a:blip>
-          <a:stretch>
-            <a:fillRect/>
-          </a:stretch>
-        </p:blipFill>
-        <p:spPr bwMode="gray">
-          <a:xfrm>
-            <a:off x="514114" y="2844394"/>
-            <a:ext cx="1914754" cy="584606"/>
-          </a:xfrm>
-          <a:prstGeom prst="rect">
-            <a:avLst/>
-          </a:prstGeom>
-        </p:spPr>
-      </p:pic>
-      <p:sp>
-        <p:nvSpPr>
-          <p:cNvPr id="13" name="Rectangle 1"/>
-          <p:cNvSpPr/>
-          <p:nvPr/>
-        </p:nvSpPr>
-        <p:spPr bwMode="gray">
-          <a:xfrm>
-            <a:off x="4096200" y="2773855"/>
-            <a:ext cx="3240000" cy="1980000"/>
-          </a:xfrm>
-          <a:prstGeom prst="rect">
-            <a:avLst/>
-          </a:prstGeom>
-          <a:noFill/>
-          <a:ln w="9525">
-            <a:solidFill>
-              <a:schemeClr val="tx1"/>
-            </a:solidFill>
-          </a:ln>
-        </p:spPr>
-        <p:style>
-          <a:lnRef idx="2">
-            <a:schemeClr val="accent1">
-              <a:shade val="50000"/>
-            </a:schemeClr>
-          </a:lnRef>
-          <a:fillRef idx="1">
-            <a:schemeClr val="accent1"/>
-          </a:fillRef>
-          <a:effectRef idx="0">
-            <a:schemeClr val="accent1"/>
-          </a:effectRef>
-          <a:fontRef idx="minor">
-            <a:schemeClr val="lt1"/>
-          </a:fontRef>
-        </p:style>
-        <p:txBody>
-          <a:bodyPr rtlCol="0" anchor="ctr"/>
-          <a:lstStyle/>
-          <a:p>
-            <a:pPr algn="ctr"/>
-            <a:endParaRPr lang="de-DE" dirty="0" smtClean="0"/>
-          </a:p>
-        </p:txBody>
-      </p:sp>
-      <p:sp>
-        <p:nvSpPr>
-          <p:cNvPr id="14" name="ZoneTexte 2"/>
-          <p:cNvSpPr txBox="1"/>
-          <p:nvPr/>
-        </p:nvSpPr>
-        <p:spPr bwMode="gray">
-          <a:xfrm>
-            <a:off x="5505691" y="3578500"/>
-            <a:ext cx="1800200" cy="338554"/>
-          </a:xfrm>
-          <a:prstGeom prst="rect">
-            <a:avLst/>
-          </a:prstGeom>
-          <a:noFill/>
-        </p:spPr>
-        <p:txBody>
-          <a:bodyPr wrap="square" rtlCol="0">
-            <a:spAutoFit/>
-          </a:bodyPr>
-          <a:lstStyle/>
-          <a:p>
-            <a:pPr algn="r"/>
-            <a:r>
-              <a:rPr lang="de-DE" sz="800" b="1" dirty="0" smtClean="0">
-                <a:solidFill>
-                  <a:schemeClr val="tx2"/>
-                </a:solidFill>
-              </a:rPr>
-              <a:t>Christian ADAM</a:t>
-            </a:r>
-            <a:endParaRPr lang="de-DE" sz="800" b="1" dirty="0" smtClean="0">
-              <a:solidFill>
-                <a:schemeClr val="tx2"/>
-              </a:solidFill>
-            </a:endParaRPr>
-          </a:p>
-          <a:p>
-            <a:pPr algn="r"/>
-            <a:r>
-              <a:rPr lang="de-DE" sz="800" dirty="0" smtClean="0"/>
-              <a:t>Senior Consultant</a:t>
-            </a:r>
-            <a:endParaRPr lang="de-DE" sz="800" dirty="0"/>
-          </a:p>
-        </p:txBody>
-      </p:sp>
-      <p:sp>
-        <p:nvSpPr>
-          <p:cNvPr id="15" name="ContactBusinessCard"/>
-          <p:cNvSpPr txBox="1"/>
-          <p:nvPr/>
-        </p:nvSpPr>
-        <p:spPr bwMode="gray">
-          <a:xfrm>
-            <a:off x="5489066" y="4015984"/>
-            <a:ext cx="1800200" cy="584775"/>
-          </a:xfrm>
-          <a:prstGeom prst="rect">
-            <a:avLst/>
-          </a:prstGeom>
-          <a:noFill/>
-        </p:spPr>
-        <p:txBody>
-          <a:bodyPr wrap="square" rtlCol="0">
-            <a:spAutoFit/>
-          </a:bodyPr>
-          <a:lstStyle/>
-          <a:p>
-            <a:pPr algn="r"/>
-            <a:endParaRPr lang="de-DE" sz="800" dirty="0" smtClean="0"/>
-          </a:p>
-          <a:p>
-            <a:pPr algn="r"/>
-            <a:endParaRPr lang="de-DE" sz="800" dirty="0"/>
-          </a:p>
-          <a:p>
-            <a:pPr algn="r"/>
-            <a:r>
-              <a:rPr lang="de-DE" sz="800" dirty="0" smtClean="0"/>
-              <a:t>M</a:t>
-            </a:r>
-            <a:r>
-              <a:rPr lang="de-DE" sz="800" dirty="0"/>
-              <a:t>. +49 (</a:t>
-            </a:r>
-            <a:r>
-              <a:rPr lang="de-DE" sz="800" dirty="0" smtClean="0"/>
-              <a:t>0) 151 4062 8356</a:t>
-            </a:r>
-            <a:endParaRPr lang="de-DE" sz="800" dirty="0"/>
-          </a:p>
-          <a:p>
-            <a:pPr algn="r"/>
-            <a:r>
-              <a:rPr lang="de-DE" sz="800" dirty="0" smtClean="0"/>
-              <a:t>Christian.Adam@soprasteria.com</a:t>
-            </a:r>
-            <a:endParaRPr lang="de-DE" sz="800" dirty="0"/>
-          </a:p>
-        </p:txBody>
-      </p:sp>
-      <p:pic>
-        <p:nvPicPr>
-          <p:cNvPr id="16" name="LogoDE_Klein"/>
-          <p:cNvPicPr>
-            <a:picLocks noChangeAspect="1"/>
-          </p:cNvPicPr>
-          <p:nvPr/>
-        </p:nvPicPr>
-        <p:blipFill>
-          <a:blip r:embed="rId3">
-            <a:extLst>
-              <a:ext uri="{28A0092B-C50C-407E-A947-70E740481C1C}">
-                <a14:useLocalDpi xmlns:a14="http://schemas.microsoft.com/office/drawing/2010/main" val="0"/>
-              </a:ext>
-            </a:extLst>
-          </a:blip>
-          <a:stretch>
-            <a:fillRect/>
-          </a:stretch>
-        </p:blipFill>
-        <p:spPr bwMode="gray">
-          <a:xfrm>
-            <a:off x="4120914" y="2844394"/>
-            <a:ext cx="1914754" cy="584606"/>
-          </a:xfrm>
-          <a:prstGeom prst="rect">
-            <a:avLst/>
-          </a:prstGeom>
-        </p:spPr>
-      </p:pic>
     </p:spTree>
     <p:extLst>
       <p:ext uri="{BB962C8B-B14F-4D97-AF65-F5344CB8AC3E}">
-        <p14:creationId xmlns:p14="http://schemas.microsoft.com/office/powerpoint/2010/main" val="3575285859"/>
+        <p14:creationId xmlns:p14="http://schemas.microsoft.com/office/powerpoint/2010/main" val="3976055063"/>
       </p:ext>
     </p:extLst>
   </p:cSld>
@@ -12347,7 +12059,7 @@
       </p:grpSpPr>
       <p:sp>
         <p:nvSpPr>
-          <p:cNvPr id="7" name="FooterDate"/>
+          <p:cNvPr id="10" name="FooterDate"/>
           <p:cNvSpPr>
             <a:spLocks noGrp="1"/>
           </p:cNvSpPr>
@@ -12370,7 +12082,7 @@
       </p:sp>
       <p:sp>
         <p:nvSpPr>
-          <p:cNvPr id="6" name="FooterTitle"/>
+          <p:cNvPr id="7" name="FooterTitle"/>
           <p:cNvSpPr>
             <a:spLocks noGrp="1"/>
           </p:cNvSpPr>
@@ -12393,7 +12105,7 @@
       </p:sp>
       <p:sp>
         <p:nvSpPr>
-          <p:cNvPr id="3" name="Espace réservé du numéro de diapositive 2"/>
+          <p:cNvPr id="5" name="Espace réservé du numéro de diapositive 4"/>
           <p:cNvSpPr>
             <a:spLocks noGrp="1"/>
           </p:cNvSpPr>
@@ -12410,6 +12122,564 @@
               <a:rPr lang="de-DE" smtClean="0"/>
               <a:pPr/>
               <a:t>14</a:t>
+            </a:fld>
+            <a:endParaRPr lang="de-DE" dirty="0"/>
+          </a:p>
+        </p:txBody>
+      </p:sp>
+      <p:sp>
+        <p:nvSpPr>
+          <p:cNvPr id="17" name="ContactAddress"/>
+          <p:cNvSpPr txBox="1"/>
+          <p:nvPr/>
+        </p:nvSpPr>
+        <p:spPr bwMode="gray">
+          <a:xfrm>
+            <a:off x="418356" y="5118645"/>
+            <a:ext cx="4141830" cy="1169551"/>
+          </a:xfrm>
+          <a:prstGeom prst="rect">
+            <a:avLst/>
+          </a:prstGeom>
+          <a:noFill/>
+        </p:spPr>
+        <p:txBody>
+          <a:bodyPr wrap="square" rtlCol="0">
+            <a:spAutoFit/>
+          </a:bodyPr>
+          <a:lstStyle/>
+          <a:p>
+            <a:r>
+              <a:rPr lang="de-DE" sz="1400" b="1" dirty="0" smtClean="0"/>
+              <a:t>Sopra Steria Consulting</a:t>
+            </a:r>
+          </a:p>
+          <a:p>
+            <a:r>
+              <a:rPr lang="en-US" sz="1400" dirty="0"/>
+              <a:t>Business Unit Promotional &amp; Cooperative </a:t>
+            </a:r>
+            <a:r>
+              <a:rPr lang="en-US" sz="1400" dirty="0" smtClean="0"/>
+              <a:t>Banks</a:t>
+            </a:r>
+          </a:p>
+          <a:p>
+            <a:r>
+              <a:rPr lang="de-DE" sz="1400" dirty="0"/>
+              <a:t>Unit Banking Java Mobile Web </a:t>
+            </a:r>
+            <a:r>
+              <a:rPr lang="de-DE" sz="1400" dirty="0" smtClean="0"/>
+              <a:t>(Klaudio Misselwitz)</a:t>
+            </a:r>
+            <a:endParaRPr lang="de-DE" sz="1400" dirty="0"/>
+          </a:p>
+          <a:p>
+            <a:endParaRPr lang="de-DE" sz="1400" dirty="0" smtClean="0"/>
+          </a:p>
+          <a:p>
+            <a:r>
+              <a:rPr lang="de-DE" sz="1400" dirty="0" smtClean="0"/>
+              <a:t>www.soprasteria.de</a:t>
+            </a:r>
+            <a:endParaRPr lang="de-DE" sz="1400" dirty="0"/>
+          </a:p>
+        </p:txBody>
+      </p:sp>
+      <p:sp>
+        <p:nvSpPr>
+          <p:cNvPr id="2" name="Rectangle 1"/>
+          <p:cNvSpPr/>
+          <p:nvPr/>
+        </p:nvSpPr>
+        <p:spPr bwMode="gray">
+          <a:xfrm>
+            <a:off x="489400" y="2773855"/>
+            <a:ext cx="3240000" cy="1980000"/>
+          </a:xfrm>
+          <a:prstGeom prst="rect">
+            <a:avLst/>
+          </a:prstGeom>
+          <a:noFill/>
+          <a:ln w="9525">
+            <a:solidFill>
+              <a:schemeClr val="tx1"/>
+            </a:solidFill>
+          </a:ln>
+        </p:spPr>
+        <p:style>
+          <a:lnRef idx="2">
+            <a:schemeClr val="accent1">
+              <a:shade val="50000"/>
+            </a:schemeClr>
+          </a:lnRef>
+          <a:fillRef idx="1">
+            <a:schemeClr val="accent1"/>
+          </a:fillRef>
+          <a:effectRef idx="0">
+            <a:schemeClr val="accent1"/>
+          </a:effectRef>
+          <a:fontRef idx="minor">
+            <a:schemeClr val="lt1"/>
+          </a:fontRef>
+        </p:style>
+        <p:txBody>
+          <a:bodyPr rtlCol="0" anchor="ctr"/>
+          <a:lstStyle/>
+          <a:p>
+            <a:pPr algn="ctr"/>
+            <a:endParaRPr lang="de-DE" dirty="0" smtClean="0"/>
+          </a:p>
+        </p:txBody>
+      </p:sp>
+      <p:sp>
+        <p:nvSpPr>
+          <p:cNvPr id="3" name="ZoneTexte 2"/>
+          <p:cNvSpPr txBox="1"/>
+          <p:nvPr/>
+        </p:nvSpPr>
+        <p:spPr bwMode="gray">
+          <a:xfrm>
+            <a:off x="1898891" y="3578500"/>
+            <a:ext cx="1800200" cy="338554"/>
+          </a:xfrm>
+          <a:prstGeom prst="rect">
+            <a:avLst/>
+          </a:prstGeom>
+          <a:noFill/>
+        </p:spPr>
+        <p:txBody>
+          <a:bodyPr wrap="square" rtlCol="0">
+            <a:spAutoFit/>
+          </a:bodyPr>
+          <a:lstStyle/>
+          <a:p>
+            <a:pPr algn="r"/>
+            <a:r>
+              <a:rPr lang="de-DE" sz="800" b="1" dirty="0" smtClean="0">
+                <a:solidFill>
+                  <a:schemeClr val="tx2"/>
+                </a:solidFill>
+              </a:rPr>
+              <a:t>Michael ENZ</a:t>
+            </a:r>
+          </a:p>
+          <a:p>
+            <a:pPr algn="r"/>
+            <a:r>
+              <a:rPr lang="de-DE" sz="800" dirty="0" smtClean="0"/>
+              <a:t>Senior Consultant</a:t>
+            </a:r>
+            <a:endParaRPr lang="de-DE" sz="800" dirty="0"/>
+          </a:p>
+        </p:txBody>
+      </p:sp>
+      <p:sp>
+        <p:nvSpPr>
+          <p:cNvPr id="9" name="ContactBusinessCard"/>
+          <p:cNvSpPr txBox="1"/>
+          <p:nvPr/>
+        </p:nvSpPr>
+        <p:spPr bwMode="gray">
+          <a:xfrm>
+            <a:off x="1882266" y="4015984"/>
+            <a:ext cx="1800200" cy="584775"/>
+          </a:xfrm>
+          <a:prstGeom prst="rect">
+            <a:avLst/>
+          </a:prstGeom>
+          <a:noFill/>
+        </p:spPr>
+        <p:txBody>
+          <a:bodyPr wrap="square" rtlCol="0">
+            <a:spAutoFit/>
+          </a:bodyPr>
+          <a:lstStyle/>
+          <a:p>
+            <a:pPr algn="r"/>
+            <a:endParaRPr lang="de-DE" sz="800" dirty="0" smtClean="0"/>
+          </a:p>
+          <a:p>
+            <a:pPr algn="r"/>
+            <a:endParaRPr lang="de-DE" sz="800" dirty="0"/>
+          </a:p>
+          <a:p>
+            <a:pPr algn="r"/>
+            <a:r>
+              <a:rPr lang="de-DE" sz="800" dirty="0" smtClean="0"/>
+              <a:t>M</a:t>
+            </a:r>
+            <a:r>
+              <a:rPr lang="de-DE" sz="800" dirty="0"/>
+              <a:t>. +49 (</a:t>
+            </a:r>
+            <a:r>
+              <a:rPr lang="de-DE" sz="800" dirty="0" smtClean="0"/>
+              <a:t>0) 178 661 2752</a:t>
+            </a:r>
+            <a:endParaRPr lang="de-DE" sz="800" dirty="0"/>
+          </a:p>
+          <a:p>
+            <a:pPr algn="r"/>
+            <a:r>
+              <a:rPr lang="de-DE" sz="800" dirty="0" smtClean="0"/>
+              <a:t>Michael.Enz@soprasteria.com</a:t>
+            </a:r>
+            <a:endParaRPr lang="de-DE" sz="800" dirty="0"/>
+          </a:p>
+        </p:txBody>
+      </p:sp>
+      <p:sp>
+        <p:nvSpPr>
+          <p:cNvPr id="11" name="Rectangle 10"/>
+          <p:cNvSpPr/>
+          <p:nvPr/>
+        </p:nvSpPr>
+        <p:spPr bwMode="gray">
+          <a:xfrm>
+            <a:off x="418356" y="2360755"/>
+            <a:ext cx="2067682" cy="307777"/>
+          </a:xfrm>
+          <a:prstGeom prst="rect">
+            <a:avLst/>
+          </a:prstGeom>
+          <a:noFill/>
+        </p:spPr>
+        <p:txBody>
+          <a:bodyPr wrap="none">
+            <a:spAutoFit/>
+          </a:bodyPr>
+          <a:lstStyle/>
+          <a:p>
+            <a:pPr marL="266700" lvl="0" indent="-266700">
+              <a:spcAft>
+                <a:spcPts val="600"/>
+              </a:spcAft>
+              <a:buSzPct val="70000"/>
+              <a:defRPr/>
+            </a:pPr>
+            <a:r>
+              <a:rPr lang="de-DE" sz="1400" b="1" dirty="0" smtClean="0"/>
+              <a:t>IHRE ANSPRECHPARTNER</a:t>
+            </a:r>
+            <a:endParaRPr lang="de-DE" sz="1400" b="1" dirty="0"/>
+          </a:p>
+        </p:txBody>
+      </p:sp>
+      <p:pic>
+        <p:nvPicPr>
+          <p:cNvPr id="4" name="LogoDE_Klein"/>
+          <p:cNvPicPr>
+            <a:picLocks noChangeAspect="1"/>
+          </p:cNvPicPr>
+          <p:nvPr/>
+        </p:nvPicPr>
+        <p:blipFill>
+          <a:blip r:embed="rId3">
+            <a:extLst>
+              <a:ext uri="{28A0092B-C50C-407E-A947-70E740481C1C}">
+                <a14:useLocalDpi xmlns:a14="http://schemas.microsoft.com/office/drawing/2010/main" val="0"/>
+              </a:ext>
+            </a:extLst>
+          </a:blip>
+          <a:stretch>
+            <a:fillRect/>
+          </a:stretch>
+        </p:blipFill>
+        <p:spPr bwMode="gray">
+          <a:xfrm>
+            <a:off x="514114" y="2844394"/>
+            <a:ext cx="1914754" cy="584606"/>
+          </a:xfrm>
+          <a:prstGeom prst="rect">
+            <a:avLst/>
+          </a:prstGeom>
+        </p:spPr>
+      </p:pic>
+      <p:sp>
+        <p:nvSpPr>
+          <p:cNvPr id="13" name="Rectangle 1"/>
+          <p:cNvSpPr/>
+          <p:nvPr/>
+        </p:nvSpPr>
+        <p:spPr bwMode="gray">
+          <a:xfrm>
+            <a:off x="4096200" y="2773855"/>
+            <a:ext cx="3240000" cy="1980000"/>
+          </a:xfrm>
+          <a:prstGeom prst="rect">
+            <a:avLst/>
+          </a:prstGeom>
+          <a:noFill/>
+          <a:ln w="9525">
+            <a:solidFill>
+              <a:schemeClr val="tx1"/>
+            </a:solidFill>
+          </a:ln>
+        </p:spPr>
+        <p:style>
+          <a:lnRef idx="2">
+            <a:schemeClr val="accent1">
+              <a:shade val="50000"/>
+            </a:schemeClr>
+          </a:lnRef>
+          <a:fillRef idx="1">
+            <a:schemeClr val="accent1"/>
+          </a:fillRef>
+          <a:effectRef idx="0">
+            <a:schemeClr val="accent1"/>
+          </a:effectRef>
+          <a:fontRef idx="minor">
+            <a:schemeClr val="lt1"/>
+          </a:fontRef>
+        </p:style>
+        <p:txBody>
+          <a:bodyPr rtlCol="0" anchor="ctr"/>
+          <a:lstStyle/>
+          <a:p>
+            <a:pPr algn="ctr"/>
+            <a:endParaRPr lang="de-DE" dirty="0" smtClean="0"/>
+          </a:p>
+        </p:txBody>
+      </p:sp>
+      <p:sp>
+        <p:nvSpPr>
+          <p:cNvPr id="14" name="ZoneTexte 2"/>
+          <p:cNvSpPr txBox="1"/>
+          <p:nvPr/>
+        </p:nvSpPr>
+        <p:spPr bwMode="gray">
+          <a:xfrm>
+            <a:off x="5505691" y="3578500"/>
+            <a:ext cx="1800200" cy="338554"/>
+          </a:xfrm>
+          <a:prstGeom prst="rect">
+            <a:avLst/>
+          </a:prstGeom>
+          <a:noFill/>
+        </p:spPr>
+        <p:txBody>
+          <a:bodyPr wrap="square" rtlCol="0">
+            <a:spAutoFit/>
+          </a:bodyPr>
+          <a:lstStyle/>
+          <a:p>
+            <a:pPr algn="r"/>
+            <a:r>
+              <a:rPr lang="de-DE" sz="800" b="1" dirty="0" smtClean="0">
+                <a:solidFill>
+                  <a:schemeClr val="tx2"/>
+                </a:solidFill>
+              </a:rPr>
+              <a:t>Christian ADAM</a:t>
+            </a:r>
+          </a:p>
+          <a:p>
+            <a:pPr algn="r"/>
+            <a:r>
+              <a:rPr lang="de-DE" sz="800" dirty="0" smtClean="0"/>
+              <a:t>Senior Consultant</a:t>
+            </a:r>
+            <a:endParaRPr lang="de-DE" sz="800" dirty="0"/>
+          </a:p>
+        </p:txBody>
+      </p:sp>
+      <p:sp>
+        <p:nvSpPr>
+          <p:cNvPr id="15" name="ContactBusinessCard"/>
+          <p:cNvSpPr txBox="1"/>
+          <p:nvPr/>
+        </p:nvSpPr>
+        <p:spPr bwMode="gray">
+          <a:xfrm>
+            <a:off x="5489066" y="4015984"/>
+            <a:ext cx="1800200" cy="584775"/>
+          </a:xfrm>
+          <a:prstGeom prst="rect">
+            <a:avLst/>
+          </a:prstGeom>
+          <a:noFill/>
+        </p:spPr>
+        <p:txBody>
+          <a:bodyPr wrap="square" rtlCol="0">
+            <a:spAutoFit/>
+          </a:bodyPr>
+          <a:lstStyle/>
+          <a:p>
+            <a:pPr algn="r"/>
+            <a:endParaRPr lang="de-DE" sz="800" dirty="0" smtClean="0"/>
+          </a:p>
+          <a:p>
+            <a:pPr algn="r"/>
+            <a:endParaRPr lang="de-DE" sz="800" dirty="0"/>
+          </a:p>
+          <a:p>
+            <a:pPr algn="r"/>
+            <a:r>
+              <a:rPr lang="de-DE" sz="800" dirty="0" smtClean="0"/>
+              <a:t>M</a:t>
+            </a:r>
+            <a:r>
+              <a:rPr lang="de-DE" sz="800" dirty="0"/>
+              <a:t>. +49 (</a:t>
+            </a:r>
+            <a:r>
+              <a:rPr lang="de-DE" sz="800" dirty="0" smtClean="0"/>
+              <a:t>0) 151 4062 8356</a:t>
+            </a:r>
+            <a:endParaRPr lang="de-DE" sz="800" dirty="0"/>
+          </a:p>
+          <a:p>
+            <a:pPr algn="r"/>
+            <a:r>
+              <a:rPr lang="de-DE" sz="800" dirty="0" smtClean="0"/>
+              <a:t>Christian.Adam@soprasteria.com</a:t>
+            </a:r>
+            <a:endParaRPr lang="de-DE" sz="800" dirty="0"/>
+          </a:p>
+        </p:txBody>
+      </p:sp>
+      <p:pic>
+        <p:nvPicPr>
+          <p:cNvPr id="16" name="LogoDE_Klein"/>
+          <p:cNvPicPr>
+            <a:picLocks noChangeAspect="1"/>
+          </p:cNvPicPr>
+          <p:nvPr/>
+        </p:nvPicPr>
+        <p:blipFill>
+          <a:blip r:embed="rId3">
+            <a:extLst>
+              <a:ext uri="{28A0092B-C50C-407E-A947-70E740481C1C}">
+                <a14:useLocalDpi xmlns:a14="http://schemas.microsoft.com/office/drawing/2010/main" val="0"/>
+              </a:ext>
+            </a:extLst>
+          </a:blip>
+          <a:stretch>
+            <a:fillRect/>
+          </a:stretch>
+        </p:blipFill>
+        <p:spPr bwMode="gray">
+          <a:xfrm>
+            <a:off x="4120914" y="2844394"/>
+            <a:ext cx="1914754" cy="584606"/>
+          </a:xfrm>
+          <a:prstGeom prst="rect">
+            <a:avLst/>
+          </a:prstGeom>
+        </p:spPr>
+      </p:pic>
+    </p:spTree>
+    <p:extLst>
+      <p:ext uri="{BB962C8B-B14F-4D97-AF65-F5344CB8AC3E}">
+        <p14:creationId xmlns:p14="http://schemas.microsoft.com/office/powerpoint/2010/main" val="3575285859"/>
+      </p:ext>
+    </p:extLst>
+  </p:cSld>
+  <p:clrMapOvr>
+    <a:masterClrMapping/>
+  </p:clrMapOvr>
+  <mc:AlternateContent xmlns:mc="http://schemas.openxmlformats.org/markup-compatibility/2006" xmlns:p14="http://schemas.microsoft.com/office/powerpoint/2010/main">
+    <mc:Choice Requires="p14">
+      <p:transition p14:dur="0"/>
+    </mc:Choice>
+    <mc:Fallback xmlns="">
+      <p:transition/>
+    </mc:Fallback>
+  </mc:AlternateContent>
+  <p:timing>
+    <p:tnLst>
+      <p:par>
+        <p:cTn id="1" dur="indefinite" restart="never" nodeType="tmRoot"/>
+      </p:par>
+    </p:tnLst>
+  </p:timing>
+</p:sld>
+</file>
+
+<file path=ppt/slides/slide15.xml><?xml version="1.0" encoding="utf-8"?>
+<p:sld xmlns:a="http://schemas.openxmlformats.org/drawingml/2006/main" xmlns:r="http://schemas.openxmlformats.org/officeDocument/2006/relationships" xmlns:p="http://schemas.openxmlformats.org/presentationml/2006/main">
+  <p:cSld>
+    <p:spTree>
+      <p:nvGrpSpPr>
+        <p:cNvPr id="1" name=""/>
+        <p:cNvGrpSpPr/>
+        <p:nvPr/>
+      </p:nvGrpSpPr>
+      <p:grpSpPr>
+        <a:xfrm>
+          <a:off x="0" y="0"/>
+          <a:ext cx="0" cy="0"/>
+          <a:chOff x="0" y="0"/>
+          <a:chExt cx="0" cy="0"/>
+        </a:xfrm>
+      </p:grpSpPr>
+      <p:sp>
+        <p:nvSpPr>
+          <p:cNvPr id="7" name="FooterDate"/>
+          <p:cNvSpPr>
+            <a:spLocks noGrp="1"/>
+          </p:cNvSpPr>
+          <p:nvPr>
+            <p:ph type="dt" sz="half" idx="2"/>
+          </p:nvPr>
+        </p:nvSpPr>
+        <p:spPr bwMode="gray"/>
+        <p:txBody>
+          <a:bodyPr/>
+          <a:lstStyle/>
+          <a:p>
+            <a:r>
+              <a:rPr lang="de-DE" noProof="0" smtClean="0"/>
+              <a:t>17.12.2014</a:t>
+            </a:r>
+            <a:endParaRPr lang="de-DE" noProof="0" dirty="0"/>
+          </a:p>
+        </p:txBody>
+      </p:sp>
+      <p:sp>
+        <p:nvSpPr>
+          <p:cNvPr id="6" name="FooterTitle"/>
+          <p:cNvSpPr>
+            <a:spLocks noGrp="1"/>
+          </p:cNvSpPr>
+          <p:nvPr>
+            <p:ph type="ftr" sz="quarter" idx="3"/>
+          </p:nvPr>
+        </p:nvSpPr>
+        <p:spPr bwMode="gray"/>
+        <p:txBody>
+          <a:bodyPr/>
+          <a:lstStyle/>
+          <a:p>
+            <a:r>
+              <a:rPr lang="de-DE" noProof="0" dirty="0" smtClean="0"/>
+              <a:t>Titel</a:t>
+            </a:r>
+            <a:endParaRPr lang="de-DE" noProof="0" dirty="0"/>
+          </a:p>
+        </p:txBody>
+      </p:sp>
+      <p:sp>
+        <p:nvSpPr>
+          <p:cNvPr id="3" name="Espace réservé du numéro de diapositive 2"/>
+          <p:cNvSpPr>
+            <a:spLocks noGrp="1"/>
+          </p:cNvSpPr>
+          <p:nvPr>
+            <p:ph type="sldNum" sz="quarter" idx="4"/>
+          </p:nvPr>
+        </p:nvSpPr>
+        <p:spPr bwMode="gray"/>
+        <p:txBody>
+          <a:bodyPr/>
+          <a:lstStyle/>
+          <a:p>
+            <a:fld id="{AF43E6FD-AB27-4108-A2FC-346BB5F75E3F}" type="slidenum">
+              <a:rPr lang="de-DE" smtClean="0"/>
+              <a:pPr/>
+              <a:t>15</a:t>
             </a:fld>
             <a:endParaRPr lang="de-DE" dirty="0"/>
           </a:p>
@@ -12541,7 +12811,6 @@
               <a:rPr lang="de-DE" dirty="0" smtClean="0"/>
               <a:t>|Themenspeicher</a:t>
             </a:r>
-            <a:endParaRPr lang="de-DE" dirty="0" smtClean="0"/>
           </a:p>
           <a:p>
             <a:pPr marL="270000" indent="-270000"/>
@@ -12878,7 +13147,6 @@
               <a:rPr lang="de-DE" dirty="0" smtClean="0"/>
               <a:t>Idee</a:t>
             </a:r>
-            <a:endParaRPr lang="de-DE" dirty="0" smtClean="0"/>
           </a:p>
           <a:p>
             <a:pPr lvl="1"/>
@@ -12911,7 +13179,6 @@
               <a:rPr lang="de-DE" dirty="0" smtClean="0"/>
               <a:t>Ziele</a:t>
             </a:r>
-            <a:endParaRPr lang="de-DE" dirty="0" smtClean="0"/>
           </a:p>
           <a:p>
             <a:pPr lvl="1"/>
@@ -13409,7 +13676,6 @@
               <a:rPr lang="de-DE" dirty="0" smtClean="0"/>
               <a:t>Termine</a:t>
             </a:r>
-            <a:endParaRPr lang="de-DE" dirty="0" smtClean="0"/>
           </a:p>
           <a:p>
             <a:pPr lvl="1"/>
@@ -13456,7 +13722,6 @@
               <a:rPr lang="de-DE" dirty="0" smtClean="0"/>
               <a:t>Vorgehen</a:t>
             </a:r>
-            <a:endParaRPr lang="de-DE" dirty="0" smtClean="0"/>
           </a:p>
           <a:p>
             <a:pPr lvl="1"/>
@@ -13494,8 +13759,20 @@
             </a:r>
             <a:r>
               <a:rPr lang="de-DE" dirty="0" smtClean="0"/>
-              <a:t> beteiligen möchte und welche Ziele er für sich festlegt</a:t>
-            </a:r>
+              <a:t> beteiligen möchte und welche Ziele er für sich </a:t>
+            </a:r>
+            <a:r>
+              <a:rPr lang="de-DE" dirty="0" smtClean="0"/>
+              <a:t>festlegt</a:t>
+            </a:r>
+          </a:p>
+          <a:p>
+            <a:pPr lvl="2"/>
+            <a:r>
+              <a:rPr lang="de-DE" dirty="0" smtClean="0"/>
+              <a:t>Ziele werden möglichst konkret festgelegt</a:t>
+            </a:r>
+            <a:endParaRPr lang="de-DE" dirty="0" smtClean="0"/>
           </a:p>
           <a:p>
             <a:pPr lvl="2"/>
@@ -13503,37 +13780,6 @@
               <a:rPr lang="de-DE" dirty="0" smtClean="0"/>
               <a:t>Themenbearbeitung selbstständig oder im kleinen Team, regelmäßiger Austausch mit den anderen aktiven Teilnehmern</a:t>
             </a:r>
-            <a:endParaRPr lang="de-DE" dirty="0" smtClean="0"/>
-          </a:p>
-          <a:p>
-            <a:pPr lvl="0"/>
-            <a:r>
-              <a:rPr lang="de-DE" dirty="0" smtClean="0"/>
-              <a:t>Ansprechpartner</a:t>
-            </a:r>
-            <a:endParaRPr lang="de-DE" dirty="0" smtClean="0"/>
-          </a:p>
-          <a:p>
-            <a:pPr lvl="1"/>
-            <a:r>
-              <a:rPr lang="de-DE" dirty="0" smtClean="0"/>
-              <a:t>Michael Enz</a:t>
-            </a:r>
-          </a:p>
-          <a:p>
-            <a:pPr lvl="1"/>
-            <a:r>
-              <a:rPr lang="de-DE" dirty="0" smtClean="0"/>
-              <a:t>Christian Adam</a:t>
-            </a:r>
-          </a:p>
-          <a:p>
-            <a:pPr lvl="1"/>
-            <a:r>
-              <a:rPr lang="de-DE" dirty="0" smtClean="0"/>
-              <a:t>Klaudio Misselwitz</a:t>
-            </a:r>
-            <a:endParaRPr lang="de-DE" dirty="0" smtClean="0"/>
           </a:p>
           <a:p>
             <a:pPr lvl="2"/>
@@ -13709,37 +13955,14 @@
           <a:chExt cx="0" cy="0"/>
         </a:xfrm>
       </p:grpSpPr>
-      <p:pic>
-        <p:nvPicPr>
-          <p:cNvPr id="9" name="Espace réservé pour une image  8"/>
-          <p:cNvPicPr>
-            <a:picLocks noGrp="1" noChangeAspect="1"/>
-          </p:cNvPicPr>
-          <p:nvPr>
-            <p:ph type="pic" sz="quarter" idx="15"/>
-          </p:nvPr>
-        </p:nvPicPr>
-        <p:blipFill rotWithShape="1">
-          <a:blip r:embed="rId3" cstate="print">
-            <a:extLst>
-              <a:ext uri="{28A0092B-C50C-407E-A947-70E740481C1C}">
-                <a14:useLocalDpi xmlns:a14="http://schemas.microsoft.com/office/drawing/2010/main"/>
-              </a:ext>
-            </a:extLst>
-          </a:blip>
-          <a:srcRect l="81" r="81"/>
-          <a:stretch/>
-        </p:blipFill>
-        <p:spPr bwMode="gray"/>
-      </p:pic>
-      <p:sp>
-        <p:nvSpPr>
-          <p:cNvPr id="5" name="Titre 4"/>
-          <p:cNvSpPr>
-            <a:spLocks noGrp="1"/>
-          </p:cNvSpPr>
-          <p:nvPr>
-            <p:ph type="ctrTitle"/>
+      <p:sp>
+        <p:nvSpPr>
+          <p:cNvPr id="2" name="Espace réservé du contenu 1"/>
+          <p:cNvSpPr>
+            <a:spLocks noGrp="1"/>
+          </p:cNvSpPr>
+          <p:nvPr>
+            <p:ph idx="1"/>
           </p:nvPr>
         </p:nvSpPr>
         <p:spPr bwMode="gray"/>
@@ -13747,22 +13970,56 @@
           <a:bodyPr/>
           <a:lstStyle/>
           <a:p>
+            <a:pPr lvl="0"/>
             <a:r>
               <a:rPr lang="de-DE" dirty="0" smtClean="0"/>
-              <a:t>Bestandsaufnahme</a:t>
-            </a:r>
+              <a:t>Ansprechpartner</a:t>
+            </a:r>
+            <a:endParaRPr lang="de-DE" dirty="0" smtClean="0"/>
+          </a:p>
+          <a:p>
+            <a:pPr lvl="1"/>
+            <a:r>
+              <a:rPr lang="de-DE" dirty="0" smtClean="0"/>
+              <a:t>Michael Enz</a:t>
+            </a:r>
+          </a:p>
+          <a:p>
+            <a:pPr lvl="1"/>
+            <a:r>
+              <a:rPr lang="de-DE" dirty="0" smtClean="0"/>
+              <a:t>Christian Adam</a:t>
+            </a:r>
+          </a:p>
+          <a:p>
+            <a:pPr lvl="1"/>
+            <a:r>
+              <a:rPr lang="de-DE" dirty="0" smtClean="0"/>
+              <a:t>Klaudio Misselwitz</a:t>
+            </a:r>
+          </a:p>
+          <a:p>
+            <a:pPr lvl="2"/>
+            <a:endParaRPr lang="de-DE" dirty="0" smtClean="0"/>
+          </a:p>
+          <a:p>
+            <a:pPr lvl="2"/>
+            <a:endParaRPr lang="de-DE" dirty="0" smtClean="0"/>
+          </a:p>
+          <a:p>
+            <a:pPr lvl="2"/>
             <a:endParaRPr lang="de-DE" dirty="0"/>
           </a:p>
         </p:txBody>
       </p:sp>
       <p:sp>
         <p:nvSpPr>
-          <p:cNvPr id="6" name="Sous-titre 5"/>
-          <p:cNvSpPr>
-            <a:spLocks noGrp="1"/>
-          </p:cNvSpPr>
-          <p:nvPr>
-            <p:ph type="subTitle" idx="1"/>
+          <p:cNvPr id="3" name="Titre 2"/>
+          <p:cNvSpPr>
+            <a:spLocks noGrp="1"/>
+          </p:cNvSpPr>
+          <p:nvPr>
+            <p:ph type="title"/>
           </p:nvPr>
         </p:nvSpPr>
         <p:spPr bwMode="gray"/>
@@ -13772,7 +14029,7 @@
           <a:p>
             <a:r>
               <a:rPr lang="de-DE" dirty="0" smtClean="0"/>
-              <a:t>Was können wir?</a:t>
+              <a:t>Organisation</a:t>
             </a:r>
             <a:endParaRPr lang="de-DE" dirty="0"/>
           </a:p>
@@ -13780,12 +14037,12 @@
       </p:sp>
       <p:sp>
         <p:nvSpPr>
-          <p:cNvPr id="7" name="FooterDate"/>
-          <p:cNvSpPr>
-            <a:spLocks noGrp="1"/>
-          </p:cNvSpPr>
-          <p:nvPr>
-            <p:ph type="dt" sz="half" idx="2"/>
+          <p:cNvPr id="10" name="Espace réservé du texte 9"/>
+          <p:cNvSpPr>
+            <a:spLocks noGrp="1"/>
+          </p:cNvSpPr>
+          <p:nvPr>
+            <p:ph type="body" sz="quarter" idx="13"/>
           </p:nvPr>
         </p:nvSpPr>
         <p:spPr bwMode="gray"/>
@@ -13794,6 +14051,28 @@
           <a:lstStyle/>
           <a:p>
             <a:r>
+              <a:rPr lang="de-DE" dirty="0"/>
+              <a:t>Termine / Vorgehen / Ansprechpartner</a:t>
+            </a:r>
+          </a:p>
+        </p:txBody>
+      </p:sp>
+      <p:sp>
+        <p:nvSpPr>
+          <p:cNvPr id="8" name="FooterDate"/>
+          <p:cNvSpPr>
+            <a:spLocks noGrp="1"/>
+          </p:cNvSpPr>
+          <p:nvPr>
+            <p:ph type="dt" sz="half" idx="2"/>
+          </p:nvPr>
+        </p:nvSpPr>
+        <p:spPr bwMode="gray"/>
+        <p:txBody>
+          <a:bodyPr/>
+          <a:lstStyle/>
+          <a:p>
+            <a:r>
               <a:rPr lang="de-DE" noProof="0" smtClean="0"/>
               <a:t>17.12.2014</a:t>
             </a:r>
@@ -13803,7 +14082,7 @@
       </p:sp>
       <p:sp>
         <p:nvSpPr>
-          <p:cNvPr id="2" name="FooterTitle"/>
+          <p:cNvPr id="6" name="FooterTitle"/>
           <p:cNvSpPr>
             <a:spLocks noGrp="1"/>
           </p:cNvSpPr>
@@ -13826,7 +14105,7 @@
       </p:sp>
       <p:sp>
         <p:nvSpPr>
-          <p:cNvPr id="4" name="Espace réservé du numéro de diapositive 3"/>
+          <p:cNvPr id="5" name="Espace réservé du numéro de diapositive 4"/>
           <p:cNvSpPr>
             <a:spLocks noGrp="1"/>
           </p:cNvSpPr>
@@ -13851,7 +14130,7 @@
     </p:spTree>
     <p:extLst>
       <p:ext uri="{BB962C8B-B14F-4D97-AF65-F5344CB8AC3E}">
-        <p14:creationId xmlns:p14="http://schemas.microsoft.com/office/powerpoint/2010/main" val="1806273576"/>
+        <p14:creationId xmlns:p14="http://schemas.microsoft.com/office/powerpoint/2010/main" val="2770278812"/>
       </p:ext>
     </p:extLst>
   </p:cSld>
@@ -13893,14 +14172,37 @@
           <a:chExt cx="0" cy="0"/>
         </a:xfrm>
       </p:grpSpPr>
-      <p:sp>
-        <p:nvSpPr>
-          <p:cNvPr id="2" name="Espace réservé du contenu 1"/>
-          <p:cNvSpPr>
-            <a:spLocks noGrp="1"/>
-          </p:cNvSpPr>
-          <p:nvPr>
-            <p:ph idx="1"/>
+      <p:pic>
+        <p:nvPicPr>
+          <p:cNvPr id="9" name="Espace réservé pour une image  8"/>
+          <p:cNvPicPr>
+            <a:picLocks noGrp="1" noChangeAspect="1"/>
+          </p:cNvPicPr>
+          <p:nvPr>
+            <p:ph type="pic" sz="quarter" idx="15"/>
+          </p:nvPr>
+        </p:nvPicPr>
+        <p:blipFill rotWithShape="1">
+          <a:blip r:embed="rId3" cstate="print">
+            <a:extLst>
+              <a:ext uri="{28A0092B-C50C-407E-A947-70E740481C1C}">
+                <a14:useLocalDpi xmlns:a14="http://schemas.microsoft.com/office/drawing/2010/main"/>
+              </a:ext>
+            </a:extLst>
+          </a:blip>
+          <a:srcRect l="81" r="81"/>
+          <a:stretch/>
+        </p:blipFill>
+        <p:spPr bwMode="gray"/>
+      </p:pic>
+      <p:sp>
+        <p:nvSpPr>
+          <p:cNvPr id="5" name="Titre 4"/>
+          <p:cNvSpPr>
+            <a:spLocks noGrp="1"/>
+          </p:cNvSpPr>
+          <p:nvPr>
+            <p:ph type="ctrTitle"/>
           </p:nvPr>
         </p:nvSpPr>
         <p:spPr bwMode="gray"/>
@@ -13908,87 +14210,22 @@
           <a:bodyPr/>
           <a:lstStyle/>
           <a:p>
-            <a:pPr lvl="0"/>
-            <a:r>
-              <a:rPr lang="de-DE" dirty="0" err="1"/>
-              <a:t>UseCases</a:t>
-            </a:r>
-            <a:r>
-              <a:rPr lang="de-DE" dirty="0"/>
-              <a:t>/ </a:t>
-            </a:r>
             <a:r>
               <a:rPr lang="de-DE" dirty="0" smtClean="0"/>
-              <a:t>Datenschema</a:t>
+              <a:t>Bestandsaufnahme</a:t>
             </a:r>
             <a:endParaRPr lang="de-DE" dirty="0"/>
           </a:p>
-          <a:p>
-            <a:pPr lvl="0"/>
-            <a:r>
-              <a:rPr lang="de-DE" dirty="0"/>
-              <a:t>AWS Instanz</a:t>
-            </a:r>
-          </a:p>
-          <a:p>
-            <a:pPr lvl="0"/>
-            <a:r>
-              <a:rPr lang="de-DE" dirty="0" err="1"/>
-              <a:t>GitHub</a:t>
-            </a:r>
-            <a:endParaRPr lang="de-DE" dirty="0"/>
-          </a:p>
-          <a:p>
-            <a:pPr lvl="1"/>
-            <a:r>
-              <a:rPr lang="de-DE" dirty="0"/>
-              <a:t>Code</a:t>
-            </a:r>
-          </a:p>
-          <a:p>
-            <a:pPr lvl="1"/>
-            <a:r>
-              <a:rPr lang="de-DE" dirty="0"/>
-              <a:t>Ticketsystem</a:t>
-            </a:r>
-          </a:p>
-          <a:p>
-            <a:pPr lvl="1"/>
-            <a:r>
-              <a:rPr lang="de-DE" dirty="0"/>
-              <a:t>[Links/ Einladung / …]</a:t>
-            </a:r>
-          </a:p>
-          <a:p>
-            <a:pPr lvl="0"/>
-            <a:r>
-              <a:rPr lang="de-DE" dirty="0" err="1"/>
-              <a:t>CoreBanking</a:t>
-            </a:r>
-            <a:r>
-              <a:rPr lang="de-DE" dirty="0"/>
-              <a:t> </a:t>
-            </a:r>
-            <a:r>
-              <a:rPr lang="de-DE" dirty="0" smtClean="0"/>
-              <a:t>Prototyp</a:t>
-            </a:r>
-            <a:endParaRPr lang="de-DE" dirty="0" smtClean="0"/>
-          </a:p>
-          <a:p>
-            <a:pPr lvl="2"/>
-            <a:endParaRPr lang="de-DE" dirty="0"/>
-          </a:p>
-        </p:txBody>
-      </p:sp>
-      <p:sp>
-        <p:nvSpPr>
-          <p:cNvPr id="3" name="Titre 2"/>
-          <p:cNvSpPr>
-            <a:spLocks noGrp="1"/>
-          </p:cNvSpPr>
-          <p:nvPr>
-            <p:ph type="title"/>
+        </p:txBody>
+      </p:sp>
+      <p:sp>
+        <p:nvSpPr>
+          <p:cNvPr id="6" name="Sous-titre 5"/>
+          <p:cNvSpPr>
+            <a:spLocks noGrp="1"/>
+          </p:cNvSpPr>
+          <p:nvPr>
+            <p:ph type="subTitle" idx="1"/>
           </p:nvPr>
         </p:nvSpPr>
         <p:spPr bwMode="gray"/>
@@ -13998,7 +14235,7 @@
           <a:p>
             <a:r>
               <a:rPr lang="de-DE" dirty="0" smtClean="0"/>
-              <a:t>Bestandsaufnahme</a:t>
+              <a:t>Was können wir?</a:t>
             </a:r>
             <a:endParaRPr lang="de-DE" dirty="0"/>
           </a:p>
@@ -14006,12 +14243,12 @@
       </p:sp>
       <p:sp>
         <p:nvSpPr>
-          <p:cNvPr id="10" name="Espace réservé du texte 9"/>
-          <p:cNvSpPr>
-            <a:spLocks noGrp="1"/>
-          </p:cNvSpPr>
-          <p:nvPr>
-            <p:ph type="body" sz="quarter" idx="13"/>
+          <p:cNvPr id="7" name="FooterDate"/>
+          <p:cNvSpPr>
+            <a:spLocks noGrp="1"/>
+          </p:cNvSpPr>
+          <p:nvPr>
+            <p:ph type="dt" sz="half" idx="2"/>
           </p:nvPr>
         </p:nvSpPr>
         <p:spPr bwMode="gray"/>
@@ -14020,20 +14257,21 @@
           <a:lstStyle/>
           <a:p>
             <a:r>
-              <a:rPr lang="de-DE" dirty="0"/>
-              <a:t>Was können wir?</a:t>
-            </a:r>
-          </a:p>
-        </p:txBody>
-      </p:sp>
-      <p:sp>
-        <p:nvSpPr>
-          <p:cNvPr id="8" name="FooterDate"/>
-          <p:cNvSpPr>
-            <a:spLocks noGrp="1"/>
-          </p:cNvSpPr>
-          <p:nvPr>
-            <p:ph type="dt" sz="half" idx="2"/>
+              <a:rPr lang="de-DE" noProof="0" smtClean="0"/>
+              <a:t>17.12.2014</a:t>
+            </a:r>
+            <a:endParaRPr lang="de-DE" noProof="0" dirty="0"/>
+          </a:p>
+        </p:txBody>
+      </p:sp>
+      <p:sp>
+        <p:nvSpPr>
+          <p:cNvPr id="2" name="FooterTitle"/>
+          <p:cNvSpPr>
+            <a:spLocks noGrp="1"/>
+          </p:cNvSpPr>
+          <p:nvPr>
+            <p:ph type="ftr" sz="quarter" idx="3"/>
           </p:nvPr>
         </p:nvSpPr>
         <p:spPr bwMode="gray"/>
@@ -14042,29 +14280,6 @@
           <a:lstStyle/>
           <a:p>
             <a:r>
-              <a:rPr lang="de-DE" noProof="0" smtClean="0"/>
-              <a:t>17.12.2014</a:t>
-            </a:r>
-            <a:endParaRPr lang="de-DE" noProof="0" dirty="0"/>
-          </a:p>
-        </p:txBody>
-      </p:sp>
-      <p:sp>
-        <p:nvSpPr>
-          <p:cNvPr id="6" name="FooterTitle"/>
-          <p:cNvSpPr>
-            <a:spLocks noGrp="1"/>
-          </p:cNvSpPr>
-          <p:nvPr>
-            <p:ph type="ftr" sz="quarter" idx="3"/>
-          </p:nvPr>
-        </p:nvSpPr>
-        <p:spPr bwMode="gray"/>
-        <p:txBody>
-          <a:bodyPr/>
-          <a:lstStyle/>
-          <a:p>
-            <a:r>
               <a:rPr lang="de-DE" noProof="0" dirty="0" smtClean="0"/>
               <a:t>Titel</a:t>
             </a:r>
@@ -14074,7 +14289,7 @@
       </p:sp>
       <p:sp>
         <p:nvSpPr>
-          <p:cNvPr id="5" name="Espace réservé du numéro de diapositive 4"/>
+          <p:cNvPr id="4" name="Espace réservé du numéro de diapositive 3"/>
           <p:cNvSpPr>
             <a:spLocks noGrp="1"/>
           </p:cNvSpPr>
@@ -14099,7 +14314,7 @@
     </p:spTree>
     <p:extLst>
       <p:ext uri="{BB962C8B-B14F-4D97-AF65-F5344CB8AC3E}">
-        <p14:creationId xmlns:p14="http://schemas.microsoft.com/office/powerpoint/2010/main" val="3976055063"/>
+        <p14:creationId xmlns:p14="http://schemas.microsoft.com/office/powerpoint/2010/main" val="1806273576"/>
       </p:ext>
     </p:extLst>
   </p:cSld>
@@ -14141,39 +14356,14 @@
           <a:chExt cx="0" cy="0"/>
         </a:xfrm>
       </p:grpSpPr>
-      <p:pic>
-        <p:nvPicPr>
-          <p:cNvPr id="9" name="Espace réservé pour une image  12"/>
-          <p:cNvPicPr>
-            <a:picLocks noGrp="1" noChangeAspect="1"/>
-          </p:cNvPicPr>
-          <p:nvPr>
-            <p:ph type="pic" sz="quarter" idx="15"/>
-          </p:nvPr>
-        </p:nvPicPr>
-        <p:blipFill>
-          <a:blip r:embed="rId3">
-            <a:extLst>
-              <a:ext uri="{28A0092B-C50C-407E-A947-70E740481C1C}">
-                <a14:useLocalDpi xmlns:a14="http://schemas.microsoft.com/office/drawing/2010/main" val="0"/>
-              </a:ext>
-            </a:extLst>
-          </a:blip>
-          <a:srcRect t="77" b="77"/>
-          <a:stretch>
-            <a:fillRect/>
-          </a:stretch>
-        </p:blipFill>
-        <p:spPr bwMode="gray"/>
-      </p:pic>
-      <p:sp>
-        <p:nvSpPr>
-          <p:cNvPr id="5" name="Titre 4"/>
-          <p:cNvSpPr>
-            <a:spLocks noGrp="1"/>
-          </p:cNvSpPr>
-          <p:nvPr>
-            <p:ph type="ctrTitle"/>
+      <p:sp>
+        <p:nvSpPr>
+          <p:cNvPr id="2" name="Espace réservé du contenu 1"/>
+          <p:cNvSpPr>
+            <a:spLocks noGrp="1"/>
+          </p:cNvSpPr>
+          <p:nvPr>
+            <p:ph idx="1"/>
           </p:nvPr>
         </p:nvSpPr>
         <p:spPr bwMode="gray"/>
@@ -14181,22 +14371,86 @@
           <a:bodyPr/>
           <a:lstStyle/>
           <a:p>
+            <a:pPr lvl="0"/>
+            <a:r>
+              <a:rPr lang="de-DE" dirty="0" err="1"/>
+              <a:t>UseCases</a:t>
+            </a:r>
+            <a:r>
+              <a:rPr lang="de-DE" dirty="0"/>
+              <a:t>/ </a:t>
+            </a:r>
             <a:r>
               <a:rPr lang="de-DE" dirty="0" smtClean="0"/>
-              <a:t>Themenspeicher</a:t>
+              <a:t>Datenschema</a:t>
             </a:r>
             <a:endParaRPr lang="de-DE" dirty="0"/>
           </a:p>
-        </p:txBody>
-      </p:sp>
-      <p:sp>
-        <p:nvSpPr>
-          <p:cNvPr id="6" name="Sous-titre 5"/>
-          <p:cNvSpPr>
-            <a:spLocks noGrp="1"/>
-          </p:cNvSpPr>
-          <p:nvPr>
-            <p:ph type="subTitle" idx="1"/>
+          <a:p>
+            <a:pPr lvl="0"/>
+            <a:r>
+              <a:rPr lang="de-DE" dirty="0"/>
+              <a:t>AWS Instanz</a:t>
+            </a:r>
+          </a:p>
+          <a:p>
+            <a:pPr lvl="0"/>
+            <a:r>
+              <a:rPr lang="de-DE" dirty="0" err="1"/>
+              <a:t>GitHub</a:t>
+            </a:r>
+            <a:endParaRPr lang="de-DE" dirty="0"/>
+          </a:p>
+          <a:p>
+            <a:pPr lvl="1"/>
+            <a:r>
+              <a:rPr lang="de-DE" dirty="0"/>
+              <a:t>Code</a:t>
+            </a:r>
+          </a:p>
+          <a:p>
+            <a:pPr lvl="1"/>
+            <a:r>
+              <a:rPr lang="de-DE" dirty="0"/>
+              <a:t>Ticketsystem</a:t>
+            </a:r>
+          </a:p>
+          <a:p>
+            <a:pPr lvl="1"/>
+            <a:r>
+              <a:rPr lang="de-DE" dirty="0"/>
+              <a:t>[Links/ Einladung / …]</a:t>
+            </a:r>
+          </a:p>
+          <a:p>
+            <a:pPr lvl="0"/>
+            <a:r>
+              <a:rPr lang="de-DE" dirty="0" err="1"/>
+              <a:t>CoreBanking</a:t>
+            </a:r>
+            <a:r>
+              <a:rPr lang="de-DE" dirty="0"/>
+              <a:t> </a:t>
+            </a:r>
+            <a:r>
+              <a:rPr lang="de-DE" dirty="0" smtClean="0"/>
+              <a:t>Prototyp</a:t>
+            </a:r>
+          </a:p>
+          <a:p>
+            <a:pPr lvl="2"/>
+            <a:endParaRPr lang="de-DE" dirty="0"/>
+          </a:p>
+        </p:txBody>
+      </p:sp>
+      <p:sp>
+        <p:nvSpPr>
+          <p:cNvPr id="3" name="Titre 2"/>
+          <p:cNvSpPr>
+            <a:spLocks noGrp="1"/>
+          </p:cNvSpPr>
+          <p:nvPr>
+            <p:ph type="title"/>
           </p:nvPr>
         </p:nvSpPr>
         <p:spPr bwMode="gray"/>
@@ -14206,7 +14460,7 @@
           <a:p>
             <a:r>
               <a:rPr lang="de-DE" dirty="0" smtClean="0"/>
-              <a:t>Was wollen wir?</a:t>
+              <a:t>Bestandsaufnahme</a:t>
             </a:r>
             <a:endParaRPr lang="de-DE" dirty="0"/>
           </a:p>
@@ -14214,12 +14468,12 @@
       </p:sp>
       <p:sp>
         <p:nvSpPr>
-          <p:cNvPr id="10" name="FooterDate"/>
-          <p:cNvSpPr>
-            <a:spLocks noGrp="1"/>
-          </p:cNvSpPr>
-          <p:nvPr>
-            <p:ph type="dt" sz="half" idx="2"/>
+          <p:cNvPr id="10" name="Espace réservé du texte 9"/>
+          <p:cNvSpPr>
+            <a:spLocks noGrp="1"/>
+          </p:cNvSpPr>
+          <p:nvPr>
+            <p:ph type="body" sz="quarter" idx="13"/>
           </p:nvPr>
         </p:nvSpPr>
         <p:spPr bwMode="gray"/>
@@ -14228,6 +14482,28 @@
           <a:lstStyle/>
           <a:p>
             <a:r>
+              <a:rPr lang="de-DE" dirty="0"/>
+              <a:t>Was können wir?</a:t>
+            </a:r>
+          </a:p>
+        </p:txBody>
+      </p:sp>
+      <p:sp>
+        <p:nvSpPr>
+          <p:cNvPr id="8" name="FooterDate"/>
+          <p:cNvSpPr>
+            <a:spLocks noGrp="1"/>
+          </p:cNvSpPr>
+          <p:nvPr>
+            <p:ph type="dt" sz="half" idx="2"/>
+          </p:nvPr>
+        </p:nvSpPr>
+        <p:spPr bwMode="gray"/>
+        <p:txBody>
+          <a:bodyPr/>
+          <a:lstStyle/>
+          <a:p>
+            <a:r>
               <a:rPr lang="de-DE" noProof="0" smtClean="0"/>
               <a:t>17.12.2014</a:t>
             </a:r>
@@ -14237,7 +14513,7 @@
       </p:sp>
       <p:sp>
         <p:nvSpPr>
-          <p:cNvPr id="2" name="FooterTitle"/>
+          <p:cNvPr id="6" name="FooterTitle"/>
           <p:cNvSpPr>
             <a:spLocks noGrp="1"/>
           </p:cNvSpPr>
@@ -14260,7 +14536,7 @@
       </p:sp>
       <p:sp>
         <p:nvSpPr>
-          <p:cNvPr id="4" name="Espace réservé du numéro de diapositive 3"/>
+          <p:cNvPr id="5" name="Espace réservé du numéro de diapositive 4"/>
           <p:cNvSpPr>
             <a:spLocks noGrp="1"/>
           </p:cNvSpPr>
@@ -14285,7 +14561,7 @@
     </p:spTree>
     <p:extLst>
       <p:ext uri="{BB962C8B-B14F-4D97-AF65-F5344CB8AC3E}">
-        <p14:creationId xmlns:p14="http://schemas.microsoft.com/office/powerpoint/2010/main" val="725989068"/>
+        <p14:creationId xmlns:p14="http://schemas.microsoft.com/office/powerpoint/2010/main" val="3976055063"/>
       </p:ext>
     </p:extLst>
   </p:cSld>
@@ -15125,20 +15401,6 @@
 </file>
 
 <file path=customXml/item1.xml><?xml version="1.0" encoding="utf-8"?>
-<?mso-contentType ?>
-<FormTemplates xmlns="http://schemas.microsoft.com/sharepoint/v3/contenttype/forms">
-  <Display>DocumentLibraryForm</Display>
-  <Edit>DocumentLibraryForm</Edit>
-  <New>DocumentLibraryForm</New>
-</FormTemplates>
-</file>
-
-<file path=customXml/item2.xml><?xml version="1.0" encoding="utf-8"?>
-<?mso-contentType ?>
-<SharedContentType xmlns="Microsoft.SharePoint.Taxonomy.ContentTypeSync" SourceId="000e2059-5ee7-47e9-8d7c-e5c5b9f97e02" ContentTypeId="0x0101" PreviousValue="false"/>
-</file>
-
-<file path=customXml/item3.xml><?xml version="1.0" encoding="utf-8"?>
 <ct:contentTypeSchema xmlns:ct="http://schemas.microsoft.com/office/2006/metadata/contentType" xmlns:ma="http://schemas.microsoft.com/office/2006/metadata/properties/metaAttributes" ct:_="" ma:_="" ma:contentTypeName="Document" ma:contentTypeID="0x010100B2595B23E8A70249AE3893FA40C3D0AC" ma:contentTypeVersion="3" ma:contentTypeDescription="Create a new document." ma:contentTypeScope="" ma:versionID="10d27e969f5378d37b63249282d38cde">
   <xsd:schema xmlns:xsd="http://www.w3.org/2001/XMLSchema" xmlns:xs="http://www.w3.org/2001/XMLSchema" xmlns:p="http://schemas.microsoft.com/office/2006/metadata/properties" xmlns:ns2="21f1b9a1-a14a-4bc7-a26e-d14c8d65680a" xmlns:ns3="44440806-fd11-4447-82a8-07bec90d064d" targetNamespace="http://schemas.microsoft.com/office/2006/metadata/properties" ma:root="true" ma:fieldsID="e8a97cf32bb12b6fe2a0bfe11c1646a4" ns2:_="" ns3:_="">
     <xsd:import namespace="21f1b9a1-a14a-4bc7-a26e-d14c8d65680a"/>
@@ -15382,6 +15644,20 @@
 </ct:contentTypeSchema>
 </file>
 
+<file path=customXml/item2.xml><?xml version="1.0" encoding="utf-8"?>
+<?mso-contentType ?>
+<SharedContentType xmlns="Microsoft.SharePoint.Taxonomy.ContentTypeSync" SourceId="000e2059-5ee7-47e9-8d7c-e5c5b9f97e02" ContentTypeId="0x0101" PreviousValue="false"/>
+</file>
+
+<file path=customXml/item3.xml><?xml version="1.0" encoding="utf-8"?>
+<?mso-contentType ?>
+<FormTemplates xmlns="http://schemas.microsoft.com/sharepoint/v3/contenttype/forms">
+  <Display>DocumentLibraryForm</Display>
+  <Edit>DocumentLibraryForm</Edit>
+  <New>DocumentLibraryForm</New>
+</FormTemplates>
+</file>
+
 <file path=customXml/item4.xml><?xml version="1.0" encoding="utf-8"?>
 <p:properties xmlns:p="http://schemas.microsoft.com/office/2006/metadata/properties" xmlns:xsi="http://www.w3.org/2001/XMLSchema-instance" xmlns:pc="http://schemas.microsoft.com/office/infopath/2007/PartnerControls">
   <documentManagement>
@@ -15410,22 +15686,6 @@
 </file>
 
 <file path=customXml/itemProps1.xml><?xml version="1.0" encoding="utf-8"?>
-<ds:datastoreItem xmlns:ds="http://schemas.openxmlformats.org/officeDocument/2006/customXml" ds:itemID="{E368A512-73EB-49E2-B5D1-942B8B89988C}">
-  <ds:schemaRefs>
-    <ds:schemaRef ds:uri="http://schemas.microsoft.com/sharepoint/v3/contenttype/forms"/>
-  </ds:schemaRefs>
-</ds:datastoreItem>
-</file>
-
-<file path=customXml/itemProps2.xml><?xml version="1.0" encoding="utf-8"?>
-<ds:datastoreItem xmlns:ds="http://schemas.openxmlformats.org/officeDocument/2006/customXml" ds:itemID="{959E2BBF-1766-4AF4-AA1A-C1E7D94DA7AD}">
-  <ds:schemaRefs>
-    <ds:schemaRef ds:uri="Microsoft.SharePoint.Taxonomy.ContentTypeSync"/>
-  </ds:schemaRefs>
-</ds:datastoreItem>
-</file>
-
-<file path=customXml/itemProps3.xml><?xml version="1.0" encoding="utf-8"?>
 <ds:datastoreItem xmlns:ds="http://schemas.openxmlformats.org/officeDocument/2006/customXml" ds:itemID="{03F68B5D-060D-461E-B35E-22CCF0143199}">
   <ds:schemaRefs>
     <ds:schemaRef ds:uri="http://schemas.microsoft.com/office/2006/metadata/contentType"/>
@@ -15440,6 +15700,22 @@
     <ds:schemaRef ds:uri="http://purl.org/dc/elements/1.1/"/>
     <ds:schemaRef ds:uri="http://purl.org/dc/terms/"/>
     <ds:schemaRef ds:uri="http://schemas.microsoft.com/internal/obd"/>
+  </ds:schemaRefs>
+</ds:datastoreItem>
+</file>
+
+<file path=customXml/itemProps2.xml><?xml version="1.0" encoding="utf-8"?>
+<ds:datastoreItem xmlns:ds="http://schemas.openxmlformats.org/officeDocument/2006/customXml" ds:itemID="{959E2BBF-1766-4AF4-AA1A-C1E7D94DA7AD}">
+  <ds:schemaRefs>
+    <ds:schemaRef ds:uri="Microsoft.SharePoint.Taxonomy.ContentTypeSync"/>
+  </ds:schemaRefs>
+</ds:datastoreItem>
+</file>
+
+<file path=customXml/itemProps3.xml><?xml version="1.0" encoding="utf-8"?>
+<ds:datastoreItem xmlns:ds="http://schemas.openxmlformats.org/officeDocument/2006/customXml" ds:itemID="{E368A512-73EB-49E2-B5D1-942B8B89988C}">
+  <ds:schemaRefs>
+    <ds:schemaRef ds:uri="http://schemas.microsoft.com/sharepoint/v3/contenttype/forms"/>
   </ds:schemaRefs>
 </ds:datastoreItem>
 </file>

--- a/TechUpdate_Status.pptx
+++ b/TechUpdate_Status.pptx
@@ -5,10 +5,10 @@
     <p:sldMasterId id="2147483648" r:id="rId5"/>
   </p:sldMasterIdLst>
   <p:notesMasterIdLst>
-    <p:notesMasterId r:id="rId21"/>
+    <p:notesMasterId r:id="rId22"/>
   </p:notesMasterIdLst>
   <p:handoutMasterIdLst>
-    <p:handoutMasterId r:id="rId22"/>
+    <p:handoutMasterId r:id="rId23"/>
   </p:handoutMasterIdLst>
   <p:sldIdLst>
     <p:sldId id="319" r:id="rId6"/>
@@ -24,13 +24,14 @@
     <p:sldId id="354" r:id="rId16"/>
     <p:sldId id="328" r:id="rId17"/>
     <p:sldId id="355" r:id="rId18"/>
-    <p:sldId id="274" r:id="rId19"/>
-    <p:sldId id="332" r:id="rId20"/>
+    <p:sldId id="357" r:id="rId19"/>
+    <p:sldId id="274" r:id="rId20"/>
+    <p:sldId id="332" r:id="rId21"/>
   </p:sldIdLst>
   <p:sldSz cx="9144000" cy="6858000" type="screen4x3"/>
   <p:notesSz cx="6805613" cy="9944100"/>
   <p:custDataLst>
-    <p:tags r:id="rId23"/>
+    <p:tags r:id="rId24"/>
   </p:custDataLst>
   <p:defaultTextStyle>
     <a:defPPr>
@@ -228,7 +229,7 @@
             <a:pPr algn="l"/>
             <a:fld id="{992ACF9D-DFDC-416D-8629-6E7E5D8EA592}" type="datetime1">
               <a:rPr lang="de-DE" smtClean="0"/>
-              <a:t>28.02.2017</a:t>
+              <a:t>01.03.2017</a:t>
             </a:fld>
             <a:endParaRPr lang="en-GB" dirty="0"/>
           </a:p>
@@ -1736,7 +1737,7 @@
           <a:graphicData uri="http://schemas.openxmlformats.org/presentationml/2006/ole">
             <mc:AlternateContent xmlns:mc="http://schemas.openxmlformats.org/markup-compatibility/2006">
               <mc:Choice xmlns:v="urn:schemas-microsoft-com:vml" Requires="v">
-                <p:oleObj spid="_x0000_s3145" name="think-cell Folie" r:id="rId4" imgW="270" imgH="270" progId="TCLayout.ActiveDocument.1">
+                <p:oleObj spid="_x0000_s3148" name="think-cell Folie" r:id="rId4" imgW="270" imgH="270" progId="TCLayout.ActiveDocument.1">
                   <p:embed/>
                 </p:oleObj>
               </mc:Choice>
@@ -6929,7 +6930,7 @@
           <a:graphicData uri="http://schemas.openxmlformats.org/presentationml/2006/ole">
             <mc:AlternateContent xmlns:mc="http://schemas.openxmlformats.org/markup-compatibility/2006">
               <mc:Choice xmlns:v="urn:schemas-microsoft-com:vml" Requires="v">
-                <p:oleObj spid="_x0000_s5185" name="think-cell Folie" r:id="rId4" imgW="270" imgH="270" progId="TCLayout.ActiveDocument.1">
+                <p:oleObj spid="_x0000_s5188" name="think-cell Folie" r:id="rId4" imgW="270" imgH="270" progId="TCLayout.ActiveDocument.1">
                   <p:embed/>
                 </p:oleObj>
               </mc:Choice>
@@ -9921,7 +9922,7 @@
           <a:graphicData uri="http://schemas.openxmlformats.org/presentationml/2006/ole">
             <mc:AlternateContent xmlns:mc="http://schemas.openxmlformats.org/markup-compatibility/2006">
               <mc:Choice xmlns:v="urn:schemas-microsoft-com:vml" Requires="v">
-                <p:oleObj spid="_x0000_s1098" name="think-cell Folie" r:id="rId20" imgW="270" imgH="270" progId="TCLayout.ActiveDocument.1">
+                <p:oleObj spid="_x0000_s1101" name="think-cell Folie" r:id="rId20" imgW="270" imgH="270" progId="TCLayout.ActiveDocument.1">
                   <p:embed/>
                 </p:oleObj>
               </mc:Choice>
@@ -11850,11 +11851,7 @@
             </a:r>
             <a:r>
               <a:rPr lang="de-DE" dirty="0" smtClean="0"/>
-              <a:t> Prototyp </a:t>
-            </a:r>
-            <a:r>
-              <a:rPr lang="de-DE" dirty="0" smtClean="0"/>
-              <a:t>erweitern</a:t>
+              <a:t> Prototyp erweitern</a:t>
             </a:r>
           </a:p>
           <a:p>
@@ -11869,24 +11866,15 @@
             </a:r>
             <a:r>
               <a:rPr lang="de-DE" dirty="0" smtClean="0"/>
-              <a:t>: </a:t>
-            </a:r>
+              <a:t>: Links, bearbeitete Themen</a:t>
+            </a:r>
+          </a:p>
+          <a:p>
+            <a:pPr lvl="0"/>
             <a:r>
               <a:rPr lang="de-DE" dirty="0" smtClean="0"/>
-              <a:t>Links, bearbeitete Themen</a:t>
-            </a:r>
-          </a:p>
-          <a:p>
-            <a:pPr lvl="0"/>
-            <a:r>
-              <a:rPr lang="de-DE" dirty="0" smtClean="0"/>
-              <a:t>Unterstützung </a:t>
-            </a:r>
-            <a:r>
-              <a:rPr lang="de-DE" smtClean="0"/>
-              <a:t>durch Werkstudent</a:t>
-            </a:r>
-            <a:endParaRPr lang="de-DE" dirty="0" smtClean="0"/>
+              <a:t>Unterstützung durch Werkstudent</a:t>
+            </a:r>
           </a:p>
           <a:p>
             <a:pPr lvl="2"/>
@@ -12059,6 +12047,200 @@
       </p:grpSpPr>
       <p:sp>
         <p:nvSpPr>
+          <p:cNvPr id="2" name="Inhaltsplatzhalter 1"/>
+          <p:cNvSpPr>
+            <a:spLocks noGrp="1"/>
+          </p:cNvSpPr>
+          <p:nvPr>
+            <p:ph idx="1"/>
+          </p:nvPr>
+        </p:nvSpPr>
+        <p:spPr/>
+        <p:txBody>
+          <a:bodyPr/>
+          <a:lstStyle/>
+          <a:p>
+            <a:r>
+              <a:rPr lang="de-DE" dirty="0" err="1" smtClean="0"/>
+              <a:t>GitHub</a:t>
+            </a:r>
+            <a:r>
+              <a:rPr lang="de-DE" dirty="0" smtClean="0"/>
+              <a:t> </a:t>
+            </a:r>
+            <a:r>
+              <a:rPr lang="de-DE" smtClean="0"/>
+              <a:t>Account umwandeln</a:t>
+            </a:r>
+          </a:p>
+          <a:p>
+            <a:endParaRPr lang="de-DE"/>
+          </a:p>
+        </p:txBody>
+      </p:sp>
+      <p:sp>
+        <p:nvSpPr>
+          <p:cNvPr id="3" name="Titel 2"/>
+          <p:cNvSpPr>
+            <a:spLocks noGrp="1"/>
+          </p:cNvSpPr>
+          <p:nvPr>
+            <p:ph type="title"/>
+          </p:nvPr>
+        </p:nvSpPr>
+        <p:spPr/>
+        <p:txBody>
+          <a:bodyPr/>
+          <a:lstStyle/>
+          <a:p>
+            <a:r>
+              <a:rPr lang="de-DE" smtClean="0"/>
+              <a:t>Roadmap</a:t>
+            </a:r>
+            <a:endParaRPr lang="de-DE"/>
+          </a:p>
+        </p:txBody>
+      </p:sp>
+      <p:sp>
+        <p:nvSpPr>
+          <p:cNvPr id="4" name="Textplatzhalter 3"/>
+          <p:cNvSpPr>
+            <a:spLocks noGrp="1"/>
+          </p:cNvSpPr>
+          <p:nvPr>
+            <p:ph type="body" sz="quarter" idx="13"/>
+          </p:nvPr>
+        </p:nvSpPr>
+        <p:spPr/>
+        <p:txBody>
+          <a:bodyPr/>
+          <a:lstStyle/>
+          <a:p>
+            <a:endParaRPr lang="de-DE"/>
+          </a:p>
+        </p:txBody>
+      </p:sp>
+      <p:sp>
+        <p:nvSpPr>
+          <p:cNvPr id="5" name="Datumsplatzhalter 4"/>
+          <p:cNvSpPr>
+            <a:spLocks noGrp="1"/>
+          </p:cNvSpPr>
+          <p:nvPr>
+            <p:ph type="dt" sz="half" idx="2"/>
+          </p:nvPr>
+        </p:nvSpPr>
+        <p:spPr/>
+        <p:txBody>
+          <a:bodyPr/>
+          <a:lstStyle/>
+          <a:p>
+            <a:r>
+              <a:rPr lang="de-DE" noProof="0" smtClean="0"/>
+              <a:t>17.12.2014</a:t>
+            </a:r>
+            <a:endParaRPr lang="de-DE" noProof="0"/>
+          </a:p>
+        </p:txBody>
+      </p:sp>
+      <p:sp>
+        <p:nvSpPr>
+          <p:cNvPr id="6" name="Fußzeilenplatzhalter 5"/>
+          <p:cNvSpPr>
+            <a:spLocks noGrp="1"/>
+          </p:cNvSpPr>
+          <p:nvPr>
+            <p:ph type="ftr" sz="quarter" idx="3"/>
+          </p:nvPr>
+        </p:nvSpPr>
+        <p:spPr/>
+        <p:txBody>
+          <a:bodyPr/>
+          <a:lstStyle/>
+          <a:p>
+            <a:r>
+              <a:rPr lang="de-DE" noProof="0" smtClean="0"/>
+              <a:t>Titel</a:t>
+            </a:r>
+            <a:endParaRPr lang="de-DE" noProof="0" dirty="0"/>
+          </a:p>
+        </p:txBody>
+      </p:sp>
+      <p:sp>
+        <p:nvSpPr>
+          <p:cNvPr id="7" name="Foliennummernplatzhalter 6"/>
+          <p:cNvSpPr>
+            <a:spLocks noGrp="1"/>
+          </p:cNvSpPr>
+          <p:nvPr>
+            <p:ph type="sldNum" sz="quarter" idx="4"/>
+          </p:nvPr>
+        </p:nvSpPr>
+        <p:spPr/>
+        <p:txBody>
+          <a:bodyPr/>
+          <a:lstStyle/>
+          <a:p>
+            <a:fld id="{AF43E6FD-AB27-4108-A2FC-346BB5F75E3F}" type="slidenum">
+              <a:rPr lang="de-DE" noProof="0" smtClean="0"/>
+              <a:pPr/>
+              <a:t>14</a:t>
+            </a:fld>
+            <a:endParaRPr lang="de-DE" noProof="0"/>
+          </a:p>
+        </p:txBody>
+      </p:sp>
+      <p:sp>
+        <p:nvSpPr>
+          <p:cNvPr id="8" name="Textplatzhalter 7"/>
+          <p:cNvSpPr>
+            <a:spLocks noGrp="1"/>
+          </p:cNvSpPr>
+          <p:nvPr>
+            <p:ph type="body" sz="quarter" idx="14"/>
+          </p:nvPr>
+        </p:nvSpPr>
+        <p:spPr/>
+        <p:txBody>
+          <a:bodyPr/>
+          <a:lstStyle/>
+          <a:p>
+            <a:endParaRPr lang="de-DE"/>
+          </a:p>
+        </p:txBody>
+      </p:sp>
+    </p:spTree>
+    <p:extLst>
+      <p:ext uri="{BB962C8B-B14F-4D97-AF65-F5344CB8AC3E}">
+        <p14:creationId xmlns:p14="http://schemas.microsoft.com/office/powerpoint/2010/main" val="728481262"/>
+      </p:ext>
+    </p:extLst>
+  </p:cSld>
+  <p:clrMapOvr>
+    <a:masterClrMapping/>
+  </p:clrMapOvr>
+</p:sld>
+</file>
+
+<file path=ppt/slides/slide15.xml><?xml version="1.0" encoding="utf-8"?>
+<p:sld xmlns:a="http://schemas.openxmlformats.org/drawingml/2006/main" xmlns:r="http://schemas.openxmlformats.org/officeDocument/2006/relationships" xmlns:p="http://schemas.openxmlformats.org/presentationml/2006/main">
+  <p:cSld>
+    <p:spTree>
+      <p:nvGrpSpPr>
+        <p:cNvPr id="1" name=""/>
+        <p:cNvGrpSpPr/>
+        <p:nvPr/>
+      </p:nvGrpSpPr>
+      <p:grpSpPr>
+        <a:xfrm>
+          <a:off x="0" y="0"/>
+          <a:ext cx="0" cy="0"/>
+          <a:chOff x="0" y="0"/>
+          <a:chExt cx="0" cy="0"/>
+        </a:xfrm>
+      </p:grpSpPr>
+      <p:sp>
+        <p:nvSpPr>
           <p:cNvPr id="10" name="FooterDate"/>
           <p:cNvSpPr>
             <a:spLocks noGrp="1"/>
@@ -12121,7 +12303,7 @@
             <a:fld id="{AF43E6FD-AB27-4108-A2FC-346BB5F75E3F}" type="slidenum">
               <a:rPr lang="de-DE" smtClean="0"/>
               <a:pPr/>
-              <a:t>14</a:t>
+              <a:t>15</a:t>
             </a:fld>
             <a:endParaRPr lang="de-DE" dirty="0"/>
           </a:p>
@@ -12598,7 +12780,7 @@
 </p:sld>
 </file>
 
-<file path=ppt/slides/slide15.xml><?xml version="1.0" encoding="utf-8"?>
+<file path=ppt/slides/slide16.xml><?xml version="1.0" encoding="utf-8"?>
 <p:sld xmlns:a="http://schemas.openxmlformats.org/drawingml/2006/main" xmlns:r="http://schemas.openxmlformats.org/officeDocument/2006/relationships" xmlns:p="http://schemas.openxmlformats.org/presentationml/2006/main">
   <p:cSld>
     <p:spTree>
@@ -12679,7 +12861,7 @@
             <a:fld id="{AF43E6FD-AB27-4108-A2FC-346BB5F75E3F}" type="slidenum">
               <a:rPr lang="de-DE" smtClean="0"/>
               <a:pPr/>
-              <a:t>15</a:t>
+              <a:t>16</a:t>
             </a:fld>
             <a:endParaRPr lang="de-DE" dirty="0"/>
           </a:p>
@@ -13759,11 +13941,7 @@
             </a:r>
             <a:r>
               <a:rPr lang="de-DE" dirty="0" smtClean="0"/>
-              <a:t> beteiligen möchte und welche Ziele er für sich </a:t>
-            </a:r>
-            <a:r>
-              <a:rPr lang="de-DE" dirty="0" smtClean="0"/>
-              <a:t>festlegt</a:t>
+              <a:t> beteiligen möchte und welche Ziele er für sich festlegt</a:t>
             </a:r>
           </a:p>
           <a:p>
@@ -13772,7 +13950,6 @@
               <a:rPr lang="de-DE" dirty="0" smtClean="0"/>
               <a:t>Ziele werden möglichst konkret festgelegt</a:t>
             </a:r>
-            <a:endParaRPr lang="de-DE" dirty="0" smtClean="0"/>
           </a:p>
           <a:p>
             <a:pPr lvl="2"/>
@@ -13975,7 +14152,6 @@
               <a:rPr lang="de-DE" dirty="0" smtClean="0"/>
               <a:t>Ansprechpartner</a:t>
             </a:r>
-            <a:endParaRPr lang="de-DE" dirty="0" smtClean="0"/>
           </a:p>
           <a:p>
             <a:pPr lvl="1"/>
@@ -15401,6 +15577,20 @@
 </file>
 
 <file path=customXml/item1.xml><?xml version="1.0" encoding="utf-8"?>
+<?mso-contentType ?>
+<FormTemplates xmlns="http://schemas.microsoft.com/sharepoint/v3/contenttype/forms">
+  <Display>DocumentLibraryForm</Display>
+  <Edit>DocumentLibraryForm</Edit>
+  <New>DocumentLibraryForm</New>
+</FormTemplates>
+</file>
+
+<file path=customXml/item2.xml><?xml version="1.0" encoding="utf-8"?>
+<?mso-contentType ?>
+<SharedContentType xmlns="Microsoft.SharePoint.Taxonomy.ContentTypeSync" SourceId="000e2059-5ee7-47e9-8d7c-e5c5b9f97e02" ContentTypeId="0x0101" PreviousValue="false"/>
+</file>
+
+<file path=customXml/item3.xml><?xml version="1.0" encoding="utf-8"?>
 <ct:contentTypeSchema xmlns:ct="http://schemas.microsoft.com/office/2006/metadata/contentType" xmlns:ma="http://schemas.microsoft.com/office/2006/metadata/properties/metaAttributes" ct:_="" ma:_="" ma:contentTypeName="Document" ma:contentTypeID="0x010100B2595B23E8A70249AE3893FA40C3D0AC" ma:contentTypeVersion="3" ma:contentTypeDescription="Create a new document." ma:contentTypeScope="" ma:versionID="10d27e969f5378d37b63249282d38cde">
   <xsd:schema xmlns:xsd="http://www.w3.org/2001/XMLSchema" xmlns:xs="http://www.w3.org/2001/XMLSchema" xmlns:p="http://schemas.microsoft.com/office/2006/metadata/properties" xmlns:ns2="21f1b9a1-a14a-4bc7-a26e-d14c8d65680a" xmlns:ns3="44440806-fd11-4447-82a8-07bec90d064d" targetNamespace="http://schemas.microsoft.com/office/2006/metadata/properties" ma:root="true" ma:fieldsID="e8a97cf32bb12b6fe2a0bfe11c1646a4" ns2:_="" ns3:_="">
     <xsd:import namespace="21f1b9a1-a14a-4bc7-a26e-d14c8d65680a"/>
@@ -15644,20 +15834,6 @@
 </ct:contentTypeSchema>
 </file>
 
-<file path=customXml/item2.xml><?xml version="1.0" encoding="utf-8"?>
-<?mso-contentType ?>
-<SharedContentType xmlns="Microsoft.SharePoint.Taxonomy.ContentTypeSync" SourceId="000e2059-5ee7-47e9-8d7c-e5c5b9f97e02" ContentTypeId="0x0101" PreviousValue="false"/>
-</file>
-
-<file path=customXml/item3.xml><?xml version="1.0" encoding="utf-8"?>
-<?mso-contentType ?>
-<FormTemplates xmlns="http://schemas.microsoft.com/sharepoint/v3/contenttype/forms">
-  <Display>DocumentLibraryForm</Display>
-  <Edit>DocumentLibraryForm</Edit>
-  <New>DocumentLibraryForm</New>
-</FormTemplates>
-</file>
-
 <file path=customXml/item4.xml><?xml version="1.0" encoding="utf-8"?>
 <p:properties xmlns:p="http://schemas.microsoft.com/office/2006/metadata/properties" xmlns:xsi="http://www.w3.org/2001/XMLSchema-instance" xmlns:pc="http://schemas.microsoft.com/office/infopath/2007/PartnerControls">
   <documentManagement>
@@ -15686,6 +15862,22 @@
 </file>
 
 <file path=customXml/itemProps1.xml><?xml version="1.0" encoding="utf-8"?>
+<ds:datastoreItem xmlns:ds="http://schemas.openxmlformats.org/officeDocument/2006/customXml" ds:itemID="{E368A512-73EB-49E2-B5D1-942B8B89988C}">
+  <ds:schemaRefs>
+    <ds:schemaRef ds:uri="http://schemas.microsoft.com/sharepoint/v3/contenttype/forms"/>
+  </ds:schemaRefs>
+</ds:datastoreItem>
+</file>
+
+<file path=customXml/itemProps2.xml><?xml version="1.0" encoding="utf-8"?>
+<ds:datastoreItem xmlns:ds="http://schemas.openxmlformats.org/officeDocument/2006/customXml" ds:itemID="{959E2BBF-1766-4AF4-AA1A-C1E7D94DA7AD}">
+  <ds:schemaRefs>
+    <ds:schemaRef ds:uri="Microsoft.SharePoint.Taxonomy.ContentTypeSync"/>
+  </ds:schemaRefs>
+</ds:datastoreItem>
+</file>
+
+<file path=customXml/itemProps3.xml><?xml version="1.0" encoding="utf-8"?>
 <ds:datastoreItem xmlns:ds="http://schemas.openxmlformats.org/officeDocument/2006/customXml" ds:itemID="{03F68B5D-060D-461E-B35E-22CCF0143199}">
   <ds:schemaRefs>
     <ds:schemaRef ds:uri="http://schemas.microsoft.com/office/2006/metadata/contentType"/>
@@ -15700,22 +15892,6 @@
     <ds:schemaRef ds:uri="http://purl.org/dc/elements/1.1/"/>
     <ds:schemaRef ds:uri="http://purl.org/dc/terms/"/>
     <ds:schemaRef ds:uri="http://schemas.microsoft.com/internal/obd"/>
-  </ds:schemaRefs>
-</ds:datastoreItem>
-</file>
-
-<file path=customXml/itemProps2.xml><?xml version="1.0" encoding="utf-8"?>
-<ds:datastoreItem xmlns:ds="http://schemas.openxmlformats.org/officeDocument/2006/customXml" ds:itemID="{959E2BBF-1766-4AF4-AA1A-C1E7D94DA7AD}">
-  <ds:schemaRefs>
-    <ds:schemaRef ds:uri="Microsoft.SharePoint.Taxonomy.ContentTypeSync"/>
-  </ds:schemaRefs>
-</ds:datastoreItem>
-</file>
-
-<file path=customXml/itemProps3.xml><?xml version="1.0" encoding="utf-8"?>
-<ds:datastoreItem xmlns:ds="http://schemas.openxmlformats.org/officeDocument/2006/customXml" ds:itemID="{E368A512-73EB-49E2-B5D1-942B8B89988C}">
-  <ds:schemaRefs>
-    <ds:schemaRef ds:uri="http://schemas.microsoft.com/sharepoint/v3/contenttype/forms"/>
   </ds:schemaRefs>
 </ds:datastoreItem>
 </file>

--- a/TechUpdate_Status.pptx
+++ b/TechUpdate_Status.pptx
@@ -1737,7 +1737,7 @@
           <a:graphicData uri="http://schemas.openxmlformats.org/presentationml/2006/ole">
             <mc:AlternateContent xmlns:mc="http://schemas.openxmlformats.org/markup-compatibility/2006">
               <mc:Choice xmlns:v="urn:schemas-microsoft-com:vml" Requires="v">
-                <p:oleObj spid="_x0000_s3148" name="think-cell Folie" r:id="rId4" imgW="270" imgH="270" progId="TCLayout.ActiveDocument.1">
+                <p:oleObj spid="_x0000_s3149" name="think-cell Folie" r:id="rId4" imgW="270" imgH="270" progId="TCLayout.ActiveDocument.1">
                   <p:embed/>
                 </p:oleObj>
               </mc:Choice>
@@ -6930,7 +6930,7 @@
           <a:graphicData uri="http://schemas.openxmlformats.org/presentationml/2006/ole">
             <mc:AlternateContent xmlns:mc="http://schemas.openxmlformats.org/markup-compatibility/2006">
               <mc:Choice xmlns:v="urn:schemas-microsoft-com:vml" Requires="v">
-                <p:oleObj spid="_x0000_s5188" name="think-cell Folie" r:id="rId4" imgW="270" imgH="270" progId="TCLayout.ActiveDocument.1">
+                <p:oleObj spid="_x0000_s5189" name="think-cell Folie" r:id="rId4" imgW="270" imgH="270" progId="TCLayout.ActiveDocument.1">
                   <p:embed/>
                 </p:oleObj>
               </mc:Choice>
@@ -9922,7 +9922,7 @@
           <a:graphicData uri="http://schemas.openxmlformats.org/presentationml/2006/ole">
             <mc:AlternateContent xmlns:mc="http://schemas.openxmlformats.org/markup-compatibility/2006">
               <mc:Choice xmlns:v="urn:schemas-microsoft-com:vml" Requires="v">
-                <p:oleObj spid="_x0000_s1101" name="think-cell Folie" r:id="rId20" imgW="270" imgH="270" progId="TCLayout.ActiveDocument.1">
+                <p:oleObj spid="_x0000_s1102" name="think-cell Folie" r:id="rId20" imgW="270" imgH="270" progId="TCLayout.ActiveDocument.1">
                   <p:embed/>
                 </p:oleObj>
               </mc:Choice>
@@ -11091,7 +11091,15 @@
           <a:p>
             <a:r>
               <a:rPr lang="de-DE" dirty="0" smtClean="0"/>
-              <a:t>Stand: 22.02.2017</a:t>
+              <a:t>Stand</a:t>
+            </a:r>
+            <a:r>
+              <a:rPr lang="de-DE" smtClean="0"/>
+              <a:t>: </a:t>
+            </a:r>
+            <a:r>
+              <a:rPr lang="de-DE" smtClean="0"/>
+              <a:t>01.03.2017</a:t>
             </a:r>
             <a:endParaRPr lang="de-DE" dirty="0"/>
           </a:p>
@@ -15577,20 +15585,6 @@
 </file>
 
 <file path=customXml/item1.xml><?xml version="1.0" encoding="utf-8"?>
-<?mso-contentType ?>
-<FormTemplates xmlns="http://schemas.microsoft.com/sharepoint/v3/contenttype/forms">
-  <Display>DocumentLibraryForm</Display>
-  <Edit>DocumentLibraryForm</Edit>
-  <New>DocumentLibraryForm</New>
-</FormTemplates>
-</file>
-
-<file path=customXml/item2.xml><?xml version="1.0" encoding="utf-8"?>
-<?mso-contentType ?>
-<SharedContentType xmlns="Microsoft.SharePoint.Taxonomy.ContentTypeSync" SourceId="000e2059-5ee7-47e9-8d7c-e5c5b9f97e02" ContentTypeId="0x0101" PreviousValue="false"/>
-</file>
-
-<file path=customXml/item3.xml><?xml version="1.0" encoding="utf-8"?>
 <ct:contentTypeSchema xmlns:ct="http://schemas.microsoft.com/office/2006/metadata/contentType" xmlns:ma="http://schemas.microsoft.com/office/2006/metadata/properties/metaAttributes" ct:_="" ma:_="" ma:contentTypeName="Document" ma:contentTypeID="0x010100B2595B23E8A70249AE3893FA40C3D0AC" ma:contentTypeVersion="3" ma:contentTypeDescription="Create a new document." ma:contentTypeScope="" ma:versionID="10d27e969f5378d37b63249282d38cde">
   <xsd:schema xmlns:xsd="http://www.w3.org/2001/XMLSchema" xmlns:xs="http://www.w3.org/2001/XMLSchema" xmlns:p="http://schemas.microsoft.com/office/2006/metadata/properties" xmlns:ns2="21f1b9a1-a14a-4bc7-a26e-d14c8d65680a" xmlns:ns3="44440806-fd11-4447-82a8-07bec90d064d" targetNamespace="http://schemas.microsoft.com/office/2006/metadata/properties" ma:root="true" ma:fieldsID="e8a97cf32bb12b6fe2a0bfe11c1646a4" ns2:_="" ns3:_="">
     <xsd:import namespace="21f1b9a1-a14a-4bc7-a26e-d14c8d65680a"/>
@@ -15834,6 +15828,20 @@
 </ct:contentTypeSchema>
 </file>
 
+<file path=customXml/item2.xml><?xml version="1.0" encoding="utf-8"?>
+<?mso-contentType ?>
+<SharedContentType xmlns="Microsoft.SharePoint.Taxonomy.ContentTypeSync" SourceId="000e2059-5ee7-47e9-8d7c-e5c5b9f97e02" ContentTypeId="0x0101" PreviousValue="false"/>
+</file>
+
+<file path=customXml/item3.xml><?xml version="1.0" encoding="utf-8"?>
+<?mso-contentType ?>
+<FormTemplates xmlns="http://schemas.microsoft.com/sharepoint/v3/contenttype/forms">
+  <Display>DocumentLibraryForm</Display>
+  <Edit>DocumentLibraryForm</Edit>
+  <New>DocumentLibraryForm</New>
+</FormTemplates>
+</file>
+
 <file path=customXml/item4.xml><?xml version="1.0" encoding="utf-8"?>
 <p:properties xmlns:p="http://schemas.microsoft.com/office/2006/metadata/properties" xmlns:xsi="http://www.w3.org/2001/XMLSchema-instance" xmlns:pc="http://schemas.microsoft.com/office/infopath/2007/PartnerControls">
   <documentManagement>
@@ -15862,22 +15870,6 @@
 </file>
 
 <file path=customXml/itemProps1.xml><?xml version="1.0" encoding="utf-8"?>
-<ds:datastoreItem xmlns:ds="http://schemas.openxmlformats.org/officeDocument/2006/customXml" ds:itemID="{E368A512-73EB-49E2-B5D1-942B8B89988C}">
-  <ds:schemaRefs>
-    <ds:schemaRef ds:uri="http://schemas.microsoft.com/sharepoint/v3/contenttype/forms"/>
-  </ds:schemaRefs>
-</ds:datastoreItem>
-</file>
-
-<file path=customXml/itemProps2.xml><?xml version="1.0" encoding="utf-8"?>
-<ds:datastoreItem xmlns:ds="http://schemas.openxmlformats.org/officeDocument/2006/customXml" ds:itemID="{959E2BBF-1766-4AF4-AA1A-C1E7D94DA7AD}">
-  <ds:schemaRefs>
-    <ds:schemaRef ds:uri="Microsoft.SharePoint.Taxonomy.ContentTypeSync"/>
-  </ds:schemaRefs>
-</ds:datastoreItem>
-</file>
-
-<file path=customXml/itemProps3.xml><?xml version="1.0" encoding="utf-8"?>
 <ds:datastoreItem xmlns:ds="http://schemas.openxmlformats.org/officeDocument/2006/customXml" ds:itemID="{03F68B5D-060D-461E-B35E-22CCF0143199}">
   <ds:schemaRefs>
     <ds:schemaRef ds:uri="http://schemas.microsoft.com/office/2006/metadata/contentType"/>
@@ -15892,6 +15884,22 @@
     <ds:schemaRef ds:uri="http://purl.org/dc/elements/1.1/"/>
     <ds:schemaRef ds:uri="http://purl.org/dc/terms/"/>
     <ds:schemaRef ds:uri="http://schemas.microsoft.com/internal/obd"/>
+  </ds:schemaRefs>
+</ds:datastoreItem>
+</file>
+
+<file path=customXml/itemProps2.xml><?xml version="1.0" encoding="utf-8"?>
+<ds:datastoreItem xmlns:ds="http://schemas.openxmlformats.org/officeDocument/2006/customXml" ds:itemID="{959E2BBF-1766-4AF4-AA1A-C1E7D94DA7AD}">
+  <ds:schemaRefs>
+    <ds:schemaRef ds:uri="Microsoft.SharePoint.Taxonomy.ContentTypeSync"/>
+  </ds:schemaRefs>
+</ds:datastoreItem>
+</file>
+
+<file path=customXml/itemProps3.xml><?xml version="1.0" encoding="utf-8"?>
+<ds:datastoreItem xmlns:ds="http://schemas.openxmlformats.org/officeDocument/2006/customXml" ds:itemID="{E368A512-73EB-49E2-B5D1-942B8B89988C}">
+  <ds:schemaRefs>
+    <ds:schemaRef ds:uri="http://schemas.microsoft.com/sharepoint/v3/contenttype/forms"/>
   </ds:schemaRefs>
 </ds:datastoreItem>
 </file>

--- a/TechUpdate_Status.pptx
+++ b/TechUpdate_Status.pptx
@@ -1737,7 +1737,7 @@
           <a:graphicData uri="http://schemas.openxmlformats.org/presentationml/2006/ole">
             <mc:AlternateContent xmlns:mc="http://schemas.openxmlformats.org/markup-compatibility/2006">
               <mc:Choice xmlns:v="urn:schemas-microsoft-com:vml" Requires="v">
-                <p:oleObj spid="_x0000_s3149" name="think-cell Folie" r:id="rId4" imgW="270" imgH="270" progId="TCLayout.ActiveDocument.1">
+                <p:oleObj spid="_x0000_s3151" name="think-cell Folie" r:id="rId4" imgW="270" imgH="270" progId="TCLayout.ActiveDocument.1">
                   <p:embed/>
                 </p:oleObj>
               </mc:Choice>
@@ -6930,7 +6930,7 @@
           <a:graphicData uri="http://schemas.openxmlformats.org/presentationml/2006/ole">
             <mc:AlternateContent xmlns:mc="http://schemas.openxmlformats.org/markup-compatibility/2006">
               <mc:Choice xmlns:v="urn:schemas-microsoft-com:vml" Requires="v">
-                <p:oleObj spid="_x0000_s5189" name="think-cell Folie" r:id="rId4" imgW="270" imgH="270" progId="TCLayout.ActiveDocument.1">
+                <p:oleObj spid="_x0000_s5191" name="think-cell Folie" r:id="rId4" imgW="270" imgH="270" progId="TCLayout.ActiveDocument.1">
                   <p:embed/>
                 </p:oleObj>
               </mc:Choice>
@@ -9922,7 +9922,7 @@
           <a:graphicData uri="http://schemas.openxmlformats.org/presentationml/2006/ole">
             <mc:AlternateContent xmlns:mc="http://schemas.openxmlformats.org/markup-compatibility/2006">
               <mc:Choice xmlns:v="urn:schemas-microsoft-com:vml" Requires="v">
-                <p:oleObj spid="_x0000_s1102" name="think-cell Folie" r:id="rId20" imgW="270" imgH="270" progId="TCLayout.ActiveDocument.1">
+                <p:oleObj spid="_x0000_s1104" name="think-cell Folie" r:id="rId20" imgW="270" imgH="270" progId="TCLayout.ActiveDocument.1">
                   <p:embed/>
                 </p:oleObj>
               </mc:Choice>
@@ -11091,14 +11091,10 @@
           <a:p>
             <a:r>
               <a:rPr lang="de-DE" dirty="0" smtClean="0"/>
-              <a:t>Stand</a:t>
-            </a:r>
-            <a:r>
-              <a:rPr lang="de-DE" smtClean="0"/>
-              <a:t>: </a:t>
-            </a:r>
-            <a:r>
-              <a:rPr lang="de-DE" smtClean="0"/>
+              <a:t>Stand: </a:t>
+            </a:r>
+            <a:r>
+              <a:rPr lang="de-DE" dirty="0" smtClean="0"/>
               <a:t>01.03.2017</a:t>
             </a:r>
             <a:endParaRPr lang="de-DE" dirty="0"/>
@@ -12074,15 +12070,22 @@
             </a:r>
             <a:r>
               <a:rPr lang="de-DE" dirty="0" smtClean="0"/>
-              <a:t> </a:t>
-            </a:r>
-            <a:r>
-              <a:rPr lang="de-DE" smtClean="0"/>
-              <a:t>Account umwandeln</a:t>
-            </a:r>
-          </a:p>
-          <a:p>
-            <a:endParaRPr lang="de-DE"/>
+              <a:t> Account </a:t>
+            </a:r>
+            <a:r>
+              <a:rPr lang="de-DE" dirty="0" smtClean="0"/>
+              <a:t>umwandeln</a:t>
+            </a:r>
+          </a:p>
+          <a:p>
+            <a:r>
+              <a:rPr lang="de-DE" dirty="0" smtClean="0"/>
+              <a:t>Raumreservierung GS Frankfurt</a:t>
+            </a:r>
+            <a:endParaRPr lang="de-DE" dirty="0" smtClean="0"/>
+          </a:p>
+          <a:p>
+            <a:endParaRPr lang="de-DE" dirty="0"/>
           </a:p>
         </p:txBody>
       </p:sp>
@@ -13346,8 +13349,13 @@
             </a:r>
             <a:r>
               <a:rPr lang="de-DE" sz="1600" dirty="0"/>
-              <a:t>einer Plattform zur Erprobung marktrelevanter neuer Technologien im Java-Umfeld für die Mitarbeiter</a:t>
-            </a:r>
+              <a:t>einer Plattform zur Erprobung marktrelevanter neuer Technologien im Java-Umfeld für die </a:t>
+            </a:r>
+            <a:r>
+              <a:rPr lang="de-DE" sz="1600" dirty="0" smtClean="0"/>
+              <a:t>Unit-Mitarbeiter</a:t>
+            </a:r>
+            <a:endParaRPr lang="de-DE" sz="1600" dirty="0"/>
           </a:p>
           <a:p>
             <a:pPr lvl="1"/>
@@ -14574,8 +14582,38 @@
             <a:pPr lvl="0"/>
             <a:r>
               <a:rPr lang="de-DE" dirty="0"/>
-              <a:t>AWS Instanz</a:t>
-            </a:r>
+              <a:t>AWS </a:t>
+            </a:r>
+            <a:r>
+              <a:rPr lang="de-DE" dirty="0" smtClean="0"/>
+              <a:t>Instanz</a:t>
+            </a:r>
+          </a:p>
+          <a:p>
+            <a:pPr lvl="1"/>
+            <a:r>
+              <a:rPr lang="de-DE" dirty="0" smtClean="0"/>
+              <a:t>Jenkins</a:t>
+            </a:r>
+          </a:p>
+          <a:p>
+            <a:pPr lvl="1"/>
+            <a:r>
+              <a:rPr lang="de-DE" dirty="0" err="1" smtClean="0"/>
+              <a:t>CoreBanking</a:t>
+            </a:r>
+            <a:r>
+              <a:rPr lang="de-DE" dirty="0" smtClean="0"/>
+              <a:t> Prototyp</a:t>
+            </a:r>
+          </a:p>
+          <a:p>
+            <a:pPr lvl="1"/>
+            <a:r>
+              <a:rPr lang="de-DE" dirty="0" smtClean="0"/>
+              <a:t>Derby</a:t>
+            </a:r>
+            <a:endParaRPr lang="de-DE" dirty="0"/>
           </a:p>
           <a:p>
             <a:pPr lvl="0"/>

--- a/TechUpdate_Status.pptx
+++ b/TechUpdate_Status.pptx
@@ -5,10 +5,10 @@
     <p:sldMasterId id="2147483648" r:id="rId5"/>
   </p:sldMasterIdLst>
   <p:notesMasterIdLst>
-    <p:notesMasterId r:id="rId22"/>
+    <p:notesMasterId r:id="rId23"/>
   </p:notesMasterIdLst>
   <p:handoutMasterIdLst>
-    <p:handoutMasterId r:id="rId23"/>
+    <p:handoutMasterId r:id="rId24"/>
   </p:handoutMasterIdLst>
   <p:sldIdLst>
     <p:sldId id="319" r:id="rId6"/>
@@ -20,18 +20,19 @@
     <p:sldId id="356" r:id="rId12"/>
     <p:sldId id="339" r:id="rId13"/>
     <p:sldId id="352" r:id="rId14"/>
-    <p:sldId id="329" r:id="rId15"/>
-    <p:sldId id="354" r:id="rId16"/>
-    <p:sldId id="328" r:id="rId17"/>
-    <p:sldId id="355" r:id="rId18"/>
-    <p:sldId id="357" r:id="rId19"/>
-    <p:sldId id="274" r:id="rId20"/>
-    <p:sldId id="332" r:id="rId21"/>
+    <p:sldId id="358" r:id="rId15"/>
+    <p:sldId id="329" r:id="rId16"/>
+    <p:sldId id="354" r:id="rId17"/>
+    <p:sldId id="328" r:id="rId18"/>
+    <p:sldId id="355" r:id="rId19"/>
+    <p:sldId id="357" r:id="rId20"/>
+    <p:sldId id="274" r:id="rId21"/>
+    <p:sldId id="332" r:id="rId22"/>
   </p:sldIdLst>
   <p:sldSz cx="9144000" cy="6858000" type="screen4x3"/>
   <p:notesSz cx="6805613" cy="9944100"/>
   <p:custDataLst>
-    <p:tags r:id="rId24"/>
+    <p:tags r:id="rId25"/>
   </p:custDataLst>
   <p:defaultTextStyle>
     <a:defPPr>
@@ -229,7 +230,7 @@
             <a:pPr algn="l"/>
             <a:fld id="{992ACF9D-DFDC-416D-8629-6E7E5D8EA592}" type="datetime1">
               <a:rPr lang="de-DE" smtClean="0"/>
-              <a:t>01.03.2017</a:t>
+              <a:t>21.03.2017</a:t>
             </a:fld>
             <a:endParaRPr lang="en-GB" dirty="0"/>
           </a:p>
@@ -790,7 +791,7 @@
       </p:grpSpPr>
       <p:sp>
         <p:nvSpPr>
-          <p:cNvPr id="2" name="Espace réservé de l'image des diapositives 1"/>
+          <p:cNvPr id="10" name="Espace réservé de l'image des diapositives 9"/>
           <p:cNvSpPr>
             <a:spLocks noGrp="1" noRot="1" noChangeAspect="1"/>
           </p:cNvSpPr>
@@ -807,7 +808,7 @@
       </p:sp>
       <p:sp>
         <p:nvSpPr>
-          <p:cNvPr id="3" name="Espace réservé des commentaires 2"/>
+          <p:cNvPr id="11" name="Espace réservé des commentaires 10"/>
           <p:cNvSpPr>
             <a:spLocks noGrp="1"/>
           </p:cNvSpPr>
@@ -820,14 +821,14 @@
           <a:bodyPr/>
           <a:lstStyle/>
           <a:p>
-            <a:endParaRPr lang="fr-FR" dirty="0"/>
+            <a:endParaRPr lang="fr-FR"/>
           </a:p>
         </p:txBody>
       </p:sp>
     </p:spTree>
     <p:extLst>
       <p:ext uri="{BB962C8B-B14F-4D97-AF65-F5344CB8AC3E}">
-        <p14:creationId xmlns:p14="http://schemas.microsoft.com/office/powerpoint/2010/main" val="1354417404"/>
+        <p14:creationId xmlns:p14="http://schemas.microsoft.com/office/powerpoint/2010/main" val="185757619"/>
       </p:ext>
     </p:extLst>
   </p:cSld>
@@ -856,7 +857,7 @@
       </p:grpSpPr>
       <p:sp>
         <p:nvSpPr>
-          <p:cNvPr id="10" name="Espace réservé de l'image des diapositives 9"/>
+          <p:cNvPr id="2" name="Espace réservé de l'image des diapositives 1"/>
           <p:cNvSpPr>
             <a:spLocks noGrp="1" noRot="1" noChangeAspect="1"/>
           </p:cNvSpPr>
@@ -873,7 +874,7 @@
       </p:sp>
       <p:sp>
         <p:nvSpPr>
-          <p:cNvPr id="11" name="Espace réservé des commentaires 10"/>
+          <p:cNvPr id="3" name="Espace réservé des commentaires 2"/>
           <p:cNvSpPr>
             <a:spLocks noGrp="1"/>
           </p:cNvSpPr>
@@ -886,14 +887,14 @@
           <a:bodyPr/>
           <a:lstStyle/>
           <a:p>
-            <a:endParaRPr lang="fr-FR"/>
+            <a:endParaRPr lang="fr-FR" dirty="0"/>
           </a:p>
         </p:txBody>
       </p:sp>
     </p:spTree>
     <p:extLst>
       <p:ext uri="{BB962C8B-B14F-4D97-AF65-F5344CB8AC3E}">
-        <p14:creationId xmlns:p14="http://schemas.microsoft.com/office/powerpoint/2010/main" val="185757619"/>
+        <p14:creationId xmlns:p14="http://schemas.microsoft.com/office/powerpoint/2010/main" val="1354417404"/>
       </p:ext>
     </p:extLst>
   </p:cSld>
@@ -922,7 +923,7 @@
       </p:grpSpPr>
       <p:sp>
         <p:nvSpPr>
-          <p:cNvPr id="2" name="Espace réservé de l'image des diapositives 1"/>
+          <p:cNvPr id="10" name="Espace réservé de l'image des diapositives 9"/>
           <p:cNvSpPr>
             <a:spLocks noGrp="1" noRot="1" noChangeAspect="1"/>
           </p:cNvSpPr>
@@ -939,7 +940,7 @@
       </p:sp>
       <p:sp>
         <p:nvSpPr>
-          <p:cNvPr id="3" name="Espace réservé des commentaires 2"/>
+          <p:cNvPr id="11" name="Espace réservé des commentaires 10"/>
           <p:cNvSpPr>
             <a:spLocks noGrp="1"/>
           </p:cNvSpPr>
@@ -959,7 +960,7 @@
     </p:spTree>
     <p:extLst>
       <p:ext uri="{BB962C8B-B14F-4D97-AF65-F5344CB8AC3E}">
-        <p14:creationId xmlns:p14="http://schemas.microsoft.com/office/powerpoint/2010/main" val="3853147094"/>
+        <p14:creationId xmlns:p14="http://schemas.microsoft.com/office/powerpoint/2010/main" val="185757619"/>
       </p:ext>
     </p:extLst>
   </p:cSld>
@@ -988,7 +989,7 @@
       </p:grpSpPr>
       <p:sp>
         <p:nvSpPr>
-          <p:cNvPr id="10" name="Espace réservé de l'image des diapositives 9"/>
+          <p:cNvPr id="2" name="Espace réservé de l'image des diapositives 1"/>
           <p:cNvSpPr>
             <a:spLocks noGrp="1" noRot="1" noChangeAspect="1"/>
           </p:cNvSpPr>
@@ -1005,7 +1006,7 @@
       </p:sp>
       <p:sp>
         <p:nvSpPr>
-          <p:cNvPr id="11" name="Espace réservé des commentaires 10"/>
+          <p:cNvPr id="3" name="Espace réservé des commentaires 2"/>
           <p:cNvSpPr>
             <a:spLocks noGrp="1"/>
           </p:cNvSpPr>
@@ -1025,7 +1026,7 @@
     </p:spTree>
     <p:extLst>
       <p:ext uri="{BB962C8B-B14F-4D97-AF65-F5344CB8AC3E}">
-        <p14:creationId xmlns:p14="http://schemas.microsoft.com/office/powerpoint/2010/main" val="185757619"/>
+        <p14:creationId xmlns:p14="http://schemas.microsoft.com/office/powerpoint/2010/main" val="3853147094"/>
       </p:ext>
     </p:extLst>
   </p:cSld>
@@ -1091,6 +1092,72 @@
     </p:spTree>
     <p:extLst>
       <p:ext uri="{BB962C8B-B14F-4D97-AF65-F5344CB8AC3E}">
+        <p14:creationId xmlns:p14="http://schemas.microsoft.com/office/powerpoint/2010/main" val="185757619"/>
+      </p:ext>
+    </p:extLst>
+  </p:cSld>
+  <p:clrMapOvr>
+    <a:masterClrMapping/>
+  </p:clrMapOvr>
+</p:notes>
+</file>
+
+<file path=ppt/notesSlides/notesSlide15.xml><?xml version="1.0" encoding="utf-8"?>
+<p:notes xmlns:a="http://schemas.openxmlformats.org/drawingml/2006/main" xmlns:r="http://schemas.openxmlformats.org/officeDocument/2006/relationships" xmlns:p="http://schemas.openxmlformats.org/presentationml/2006/main">
+  <p:cSld>
+    <p:spTree>
+      <p:nvGrpSpPr>
+        <p:cNvPr id="1" name=""/>
+        <p:cNvGrpSpPr/>
+        <p:nvPr/>
+      </p:nvGrpSpPr>
+      <p:grpSpPr>
+        <a:xfrm>
+          <a:off x="0" y="0"/>
+          <a:ext cx="0" cy="0"/>
+          <a:chOff x="0" y="0"/>
+          <a:chExt cx="0" cy="0"/>
+        </a:xfrm>
+      </p:grpSpPr>
+      <p:sp>
+        <p:nvSpPr>
+          <p:cNvPr id="10" name="Espace réservé de l'image des diapositives 9"/>
+          <p:cNvSpPr>
+            <a:spLocks noGrp="1" noRot="1" noChangeAspect="1"/>
+          </p:cNvSpPr>
+          <p:nvPr>
+            <p:ph type="sldImg"/>
+          </p:nvPr>
+        </p:nvSpPr>
+        <p:spPr>
+          <a:xfrm>
+            <a:off x="0" y="0"/>
+            <a:ext cx="6805613" cy="5105400"/>
+          </a:xfrm>
+        </p:spPr>
+      </p:sp>
+      <p:sp>
+        <p:nvSpPr>
+          <p:cNvPr id="11" name="Espace réservé des commentaires 10"/>
+          <p:cNvSpPr>
+            <a:spLocks noGrp="1"/>
+          </p:cNvSpPr>
+          <p:nvPr>
+            <p:ph type="body" idx="1"/>
+          </p:nvPr>
+        </p:nvSpPr>
+        <p:spPr/>
+        <p:txBody>
+          <a:bodyPr/>
+          <a:lstStyle/>
+          <a:p>
+            <a:endParaRPr lang="fr-FR"/>
+          </a:p>
+        </p:txBody>
+      </p:sp>
+    </p:spTree>
+    <p:extLst>
+      <p:ext uri="{BB962C8B-B14F-4D97-AF65-F5344CB8AC3E}">
         <p14:creationId xmlns:p14="http://schemas.microsoft.com/office/powerpoint/2010/main" val="2671404399"/>
       </p:ext>
     </p:extLst>
@@ -1101,7 +1168,7 @@
 </p:notes>
 </file>
 
-<file path=ppt/notesSlides/notesSlide15.xml><?xml version="1.0" encoding="utf-8"?>
+<file path=ppt/notesSlides/notesSlide16.xml><?xml version="1.0" encoding="utf-8"?>
 <p:notes xmlns:a="http://schemas.openxmlformats.org/drawingml/2006/main" xmlns:r="http://schemas.openxmlformats.org/officeDocument/2006/relationships" xmlns:p="http://schemas.openxmlformats.org/presentationml/2006/main">
   <p:cSld>
     <p:spTree>
@@ -1737,7 +1804,7 @@
           <a:graphicData uri="http://schemas.openxmlformats.org/presentationml/2006/ole">
             <mc:AlternateContent xmlns:mc="http://schemas.openxmlformats.org/markup-compatibility/2006">
               <mc:Choice xmlns:v="urn:schemas-microsoft-com:vml" Requires="v">
-                <p:oleObj spid="_x0000_s3151" name="think-cell Folie" r:id="rId4" imgW="270" imgH="270" progId="TCLayout.ActiveDocument.1">
+                <p:oleObj spid="_x0000_s3157" name="think-cell Folie" r:id="rId4" imgW="270" imgH="270" progId="TCLayout.ActiveDocument.1">
                   <p:embed/>
                 </p:oleObj>
               </mc:Choice>
@@ -6930,7 +6997,7 @@
           <a:graphicData uri="http://schemas.openxmlformats.org/presentationml/2006/ole">
             <mc:AlternateContent xmlns:mc="http://schemas.openxmlformats.org/markup-compatibility/2006">
               <mc:Choice xmlns:v="urn:schemas-microsoft-com:vml" Requires="v">
-                <p:oleObj spid="_x0000_s5191" name="think-cell Folie" r:id="rId4" imgW="270" imgH="270" progId="TCLayout.ActiveDocument.1">
+                <p:oleObj spid="_x0000_s5197" name="think-cell Folie" r:id="rId4" imgW="270" imgH="270" progId="TCLayout.ActiveDocument.1">
                   <p:embed/>
                 </p:oleObj>
               </mc:Choice>
@@ -9922,7 +9989,7 @@
           <a:graphicData uri="http://schemas.openxmlformats.org/presentationml/2006/ole">
             <mc:AlternateContent xmlns:mc="http://schemas.openxmlformats.org/markup-compatibility/2006">
               <mc:Choice xmlns:v="urn:schemas-microsoft-com:vml" Requires="v">
-                <p:oleObj spid="_x0000_s1104" name="think-cell Folie" r:id="rId20" imgW="270" imgH="270" progId="TCLayout.ActiveDocument.1">
+                <p:oleObj spid="_x0000_s1110" name="think-cell Folie" r:id="rId20" imgW="270" imgH="270" progId="TCLayout.ActiveDocument.1">
                   <p:embed/>
                 </p:oleObj>
               </mc:Choice>
@@ -11091,11 +11158,7 @@
           <a:p>
             <a:r>
               <a:rPr lang="de-DE" dirty="0" smtClean="0"/>
-              <a:t>Stand: </a:t>
-            </a:r>
-            <a:r>
-              <a:rPr lang="de-DE" dirty="0" smtClean="0"/>
-              <a:t>01.03.2017</a:t>
+              <a:t>Stand: 01.03.2017</a:t>
             </a:r>
             <a:endParaRPr lang="de-DE" dirty="0"/>
           </a:p>
@@ -11208,39 +11271,14 @@
           <a:chExt cx="0" cy="0"/>
         </a:xfrm>
       </p:grpSpPr>
-      <p:pic>
-        <p:nvPicPr>
-          <p:cNvPr id="9" name="Espace réservé pour une image  12"/>
-          <p:cNvPicPr>
-            <a:picLocks noGrp="1" noChangeAspect="1"/>
-          </p:cNvPicPr>
-          <p:nvPr>
-            <p:ph type="pic" sz="quarter" idx="15"/>
-          </p:nvPr>
-        </p:nvPicPr>
-        <p:blipFill>
-          <a:blip r:embed="rId3">
-            <a:extLst>
-              <a:ext uri="{28A0092B-C50C-407E-A947-70E740481C1C}">
-                <a14:useLocalDpi xmlns:a14="http://schemas.microsoft.com/office/drawing/2010/main" val="0"/>
-              </a:ext>
-            </a:extLst>
-          </a:blip>
-          <a:srcRect t="77" b="77"/>
-          <a:stretch>
-            <a:fillRect/>
-          </a:stretch>
-        </p:blipFill>
-        <p:spPr bwMode="gray"/>
-      </p:pic>
-      <p:sp>
-        <p:nvSpPr>
-          <p:cNvPr id="5" name="Titre 4"/>
-          <p:cNvSpPr>
-            <a:spLocks noGrp="1"/>
-          </p:cNvSpPr>
-          <p:nvPr>
-            <p:ph type="ctrTitle"/>
+      <p:sp>
+        <p:nvSpPr>
+          <p:cNvPr id="2" name="Espace réservé du contenu 1"/>
+          <p:cNvSpPr>
+            <a:spLocks noGrp="1"/>
+          </p:cNvSpPr>
+          <p:nvPr>
+            <p:ph idx="1"/>
           </p:nvPr>
         </p:nvSpPr>
         <p:spPr bwMode="gray"/>
@@ -11248,22 +11286,127 @@
           <a:bodyPr/>
           <a:lstStyle/>
           <a:p>
+            <a:pPr lvl="0"/>
             <a:r>
               <a:rPr lang="de-DE" dirty="0" smtClean="0"/>
-              <a:t>Themenspeicher</a:t>
-            </a:r>
+              <a:t>Christian Adam</a:t>
+            </a:r>
+          </a:p>
+          <a:p>
+            <a:pPr lvl="1"/>
+            <a:r>
+              <a:rPr lang="de-DE" dirty="0" err="1" smtClean="0"/>
+              <a:t>Corebanking</a:t>
+            </a:r>
+            <a:r>
+              <a:rPr lang="de-DE" dirty="0" smtClean="0"/>
+              <a:t> </a:t>
+            </a:r>
+            <a:r>
+              <a:rPr lang="de-DE" dirty="0" err="1" smtClean="0"/>
+              <a:t>UseCases</a:t>
+            </a:r>
+            <a:r>
+              <a:rPr lang="de-DE" dirty="0" smtClean="0"/>
+              <a:t>, Datenschema</a:t>
+            </a:r>
+          </a:p>
+          <a:p>
+            <a:r>
+              <a:rPr lang="de-DE" dirty="0" smtClean="0"/>
+              <a:t>Andreas Joachim Müller</a:t>
+            </a:r>
+          </a:p>
+          <a:p>
+            <a:pPr lvl="1"/>
+            <a:r>
+              <a:rPr lang="de-DE" dirty="0" err="1" smtClean="0"/>
+              <a:t>Corebanking</a:t>
+            </a:r>
+            <a:r>
+              <a:rPr lang="de-DE" dirty="0" smtClean="0"/>
+              <a:t> Prototyp</a:t>
+            </a:r>
+          </a:p>
+          <a:p>
+            <a:pPr lvl="1"/>
+            <a:r>
+              <a:rPr lang="de-DE" dirty="0" smtClean="0"/>
+              <a:t>AWS Instanz: Jenkins</a:t>
+            </a:r>
+          </a:p>
+          <a:p>
+            <a:r>
+              <a:rPr lang="de-DE" dirty="0" smtClean="0"/>
+              <a:t>Ulrich Freise/ Barbara Barner</a:t>
+            </a:r>
+          </a:p>
+          <a:p>
+            <a:pPr lvl="1"/>
+            <a:r>
+              <a:rPr lang="de-DE" dirty="0" err="1" smtClean="0"/>
+              <a:t>AngularJS</a:t>
+            </a:r>
+            <a:endParaRPr lang="de-DE" dirty="0" smtClean="0"/>
+          </a:p>
+          <a:p>
+            <a:r>
+              <a:rPr lang="de-DE" dirty="0" smtClean="0"/>
+              <a:t>Rigobert </a:t>
+            </a:r>
+            <a:r>
+              <a:rPr lang="de-DE" dirty="0" err="1" smtClean="0"/>
+              <a:t>Tchassem</a:t>
+            </a:r>
+            <a:endParaRPr lang="de-DE" dirty="0" smtClean="0"/>
+          </a:p>
+          <a:p>
+            <a:pPr lvl="1"/>
+            <a:r>
+              <a:rPr lang="de-DE" dirty="0" err="1" smtClean="0"/>
+              <a:t>Themenclustermap</a:t>
+            </a:r>
+            <a:endParaRPr lang="de-DE" dirty="0" smtClean="0"/>
+          </a:p>
+          <a:p>
+            <a:pPr lvl="1"/>
+            <a:r>
+              <a:rPr lang="de-DE" dirty="0" err="1" smtClean="0"/>
+              <a:t>Blockchain</a:t>
+            </a:r>
+            <a:endParaRPr lang="de-DE" dirty="0" smtClean="0"/>
+          </a:p>
+          <a:p>
+            <a:r>
+              <a:rPr lang="de-DE" dirty="0" smtClean="0"/>
+              <a:t>Alain </a:t>
+            </a:r>
+            <a:r>
+              <a:rPr lang="de-DE" dirty="0" err="1" smtClean="0"/>
+              <a:t>Oberdoerfer</a:t>
+            </a:r>
+            <a:endParaRPr lang="de-DE" dirty="0" smtClean="0"/>
+          </a:p>
+          <a:p>
+            <a:pPr lvl="1"/>
+            <a:r>
+              <a:rPr lang="de-DE" dirty="0" smtClean="0"/>
+              <a:t>Testautomatisierung/ HPQC</a:t>
+            </a:r>
+          </a:p>
+          <a:p>
             <a:endParaRPr lang="de-DE" dirty="0"/>
           </a:p>
         </p:txBody>
       </p:sp>
       <p:sp>
         <p:nvSpPr>
-          <p:cNvPr id="6" name="Sous-titre 5"/>
-          <p:cNvSpPr>
-            <a:spLocks noGrp="1"/>
-          </p:cNvSpPr>
-          <p:nvPr>
-            <p:ph type="subTitle" idx="1"/>
+          <p:cNvPr id="3" name="Titre 2"/>
+          <p:cNvSpPr>
+            <a:spLocks noGrp="1"/>
+          </p:cNvSpPr>
+          <p:nvPr>
+            <p:ph type="title"/>
           </p:nvPr>
         </p:nvSpPr>
         <p:spPr bwMode="gray"/>
@@ -11273,7 +11416,7 @@
           <a:p>
             <a:r>
               <a:rPr lang="de-DE" dirty="0" smtClean="0"/>
-              <a:t>Was wollen wir?</a:t>
+              <a:t>Bestandsaufnahme</a:t>
             </a:r>
             <a:endParaRPr lang="de-DE" dirty="0"/>
           </a:p>
@@ -11281,12 +11424,12 @@
       </p:sp>
       <p:sp>
         <p:nvSpPr>
-          <p:cNvPr id="10" name="FooterDate"/>
-          <p:cNvSpPr>
-            <a:spLocks noGrp="1"/>
-          </p:cNvSpPr>
-          <p:nvPr>
-            <p:ph type="dt" sz="half" idx="2"/>
+          <p:cNvPr id="10" name="Espace réservé du texte 9"/>
+          <p:cNvSpPr>
+            <a:spLocks noGrp="1"/>
+          </p:cNvSpPr>
+          <p:nvPr>
+            <p:ph type="body" sz="quarter" idx="13"/>
           </p:nvPr>
         </p:nvSpPr>
         <p:spPr bwMode="gray"/>
@@ -11295,6 +11438,29 @@
           <a:lstStyle/>
           <a:p>
             <a:r>
+              <a:rPr lang="de-DE" dirty="0" smtClean="0"/>
+              <a:t>Wer kann Was?</a:t>
+            </a:r>
+            <a:endParaRPr lang="de-DE" dirty="0"/>
+          </a:p>
+        </p:txBody>
+      </p:sp>
+      <p:sp>
+        <p:nvSpPr>
+          <p:cNvPr id="8" name="FooterDate"/>
+          <p:cNvSpPr>
+            <a:spLocks noGrp="1"/>
+          </p:cNvSpPr>
+          <p:nvPr>
+            <p:ph type="dt" sz="half" idx="2"/>
+          </p:nvPr>
+        </p:nvSpPr>
+        <p:spPr bwMode="gray"/>
+        <p:txBody>
+          <a:bodyPr/>
+          <a:lstStyle/>
+          <a:p>
+            <a:r>
               <a:rPr lang="de-DE" noProof="0" smtClean="0"/>
               <a:t>17.12.2014</a:t>
             </a:r>
@@ -11304,7 +11470,7 @@
       </p:sp>
       <p:sp>
         <p:nvSpPr>
-          <p:cNvPr id="2" name="FooterTitle"/>
+          <p:cNvPr id="6" name="FooterTitle"/>
           <p:cNvSpPr>
             <a:spLocks noGrp="1"/>
           </p:cNvSpPr>
@@ -11327,7 +11493,7 @@
       </p:sp>
       <p:sp>
         <p:nvSpPr>
-          <p:cNvPr id="4" name="Espace réservé du numéro de diapositive 3"/>
+          <p:cNvPr id="5" name="Espace réservé du numéro de diapositive 4"/>
           <p:cNvSpPr>
             <a:spLocks noGrp="1"/>
           </p:cNvSpPr>
@@ -11352,7 +11518,7 @@
     </p:spTree>
     <p:extLst>
       <p:ext uri="{BB962C8B-B14F-4D97-AF65-F5344CB8AC3E}">
-        <p14:creationId xmlns:p14="http://schemas.microsoft.com/office/powerpoint/2010/main" val="725989068"/>
+        <p14:creationId xmlns:p14="http://schemas.microsoft.com/office/powerpoint/2010/main" val="1266685443"/>
       </p:ext>
     </p:extLst>
   </p:cSld>
@@ -11394,14 +11560,39 @@
           <a:chExt cx="0" cy="0"/>
         </a:xfrm>
       </p:grpSpPr>
-      <p:sp>
-        <p:nvSpPr>
-          <p:cNvPr id="2" name="Espace réservé du contenu 1"/>
-          <p:cNvSpPr>
-            <a:spLocks noGrp="1"/>
-          </p:cNvSpPr>
-          <p:nvPr>
-            <p:ph idx="1"/>
+      <p:pic>
+        <p:nvPicPr>
+          <p:cNvPr id="9" name="Espace réservé pour une image  12"/>
+          <p:cNvPicPr>
+            <a:picLocks noGrp="1" noChangeAspect="1"/>
+          </p:cNvPicPr>
+          <p:nvPr>
+            <p:ph type="pic" sz="quarter" idx="15"/>
+          </p:nvPr>
+        </p:nvPicPr>
+        <p:blipFill>
+          <a:blip r:embed="rId3">
+            <a:extLst>
+              <a:ext uri="{28A0092B-C50C-407E-A947-70E740481C1C}">
+                <a14:useLocalDpi xmlns:a14="http://schemas.microsoft.com/office/drawing/2010/main" val="0"/>
+              </a:ext>
+            </a:extLst>
+          </a:blip>
+          <a:srcRect t="77" b="77"/>
+          <a:stretch>
+            <a:fillRect/>
+          </a:stretch>
+        </p:blipFill>
+        <p:spPr bwMode="gray"/>
+      </p:pic>
+      <p:sp>
+        <p:nvSpPr>
+          <p:cNvPr id="5" name="Titre 4"/>
+          <p:cNvSpPr>
+            <a:spLocks noGrp="1"/>
+          </p:cNvSpPr>
+          <p:nvPr>
+            <p:ph type="ctrTitle"/>
           </p:nvPr>
         </p:nvSpPr>
         <p:spPr bwMode="gray"/>
@@ -11409,63 +11600,22 @@
           <a:bodyPr/>
           <a:lstStyle/>
           <a:p>
-            <a:pPr lvl="0"/>
-            <a:r>
-              <a:rPr lang="de-DE" dirty="0" err="1"/>
-              <a:t>Blockchain</a:t>
+            <a:r>
+              <a:rPr lang="de-DE" dirty="0" smtClean="0"/>
+              <a:t>Themenspeicher</a:t>
             </a:r>
             <a:endParaRPr lang="de-DE" dirty="0"/>
           </a:p>
-          <a:p>
-            <a:pPr lvl="0"/>
-            <a:r>
-              <a:rPr lang="de-DE" dirty="0" err="1"/>
-              <a:t>CoreBanking</a:t>
-            </a:r>
-            <a:endParaRPr lang="de-DE" dirty="0"/>
-          </a:p>
-          <a:p>
-            <a:pPr lvl="0"/>
-            <a:r>
-              <a:rPr lang="de-DE" dirty="0" err="1"/>
-              <a:t>AxWay</a:t>
-            </a:r>
-            <a:r>
-              <a:rPr lang="de-DE" dirty="0"/>
-              <a:t>/ </a:t>
-            </a:r>
-            <a:r>
-              <a:rPr lang="de-DE" dirty="0" err="1" smtClean="0"/>
-              <a:t>Apiomat</a:t>
-            </a:r>
-            <a:endParaRPr lang="de-DE" dirty="0"/>
-          </a:p>
-          <a:p>
-            <a:pPr lvl="0"/>
-            <a:r>
-              <a:rPr lang="de-DE" dirty="0" err="1" smtClean="0"/>
-              <a:t>Themenclustermap</a:t>
-            </a:r>
-            <a:endParaRPr lang="de-DE" dirty="0" smtClean="0"/>
-          </a:p>
-          <a:p>
-            <a:pPr lvl="2"/>
-            <a:endParaRPr lang="de-DE" dirty="0" smtClean="0"/>
-          </a:p>
-          <a:p>
-            <a:pPr lvl="2"/>
-            <a:endParaRPr lang="de-DE" dirty="0"/>
-          </a:p>
-        </p:txBody>
-      </p:sp>
-      <p:sp>
-        <p:nvSpPr>
-          <p:cNvPr id="3" name="Titre 2"/>
-          <p:cNvSpPr>
-            <a:spLocks noGrp="1"/>
-          </p:cNvSpPr>
-          <p:nvPr>
-            <p:ph type="title"/>
+        </p:txBody>
+      </p:sp>
+      <p:sp>
+        <p:nvSpPr>
+          <p:cNvPr id="6" name="Sous-titre 5"/>
+          <p:cNvSpPr>
+            <a:spLocks noGrp="1"/>
+          </p:cNvSpPr>
+          <p:nvPr>
+            <p:ph type="subTitle" idx="1"/>
           </p:nvPr>
         </p:nvSpPr>
         <p:spPr bwMode="gray"/>
@@ -11474,20 +11624,21 @@
           <a:lstStyle/>
           <a:p>
             <a:r>
-              <a:rPr lang="de-DE" dirty="0"/>
-              <a:t>Themenspeicher</a:t>
-            </a:r>
-          </a:p>
-        </p:txBody>
-      </p:sp>
-      <p:sp>
-        <p:nvSpPr>
-          <p:cNvPr id="10" name="Espace réservé du texte 9"/>
-          <p:cNvSpPr>
-            <a:spLocks noGrp="1"/>
-          </p:cNvSpPr>
-          <p:nvPr>
-            <p:ph type="body" sz="quarter" idx="13"/>
+              <a:rPr lang="de-DE" dirty="0" smtClean="0"/>
+              <a:t>Was wollen wir?</a:t>
+            </a:r>
+            <a:endParaRPr lang="de-DE" dirty="0"/>
+          </a:p>
+        </p:txBody>
+      </p:sp>
+      <p:sp>
+        <p:nvSpPr>
+          <p:cNvPr id="10" name="FooterDate"/>
+          <p:cNvSpPr>
+            <a:spLocks noGrp="1"/>
+          </p:cNvSpPr>
+          <p:nvPr>
+            <p:ph type="dt" sz="half" idx="2"/>
           </p:nvPr>
         </p:nvSpPr>
         <p:spPr bwMode="gray"/>
@@ -11496,20 +11647,21 @@
           <a:lstStyle/>
           <a:p>
             <a:r>
-              <a:rPr lang="de-DE" dirty="0"/>
-              <a:t>Was wollen wir?</a:t>
-            </a:r>
-          </a:p>
-        </p:txBody>
-      </p:sp>
-      <p:sp>
-        <p:nvSpPr>
-          <p:cNvPr id="8" name="FooterDate"/>
-          <p:cNvSpPr>
-            <a:spLocks noGrp="1"/>
-          </p:cNvSpPr>
-          <p:nvPr>
-            <p:ph type="dt" sz="half" idx="2"/>
+              <a:rPr lang="de-DE" noProof="0" smtClean="0"/>
+              <a:t>17.12.2014</a:t>
+            </a:r>
+            <a:endParaRPr lang="de-DE" noProof="0" dirty="0"/>
+          </a:p>
+        </p:txBody>
+      </p:sp>
+      <p:sp>
+        <p:nvSpPr>
+          <p:cNvPr id="2" name="FooterTitle"/>
+          <p:cNvSpPr>
+            <a:spLocks noGrp="1"/>
+          </p:cNvSpPr>
+          <p:nvPr>
+            <p:ph type="ftr" sz="quarter" idx="3"/>
           </p:nvPr>
         </p:nvSpPr>
         <p:spPr bwMode="gray"/>
@@ -11518,29 +11670,6 @@
           <a:lstStyle/>
           <a:p>
             <a:r>
-              <a:rPr lang="de-DE" noProof="0" smtClean="0"/>
-              <a:t>17.12.2014</a:t>
-            </a:r>
-            <a:endParaRPr lang="de-DE" noProof="0" dirty="0"/>
-          </a:p>
-        </p:txBody>
-      </p:sp>
-      <p:sp>
-        <p:nvSpPr>
-          <p:cNvPr id="6" name="FooterTitle"/>
-          <p:cNvSpPr>
-            <a:spLocks noGrp="1"/>
-          </p:cNvSpPr>
-          <p:nvPr>
-            <p:ph type="ftr" sz="quarter" idx="3"/>
-          </p:nvPr>
-        </p:nvSpPr>
-        <p:spPr bwMode="gray"/>
-        <p:txBody>
-          <a:bodyPr/>
-          <a:lstStyle/>
-          <a:p>
-            <a:r>
               <a:rPr lang="de-DE" noProof="0" dirty="0" smtClean="0"/>
               <a:t>Titel</a:t>
             </a:r>
@@ -11550,7 +11679,7 @@
       </p:sp>
       <p:sp>
         <p:nvSpPr>
-          <p:cNvPr id="5" name="Espace réservé du numéro de diapositive 4"/>
+          <p:cNvPr id="4" name="Espace réservé du numéro de diapositive 3"/>
           <p:cNvSpPr>
             <a:spLocks noGrp="1"/>
           </p:cNvSpPr>
@@ -11575,7 +11704,7 @@
     </p:spTree>
     <p:extLst>
       <p:ext uri="{BB962C8B-B14F-4D97-AF65-F5344CB8AC3E}">
-        <p14:creationId xmlns:p14="http://schemas.microsoft.com/office/powerpoint/2010/main" val="3976055063"/>
+        <p14:creationId xmlns:p14="http://schemas.microsoft.com/office/powerpoint/2010/main" val="725989068"/>
       </p:ext>
     </p:extLst>
   </p:cSld>
@@ -11617,39 +11746,14 @@
           <a:chExt cx="0" cy="0"/>
         </a:xfrm>
       </p:grpSpPr>
-      <p:pic>
-        <p:nvPicPr>
-          <p:cNvPr id="12" name="Bildplatzhalter 11"/>
-          <p:cNvPicPr>
-            <a:picLocks noGrp="1" noChangeAspect="1"/>
-          </p:cNvPicPr>
-          <p:nvPr>
-            <p:ph type="pic" sz="quarter" idx="15"/>
-          </p:nvPr>
-        </p:nvPicPr>
-        <p:blipFill>
-          <a:blip r:embed="rId3">
-            <a:extLst>
-              <a:ext uri="{28A0092B-C50C-407E-A947-70E740481C1C}">
-                <a14:useLocalDpi xmlns:a14="http://schemas.microsoft.com/office/drawing/2010/main" val="0"/>
-              </a:ext>
-            </a:extLst>
-          </a:blip>
-          <a:srcRect t="15983" b="15983"/>
-          <a:stretch>
-            <a:fillRect/>
-          </a:stretch>
-        </p:blipFill>
-        <p:spPr bwMode="gray"/>
-      </p:pic>
-      <p:sp>
-        <p:nvSpPr>
-          <p:cNvPr id="5" name="Titre 4"/>
-          <p:cNvSpPr>
-            <a:spLocks noGrp="1"/>
-          </p:cNvSpPr>
-          <p:nvPr>
-            <p:ph type="ctrTitle"/>
+      <p:sp>
+        <p:nvSpPr>
+          <p:cNvPr id="2" name="Espace réservé du contenu 1"/>
+          <p:cNvSpPr>
+            <a:spLocks noGrp="1"/>
+          </p:cNvSpPr>
+          <p:nvPr>
+            <p:ph idx="1"/>
           </p:nvPr>
         </p:nvSpPr>
         <p:spPr bwMode="gray"/>
@@ -11657,22 +11761,63 @@
           <a:bodyPr/>
           <a:lstStyle/>
           <a:p>
-            <a:r>
-              <a:rPr lang="de-DE" dirty="0" smtClean="0"/>
-              <a:t>Nächste Schritte</a:t>
+            <a:pPr lvl="0"/>
+            <a:r>
+              <a:rPr lang="de-DE" dirty="0" err="1"/>
+              <a:t>Blockchain</a:t>
             </a:r>
             <a:endParaRPr lang="de-DE" dirty="0"/>
           </a:p>
-        </p:txBody>
-      </p:sp>
-      <p:sp>
-        <p:nvSpPr>
-          <p:cNvPr id="6" name="Sous-titre 5"/>
-          <p:cNvSpPr>
-            <a:spLocks noGrp="1"/>
-          </p:cNvSpPr>
-          <p:nvPr>
-            <p:ph type="subTitle" idx="1"/>
+          <a:p>
+            <a:pPr lvl="0"/>
+            <a:r>
+              <a:rPr lang="de-DE" dirty="0" err="1"/>
+              <a:t>CoreBanking</a:t>
+            </a:r>
+            <a:endParaRPr lang="de-DE" dirty="0"/>
+          </a:p>
+          <a:p>
+            <a:pPr lvl="0"/>
+            <a:r>
+              <a:rPr lang="de-DE" dirty="0" err="1"/>
+              <a:t>AxWay</a:t>
+            </a:r>
+            <a:r>
+              <a:rPr lang="de-DE" dirty="0"/>
+              <a:t>/ </a:t>
+            </a:r>
+            <a:r>
+              <a:rPr lang="de-DE" dirty="0" err="1" smtClean="0"/>
+              <a:t>Apiomat</a:t>
+            </a:r>
+            <a:endParaRPr lang="de-DE" dirty="0"/>
+          </a:p>
+          <a:p>
+            <a:pPr lvl="0"/>
+            <a:r>
+              <a:rPr lang="de-DE" dirty="0" err="1" smtClean="0"/>
+              <a:t>Themenclustermap</a:t>
+            </a:r>
+            <a:endParaRPr lang="de-DE" dirty="0" smtClean="0"/>
+          </a:p>
+          <a:p>
+            <a:pPr lvl="2"/>
+            <a:endParaRPr lang="de-DE" dirty="0" smtClean="0"/>
+          </a:p>
+          <a:p>
+            <a:pPr lvl="2"/>
+            <a:endParaRPr lang="de-DE" dirty="0"/>
+          </a:p>
+        </p:txBody>
+      </p:sp>
+      <p:sp>
+        <p:nvSpPr>
+          <p:cNvPr id="3" name="Titre 2"/>
+          <p:cNvSpPr>
+            <a:spLocks noGrp="1"/>
+          </p:cNvSpPr>
+          <p:nvPr>
+            <p:ph type="title"/>
           </p:nvPr>
         </p:nvSpPr>
         <p:spPr bwMode="gray"/>
@@ -11681,21 +11826,20 @@
           <a:lstStyle/>
           <a:p>
             <a:r>
-              <a:rPr lang="de-DE" dirty="0" smtClean="0"/>
-              <a:t>Wie geht es weiter?</a:t>
-            </a:r>
-            <a:endParaRPr lang="de-DE" dirty="0"/>
-          </a:p>
-        </p:txBody>
-      </p:sp>
-      <p:sp>
-        <p:nvSpPr>
-          <p:cNvPr id="10" name="FooterDate"/>
-          <p:cNvSpPr>
-            <a:spLocks noGrp="1"/>
-          </p:cNvSpPr>
-          <p:nvPr>
-            <p:ph type="dt" sz="half" idx="2"/>
+              <a:rPr lang="de-DE" dirty="0"/>
+              <a:t>Themenspeicher</a:t>
+            </a:r>
+          </a:p>
+        </p:txBody>
+      </p:sp>
+      <p:sp>
+        <p:nvSpPr>
+          <p:cNvPr id="10" name="Espace réservé du texte 9"/>
+          <p:cNvSpPr>
+            <a:spLocks noGrp="1"/>
+          </p:cNvSpPr>
+          <p:nvPr>
+            <p:ph type="body" sz="quarter" idx="13"/>
           </p:nvPr>
         </p:nvSpPr>
         <p:spPr bwMode="gray"/>
@@ -11704,6 +11848,28 @@
           <a:lstStyle/>
           <a:p>
             <a:r>
+              <a:rPr lang="de-DE" dirty="0"/>
+              <a:t>Was wollen wir?</a:t>
+            </a:r>
+          </a:p>
+        </p:txBody>
+      </p:sp>
+      <p:sp>
+        <p:nvSpPr>
+          <p:cNvPr id="8" name="FooterDate"/>
+          <p:cNvSpPr>
+            <a:spLocks noGrp="1"/>
+          </p:cNvSpPr>
+          <p:nvPr>
+            <p:ph type="dt" sz="half" idx="2"/>
+          </p:nvPr>
+        </p:nvSpPr>
+        <p:spPr bwMode="gray"/>
+        <p:txBody>
+          <a:bodyPr/>
+          <a:lstStyle/>
+          <a:p>
+            <a:r>
               <a:rPr lang="de-DE" noProof="0" smtClean="0"/>
               <a:t>17.12.2014</a:t>
             </a:r>
@@ -11713,7 +11879,7 @@
       </p:sp>
       <p:sp>
         <p:nvSpPr>
-          <p:cNvPr id="2" name="FooterTitle"/>
+          <p:cNvPr id="6" name="FooterTitle"/>
           <p:cNvSpPr>
             <a:spLocks noGrp="1"/>
           </p:cNvSpPr>
@@ -11736,7 +11902,7 @@
       </p:sp>
       <p:sp>
         <p:nvSpPr>
-          <p:cNvPr id="4" name="Espace réservé du numéro de diapositive 3"/>
+          <p:cNvPr id="5" name="Espace réservé du numéro de diapositive 4"/>
           <p:cNvSpPr>
             <a:spLocks noGrp="1"/>
           </p:cNvSpPr>
@@ -11761,7 +11927,7 @@
     </p:spTree>
     <p:extLst>
       <p:ext uri="{BB962C8B-B14F-4D97-AF65-F5344CB8AC3E}">
-        <p14:creationId xmlns:p14="http://schemas.microsoft.com/office/powerpoint/2010/main" val="4184904272"/>
+        <p14:creationId xmlns:p14="http://schemas.microsoft.com/office/powerpoint/2010/main" val="3976055063"/>
       </p:ext>
     </p:extLst>
   </p:cSld>
@@ -11803,14 +11969,39 @@
           <a:chExt cx="0" cy="0"/>
         </a:xfrm>
       </p:grpSpPr>
-      <p:sp>
-        <p:nvSpPr>
-          <p:cNvPr id="2" name="Espace réservé du contenu 1"/>
-          <p:cNvSpPr>
-            <a:spLocks noGrp="1"/>
-          </p:cNvSpPr>
-          <p:nvPr>
-            <p:ph idx="1"/>
+      <p:pic>
+        <p:nvPicPr>
+          <p:cNvPr id="12" name="Bildplatzhalter 11"/>
+          <p:cNvPicPr>
+            <a:picLocks noGrp="1" noChangeAspect="1"/>
+          </p:cNvPicPr>
+          <p:nvPr>
+            <p:ph type="pic" sz="quarter" idx="15"/>
+          </p:nvPr>
+        </p:nvPicPr>
+        <p:blipFill>
+          <a:blip r:embed="rId3">
+            <a:extLst>
+              <a:ext uri="{28A0092B-C50C-407E-A947-70E740481C1C}">
+                <a14:useLocalDpi xmlns:a14="http://schemas.microsoft.com/office/drawing/2010/main" val="0"/>
+              </a:ext>
+            </a:extLst>
+          </a:blip>
+          <a:srcRect t="15983" b="15983"/>
+          <a:stretch>
+            <a:fillRect/>
+          </a:stretch>
+        </p:blipFill>
+        <p:spPr bwMode="gray"/>
+      </p:pic>
+      <p:sp>
+        <p:nvSpPr>
+          <p:cNvPr id="5" name="Titre 4"/>
+          <p:cNvSpPr>
+            <a:spLocks noGrp="1"/>
+          </p:cNvSpPr>
+          <p:nvPr>
+            <p:ph type="ctrTitle"/>
           </p:nvPr>
         </p:nvSpPr>
         <p:spPr bwMode="gray"/>
@@ -11818,86 +12009,22 @@
           <a:bodyPr/>
           <a:lstStyle/>
           <a:p>
-            <a:pPr lvl="0"/>
             <a:r>
               <a:rPr lang="de-DE" dirty="0" smtClean="0"/>
-              <a:t>Konzeption zum Aufbau eines </a:t>
-            </a:r>
-            <a:r>
-              <a:rPr lang="de-DE" dirty="0" err="1" smtClean="0"/>
-              <a:t>Blockchain</a:t>
-            </a:r>
-            <a:r>
-              <a:rPr lang="de-DE" dirty="0" smtClean="0"/>
-              <a:t> Prototyps</a:t>
-            </a:r>
-          </a:p>
-          <a:p>
-            <a:pPr lvl="0"/>
-            <a:r>
-              <a:rPr lang="de-DE" dirty="0" smtClean="0"/>
-              <a:t>Aufbau einer </a:t>
-            </a:r>
-            <a:r>
-              <a:rPr lang="de-DE" dirty="0" err="1" smtClean="0"/>
-              <a:t>Continuous</a:t>
-            </a:r>
-            <a:r>
-              <a:rPr lang="de-DE" dirty="0" smtClean="0"/>
-              <a:t> Integration Infrastruktur</a:t>
-            </a:r>
-          </a:p>
-          <a:p>
-            <a:pPr lvl="0"/>
-            <a:r>
-              <a:rPr lang="de-DE" dirty="0" err="1" smtClean="0"/>
-              <a:t>CoreBanking</a:t>
-            </a:r>
-            <a:r>
-              <a:rPr lang="de-DE" dirty="0" smtClean="0"/>
-              <a:t> Prototyp erweitern</a:t>
-            </a:r>
-          </a:p>
-          <a:p>
-            <a:pPr lvl="0"/>
-            <a:r>
-              <a:rPr lang="de-DE" dirty="0" smtClean="0"/>
-              <a:t>Integration </a:t>
-            </a:r>
-            <a:r>
-              <a:rPr lang="de-DE" dirty="0" err="1" smtClean="0"/>
-              <a:t>ThemenClusterMap</a:t>
-            </a:r>
-            <a:r>
-              <a:rPr lang="de-DE" dirty="0" smtClean="0"/>
-              <a:t>: Links, bearbeitete Themen</a:t>
-            </a:r>
-          </a:p>
-          <a:p>
-            <a:pPr lvl="0"/>
-            <a:r>
-              <a:rPr lang="de-DE" dirty="0" smtClean="0"/>
-              <a:t>Unterstützung durch Werkstudent</a:t>
-            </a:r>
-          </a:p>
-          <a:p>
-            <a:pPr lvl="2"/>
-            <a:endParaRPr lang="de-DE" dirty="0" smtClean="0"/>
-          </a:p>
-          <a:p>
-            <a:pPr lvl="2"/>
+              <a:t>Nächste Schritte</a:t>
+            </a:r>
             <a:endParaRPr lang="de-DE" dirty="0"/>
           </a:p>
         </p:txBody>
       </p:sp>
       <p:sp>
         <p:nvSpPr>
-          <p:cNvPr id="3" name="Titre 2"/>
-          <p:cNvSpPr>
-            <a:spLocks noGrp="1"/>
-          </p:cNvSpPr>
-          <p:nvPr>
-            <p:ph type="title"/>
+          <p:cNvPr id="6" name="Sous-titre 5"/>
+          <p:cNvSpPr>
+            <a:spLocks noGrp="1"/>
+          </p:cNvSpPr>
+          <p:nvPr>
+            <p:ph type="subTitle" idx="1"/>
           </p:nvPr>
         </p:nvSpPr>
         <p:spPr bwMode="gray"/>
@@ -11906,20 +12033,21 @@
           <a:lstStyle/>
           <a:p>
             <a:r>
-              <a:rPr lang="de-DE" dirty="0"/>
-              <a:t>Nächste Schritte</a:t>
-            </a:r>
-          </a:p>
-        </p:txBody>
-      </p:sp>
-      <p:sp>
-        <p:nvSpPr>
-          <p:cNvPr id="10" name="Espace réservé du texte 9"/>
-          <p:cNvSpPr>
-            <a:spLocks noGrp="1"/>
-          </p:cNvSpPr>
-          <p:nvPr>
-            <p:ph type="body" sz="quarter" idx="13"/>
+              <a:rPr lang="de-DE" dirty="0" smtClean="0"/>
+              <a:t>Wie geht es weiter?</a:t>
+            </a:r>
+            <a:endParaRPr lang="de-DE" dirty="0"/>
+          </a:p>
+        </p:txBody>
+      </p:sp>
+      <p:sp>
+        <p:nvSpPr>
+          <p:cNvPr id="10" name="FooterDate"/>
+          <p:cNvSpPr>
+            <a:spLocks noGrp="1"/>
+          </p:cNvSpPr>
+          <p:nvPr>
+            <p:ph type="dt" sz="half" idx="2"/>
           </p:nvPr>
         </p:nvSpPr>
         <p:spPr bwMode="gray"/>
@@ -11928,20 +12056,21 @@
           <a:lstStyle/>
           <a:p>
             <a:r>
-              <a:rPr lang="de-DE" dirty="0"/>
-              <a:t>Wie geht es weiter?</a:t>
-            </a:r>
-          </a:p>
-        </p:txBody>
-      </p:sp>
-      <p:sp>
-        <p:nvSpPr>
-          <p:cNvPr id="8" name="FooterDate"/>
-          <p:cNvSpPr>
-            <a:spLocks noGrp="1"/>
-          </p:cNvSpPr>
-          <p:nvPr>
-            <p:ph type="dt" sz="half" idx="2"/>
+              <a:rPr lang="de-DE" noProof="0" smtClean="0"/>
+              <a:t>17.12.2014</a:t>
+            </a:r>
+            <a:endParaRPr lang="de-DE" noProof="0" dirty="0"/>
+          </a:p>
+        </p:txBody>
+      </p:sp>
+      <p:sp>
+        <p:nvSpPr>
+          <p:cNvPr id="2" name="FooterTitle"/>
+          <p:cNvSpPr>
+            <a:spLocks noGrp="1"/>
+          </p:cNvSpPr>
+          <p:nvPr>
+            <p:ph type="ftr" sz="quarter" idx="3"/>
           </p:nvPr>
         </p:nvSpPr>
         <p:spPr bwMode="gray"/>
@@ -11950,29 +12079,6 @@
           <a:lstStyle/>
           <a:p>
             <a:r>
-              <a:rPr lang="de-DE" noProof="0" smtClean="0"/>
-              <a:t>17.12.2014</a:t>
-            </a:r>
-            <a:endParaRPr lang="de-DE" noProof="0" dirty="0"/>
-          </a:p>
-        </p:txBody>
-      </p:sp>
-      <p:sp>
-        <p:nvSpPr>
-          <p:cNvPr id="6" name="FooterTitle"/>
-          <p:cNvSpPr>
-            <a:spLocks noGrp="1"/>
-          </p:cNvSpPr>
-          <p:nvPr>
-            <p:ph type="ftr" sz="quarter" idx="3"/>
-          </p:nvPr>
-        </p:nvSpPr>
-        <p:spPr bwMode="gray"/>
-        <p:txBody>
-          <a:bodyPr/>
-          <a:lstStyle/>
-          <a:p>
-            <a:r>
               <a:rPr lang="de-DE" noProof="0" dirty="0" smtClean="0"/>
               <a:t>Titel</a:t>
             </a:r>
@@ -11982,7 +12088,7 @@
       </p:sp>
       <p:sp>
         <p:nvSpPr>
-          <p:cNvPr id="5" name="Espace réservé du numéro de diapositive 4"/>
+          <p:cNvPr id="4" name="Espace réservé du numéro de diapositive 3"/>
           <p:cNvSpPr>
             <a:spLocks noGrp="1"/>
           </p:cNvSpPr>
@@ -12007,7 +12113,7 @@
     </p:spTree>
     <p:extLst>
       <p:ext uri="{BB962C8B-B14F-4D97-AF65-F5344CB8AC3E}">
-        <p14:creationId xmlns:p14="http://schemas.microsoft.com/office/powerpoint/2010/main" val="3976055063"/>
+        <p14:creationId xmlns:p14="http://schemas.microsoft.com/office/powerpoint/2010/main" val="4184904272"/>
       </p:ext>
     </p:extLst>
   </p:cSld>
@@ -12051,7 +12157,7 @@
       </p:grpSpPr>
       <p:sp>
         <p:nvSpPr>
-          <p:cNvPr id="2" name="Inhaltsplatzhalter 1"/>
+          <p:cNvPr id="2" name="Espace réservé du contenu 1"/>
           <p:cNvSpPr>
             <a:spLocks noGrp="1"/>
           </p:cNvSpPr>
@@ -12059,39 +12165,86 @@
             <p:ph idx="1"/>
           </p:nvPr>
         </p:nvSpPr>
-        <p:spPr/>
+        <p:spPr bwMode="gray"/>
         <p:txBody>
           <a:bodyPr/>
           <a:lstStyle/>
           <a:p>
+            <a:pPr lvl="0"/>
+            <a:r>
+              <a:rPr lang="de-DE" dirty="0" smtClean="0"/>
+              <a:t>Konzeption zum Aufbau eines </a:t>
+            </a:r>
             <a:r>
               <a:rPr lang="de-DE" dirty="0" err="1" smtClean="0"/>
-              <a:t>GitHub</a:t>
+              <a:t>Blockchain</a:t>
             </a:r>
             <a:r>
               <a:rPr lang="de-DE" dirty="0" smtClean="0"/>
-              <a:t> Account </a:t>
-            </a:r>
+              <a:t> Prototyps</a:t>
+            </a:r>
+          </a:p>
+          <a:p>
+            <a:pPr lvl="0"/>
             <a:r>
               <a:rPr lang="de-DE" dirty="0" smtClean="0"/>
-              <a:t>umwandeln</a:t>
-            </a:r>
-          </a:p>
-          <a:p>
+              <a:t>Aufbau einer </a:t>
+            </a:r>
+            <a:r>
+              <a:rPr lang="de-DE" dirty="0" err="1" smtClean="0"/>
+              <a:t>Continuous</a:t>
+            </a:r>
             <a:r>
               <a:rPr lang="de-DE" dirty="0" smtClean="0"/>
-              <a:t>Raumreservierung GS Frankfurt</a:t>
-            </a:r>
+              <a:t> Integration Infrastruktur</a:t>
+            </a:r>
+          </a:p>
+          <a:p>
+            <a:pPr lvl="0"/>
+            <a:r>
+              <a:rPr lang="de-DE" dirty="0" err="1" smtClean="0"/>
+              <a:t>CoreBanking</a:t>
+            </a:r>
+            <a:r>
+              <a:rPr lang="de-DE" dirty="0" smtClean="0"/>
+              <a:t> Prototyp erweitern</a:t>
+            </a:r>
+          </a:p>
+          <a:p>
+            <a:pPr lvl="0"/>
+            <a:r>
+              <a:rPr lang="de-DE" dirty="0" smtClean="0"/>
+              <a:t>Integration </a:t>
+            </a:r>
+            <a:r>
+              <a:rPr lang="de-DE" dirty="0" err="1" smtClean="0"/>
+              <a:t>ThemenClusterMap</a:t>
+            </a:r>
+            <a:r>
+              <a:rPr lang="de-DE" dirty="0" smtClean="0"/>
+              <a:t>: Links, bearbeitete Themen</a:t>
+            </a:r>
+          </a:p>
+          <a:p>
+            <a:pPr lvl="0"/>
+            <a:r>
+              <a:rPr lang="de-DE" dirty="0" smtClean="0"/>
+              <a:t>Unterstützung durch Werkstudent</a:t>
+            </a:r>
+          </a:p>
+          <a:p>
+            <a:pPr lvl="2"/>
             <a:endParaRPr lang="de-DE" dirty="0" smtClean="0"/>
           </a:p>
           <a:p>
+            <a:pPr lvl="2"/>
             <a:endParaRPr lang="de-DE" dirty="0"/>
           </a:p>
         </p:txBody>
       </p:sp>
       <p:sp>
         <p:nvSpPr>
-          <p:cNvPr id="3" name="Titel 2"/>
+          <p:cNvPr id="3" name="Titre 2"/>
           <p:cNvSpPr>
             <a:spLocks noGrp="1"/>
           </p:cNvSpPr>
@@ -12099,22 +12252,21 @@
             <p:ph type="title"/>
           </p:nvPr>
         </p:nvSpPr>
-        <p:spPr/>
+        <p:spPr bwMode="gray"/>
         <p:txBody>
           <a:bodyPr/>
           <a:lstStyle/>
           <a:p>
             <a:r>
-              <a:rPr lang="de-DE" smtClean="0"/>
-              <a:t>Roadmap</a:t>
-            </a:r>
-            <a:endParaRPr lang="de-DE"/>
-          </a:p>
-        </p:txBody>
-      </p:sp>
-      <p:sp>
-        <p:nvSpPr>
-          <p:cNvPr id="4" name="Textplatzhalter 3"/>
+              <a:rPr lang="de-DE" dirty="0"/>
+              <a:t>Nächste Schritte</a:t>
+            </a:r>
+          </a:p>
+        </p:txBody>
+      </p:sp>
+      <p:sp>
+        <p:nvSpPr>
+          <p:cNvPr id="10" name="Espace réservé du texte 9"/>
           <p:cNvSpPr>
             <a:spLocks noGrp="1"/>
           </p:cNvSpPr>
@@ -12122,18 +12274,21 @@
             <p:ph type="body" sz="quarter" idx="13"/>
           </p:nvPr>
         </p:nvSpPr>
-        <p:spPr/>
+        <p:spPr bwMode="gray"/>
         <p:txBody>
           <a:bodyPr/>
           <a:lstStyle/>
           <a:p>
-            <a:endParaRPr lang="de-DE"/>
-          </a:p>
-        </p:txBody>
-      </p:sp>
-      <p:sp>
-        <p:nvSpPr>
-          <p:cNvPr id="5" name="Datumsplatzhalter 4"/>
+            <a:r>
+              <a:rPr lang="de-DE" dirty="0"/>
+              <a:t>Wie geht es weiter?</a:t>
+            </a:r>
+          </a:p>
+        </p:txBody>
+      </p:sp>
+      <p:sp>
+        <p:nvSpPr>
+          <p:cNvPr id="8" name="FooterDate"/>
           <p:cNvSpPr>
             <a:spLocks noGrp="1"/>
           </p:cNvSpPr>
@@ -12141,7 +12296,7 @@
             <p:ph type="dt" sz="half" idx="2"/>
           </p:nvPr>
         </p:nvSpPr>
-        <p:spPr/>
+        <p:spPr bwMode="gray"/>
         <p:txBody>
           <a:bodyPr/>
           <a:lstStyle/>
@@ -12150,13 +12305,13 @@
               <a:rPr lang="de-DE" noProof="0" smtClean="0"/>
               <a:t>17.12.2014</a:t>
             </a:r>
-            <a:endParaRPr lang="de-DE" noProof="0"/>
-          </a:p>
-        </p:txBody>
-      </p:sp>
-      <p:sp>
-        <p:nvSpPr>
-          <p:cNvPr id="6" name="Fußzeilenplatzhalter 5"/>
+            <a:endParaRPr lang="de-DE" noProof="0" dirty="0"/>
+          </a:p>
+        </p:txBody>
+      </p:sp>
+      <p:sp>
+        <p:nvSpPr>
+          <p:cNvPr id="6" name="FooterTitle"/>
           <p:cNvSpPr>
             <a:spLocks noGrp="1"/>
           </p:cNvSpPr>
@@ -12164,13 +12319,13 @@
             <p:ph type="ftr" sz="quarter" idx="3"/>
           </p:nvPr>
         </p:nvSpPr>
-        <p:spPr/>
+        <p:spPr bwMode="gray"/>
         <p:txBody>
           <a:bodyPr/>
           <a:lstStyle/>
           <a:p>
             <a:r>
-              <a:rPr lang="de-DE" noProof="0" smtClean="0"/>
+              <a:rPr lang="de-DE" noProof="0" dirty="0" smtClean="0"/>
               <a:t>Titel</a:t>
             </a:r>
             <a:endParaRPr lang="de-DE" noProof="0" dirty="0"/>
@@ -12179,7 +12334,7 @@
       </p:sp>
       <p:sp>
         <p:nvSpPr>
-          <p:cNvPr id="7" name="Foliennummernplatzhalter 6"/>
+          <p:cNvPr id="5" name="Espace réservé du numéro de diapositive 4"/>
           <p:cNvSpPr>
             <a:spLocks noGrp="1"/>
           </p:cNvSpPr>
@@ -12187,49 +12342,45 @@
             <p:ph type="sldNum" sz="quarter" idx="4"/>
           </p:nvPr>
         </p:nvSpPr>
-        <p:spPr/>
+        <p:spPr bwMode="gray"/>
         <p:txBody>
           <a:bodyPr/>
           <a:lstStyle/>
           <a:p>
             <a:fld id="{AF43E6FD-AB27-4108-A2FC-346BB5F75E3F}" type="slidenum">
-              <a:rPr lang="de-DE" noProof="0" smtClean="0"/>
+              <a:rPr lang="de-DE" smtClean="0"/>
               <a:pPr/>
               <a:t>14</a:t>
             </a:fld>
-            <a:endParaRPr lang="de-DE" noProof="0"/>
-          </a:p>
-        </p:txBody>
-      </p:sp>
-      <p:sp>
-        <p:nvSpPr>
-          <p:cNvPr id="8" name="Textplatzhalter 7"/>
-          <p:cNvSpPr>
-            <a:spLocks noGrp="1"/>
-          </p:cNvSpPr>
-          <p:nvPr>
-            <p:ph type="body" sz="quarter" idx="14"/>
-          </p:nvPr>
-        </p:nvSpPr>
-        <p:spPr/>
-        <p:txBody>
-          <a:bodyPr/>
-          <a:lstStyle/>
-          <a:p>
-            <a:endParaRPr lang="de-DE"/>
+            <a:endParaRPr lang="de-DE" dirty="0"/>
           </a:p>
         </p:txBody>
       </p:sp>
     </p:spTree>
     <p:extLst>
       <p:ext uri="{BB962C8B-B14F-4D97-AF65-F5344CB8AC3E}">
-        <p14:creationId xmlns:p14="http://schemas.microsoft.com/office/powerpoint/2010/main" val="728481262"/>
+        <p14:creationId xmlns:p14="http://schemas.microsoft.com/office/powerpoint/2010/main" val="3976055063"/>
       </p:ext>
     </p:extLst>
   </p:cSld>
   <p:clrMapOvr>
     <a:masterClrMapping/>
   </p:clrMapOvr>
+  <mc:AlternateContent xmlns:mc="http://schemas.openxmlformats.org/markup-compatibility/2006" xmlns:p14="http://schemas.microsoft.com/office/powerpoint/2010/main">
+    <mc:Choice Requires="p14">
+      <p:transition p14:dur="0"/>
+    </mc:Choice>
+    <mc:Fallback xmlns="">
+      <p:transition/>
+    </mc:Fallback>
+  </mc:AlternateContent>
+  <p:timing>
+    <p:tnLst>
+      <p:par>
+        <p:cTn id="1" dur="indefinite" restart="never" nodeType="tmRoot"/>
+      </p:par>
+    </p:tnLst>
+  </p:timing>
 </p:sld>
 </file>
 
@@ -12252,6 +12403,202 @@
       </p:grpSpPr>
       <p:sp>
         <p:nvSpPr>
+          <p:cNvPr id="2" name="Inhaltsplatzhalter 1"/>
+          <p:cNvSpPr>
+            <a:spLocks noGrp="1"/>
+          </p:cNvSpPr>
+          <p:nvPr>
+            <p:ph idx="1"/>
+          </p:nvPr>
+        </p:nvSpPr>
+        <p:spPr/>
+        <p:txBody>
+          <a:bodyPr/>
+          <a:lstStyle/>
+          <a:p>
+            <a:r>
+              <a:rPr lang="de-DE" dirty="0" err="1" smtClean="0"/>
+              <a:t>GitHub</a:t>
+            </a:r>
+            <a:r>
+              <a:rPr lang="de-DE" dirty="0" smtClean="0"/>
+              <a:t> Account umwandeln</a:t>
+            </a:r>
+          </a:p>
+          <a:p>
+            <a:r>
+              <a:rPr lang="de-DE" dirty="0" smtClean="0"/>
+              <a:t>Raumreservierung GS Frankfurt</a:t>
+            </a:r>
+          </a:p>
+          <a:p>
+            <a:endParaRPr lang="de-DE" dirty="0"/>
+          </a:p>
+        </p:txBody>
+      </p:sp>
+      <p:sp>
+        <p:nvSpPr>
+          <p:cNvPr id="3" name="Titel 2"/>
+          <p:cNvSpPr>
+            <a:spLocks noGrp="1"/>
+          </p:cNvSpPr>
+          <p:nvPr>
+            <p:ph type="title"/>
+          </p:nvPr>
+        </p:nvSpPr>
+        <p:spPr/>
+        <p:txBody>
+          <a:bodyPr/>
+          <a:lstStyle/>
+          <a:p>
+            <a:r>
+              <a:rPr lang="de-DE" smtClean="0"/>
+              <a:t>Roadmap</a:t>
+            </a:r>
+            <a:endParaRPr lang="de-DE"/>
+          </a:p>
+        </p:txBody>
+      </p:sp>
+      <p:sp>
+        <p:nvSpPr>
+          <p:cNvPr id="4" name="Textplatzhalter 3"/>
+          <p:cNvSpPr>
+            <a:spLocks noGrp="1"/>
+          </p:cNvSpPr>
+          <p:nvPr>
+            <p:ph type="body" sz="quarter" idx="13"/>
+          </p:nvPr>
+        </p:nvSpPr>
+        <p:spPr/>
+        <p:txBody>
+          <a:bodyPr/>
+          <a:lstStyle/>
+          <a:p>
+            <a:endParaRPr lang="de-DE"/>
+          </a:p>
+        </p:txBody>
+      </p:sp>
+      <p:sp>
+        <p:nvSpPr>
+          <p:cNvPr id="5" name="Datumsplatzhalter 4"/>
+          <p:cNvSpPr>
+            <a:spLocks noGrp="1"/>
+          </p:cNvSpPr>
+          <p:nvPr>
+            <p:ph type="dt" sz="half" idx="2"/>
+          </p:nvPr>
+        </p:nvSpPr>
+        <p:spPr/>
+        <p:txBody>
+          <a:bodyPr/>
+          <a:lstStyle/>
+          <a:p>
+            <a:r>
+              <a:rPr lang="de-DE" noProof="0" smtClean="0"/>
+              <a:t>17.12.2014</a:t>
+            </a:r>
+            <a:endParaRPr lang="de-DE" noProof="0"/>
+          </a:p>
+        </p:txBody>
+      </p:sp>
+      <p:sp>
+        <p:nvSpPr>
+          <p:cNvPr id="6" name="Fußzeilenplatzhalter 5"/>
+          <p:cNvSpPr>
+            <a:spLocks noGrp="1"/>
+          </p:cNvSpPr>
+          <p:nvPr>
+            <p:ph type="ftr" sz="quarter" idx="3"/>
+          </p:nvPr>
+        </p:nvSpPr>
+        <p:spPr/>
+        <p:txBody>
+          <a:bodyPr/>
+          <a:lstStyle/>
+          <a:p>
+            <a:r>
+              <a:rPr lang="de-DE" noProof="0" smtClean="0"/>
+              <a:t>Titel</a:t>
+            </a:r>
+            <a:endParaRPr lang="de-DE" noProof="0" dirty="0"/>
+          </a:p>
+        </p:txBody>
+      </p:sp>
+      <p:sp>
+        <p:nvSpPr>
+          <p:cNvPr id="7" name="Foliennummernplatzhalter 6"/>
+          <p:cNvSpPr>
+            <a:spLocks noGrp="1"/>
+          </p:cNvSpPr>
+          <p:nvPr>
+            <p:ph type="sldNum" sz="quarter" idx="4"/>
+          </p:nvPr>
+        </p:nvSpPr>
+        <p:spPr/>
+        <p:txBody>
+          <a:bodyPr/>
+          <a:lstStyle/>
+          <a:p>
+            <a:fld id="{AF43E6FD-AB27-4108-A2FC-346BB5F75E3F}" type="slidenum">
+              <a:rPr lang="de-DE" noProof="0" smtClean="0"/>
+              <a:pPr/>
+              <a:t>15</a:t>
+            </a:fld>
+            <a:endParaRPr lang="de-DE" noProof="0"/>
+          </a:p>
+        </p:txBody>
+      </p:sp>
+      <p:sp>
+        <p:nvSpPr>
+          <p:cNvPr id="8" name="Textplatzhalter 7"/>
+          <p:cNvSpPr>
+            <a:spLocks noGrp="1"/>
+          </p:cNvSpPr>
+          <p:nvPr>
+            <p:ph type="body" sz="quarter" idx="14"/>
+          </p:nvPr>
+        </p:nvSpPr>
+        <p:spPr/>
+        <p:txBody>
+          <a:bodyPr/>
+          <a:lstStyle/>
+          <a:p>
+            <a:endParaRPr lang="de-DE"/>
+          </a:p>
+        </p:txBody>
+      </p:sp>
+    </p:spTree>
+    <p:extLst>
+      <p:ext uri="{BB962C8B-B14F-4D97-AF65-F5344CB8AC3E}">
+        <p14:creationId xmlns:p14="http://schemas.microsoft.com/office/powerpoint/2010/main" val="728481262"/>
+      </p:ext>
+    </p:extLst>
+  </p:cSld>
+  <p:clrMapOvr>
+    <a:masterClrMapping/>
+  </p:clrMapOvr>
+</p:sld>
+</file>
+
+<file path=ppt/slides/slide16.xml><?xml version="1.0" encoding="utf-8"?>
+<p:sld xmlns:a="http://schemas.openxmlformats.org/drawingml/2006/main" xmlns:r="http://schemas.openxmlformats.org/officeDocument/2006/relationships" xmlns:p="http://schemas.openxmlformats.org/presentationml/2006/main">
+  <p:cSld>
+    <p:spTree>
+      <p:nvGrpSpPr>
+        <p:cNvPr id="1" name=""/>
+        <p:cNvGrpSpPr/>
+        <p:nvPr/>
+      </p:nvGrpSpPr>
+      <p:grpSpPr>
+        <a:xfrm>
+          <a:off x="0" y="0"/>
+          <a:ext cx="0" cy="0"/>
+          <a:chOff x="0" y="0"/>
+          <a:chExt cx="0" cy="0"/>
+        </a:xfrm>
+      </p:grpSpPr>
+      <p:sp>
+        <p:nvSpPr>
           <p:cNvPr id="10" name="FooterDate"/>
           <p:cNvSpPr>
             <a:spLocks noGrp="1"/>
@@ -12314,7 +12661,7 @@
             <a:fld id="{AF43E6FD-AB27-4108-A2FC-346BB5F75E3F}" type="slidenum">
               <a:rPr lang="de-DE" smtClean="0"/>
               <a:pPr/>
-              <a:t>15</a:t>
+              <a:t>16</a:t>
             </a:fld>
             <a:endParaRPr lang="de-DE" dirty="0"/>
           </a:p>
@@ -12791,7 +13138,7 @@
 </p:sld>
 </file>
 
-<file path=ppt/slides/slide16.xml><?xml version="1.0" encoding="utf-8"?>
+<file path=ppt/slides/slide17.xml><?xml version="1.0" encoding="utf-8"?>
 <p:sld xmlns:a="http://schemas.openxmlformats.org/drawingml/2006/main" xmlns:r="http://schemas.openxmlformats.org/officeDocument/2006/relationships" xmlns:p="http://schemas.openxmlformats.org/presentationml/2006/main">
   <p:cSld>
     <p:spTree>
@@ -12872,7 +13219,7 @@
             <a:fld id="{AF43E6FD-AB27-4108-A2FC-346BB5F75E3F}" type="slidenum">
               <a:rPr lang="de-DE" smtClean="0"/>
               <a:pPr/>
-              <a:t>16</a:t>
+              <a:t>17</a:t>
             </a:fld>
             <a:endParaRPr lang="de-DE" dirty="0"/>
           </a:p>
@@ -14618,7 +14965,7 @@
           <a:p>
             <a:pPr lvl="0"/>
             <a:r>
-              <a:rPr lang="de-DE" dirty="0" err="1"/>
+              <a:rPr lang="de-DE" dirty="0" err="1" smtClean="0"/>
               <a:t>GitHub</a:t>
             </a:r>
             <a:endParaRPr lang="de-DE" dirty="0"/>
@@ -14626,16 +14973,57 @@
           <a:p>
             <a:pPr lvl="1"/>
             <a:r>
+              <a:rPr lang="de-DE" dirty="0" smtClean="0"/>
+              <a:t>Code </a:t>
+            </a:r>
+            <a:r>
+              <a:rPr lang="de-DE" dirty="0" err="1" smtClean="0"/>
+              <a:t>Corebanking</a:t>
+            </a:r>
+            <a:endParaRPr lang="de-DE" dirty="0" smtClean="0"/>
+          </a:p>
+          <a:p>
+            <a:pPr lvl="2"/>
+            <a:r>
+              <a:rPr lang="de-DE" dirty="0" smtClean="0"/>
+              <a:t>https</a:t>
+            </a:r>
+            <a:r>
               <a:rPr lang="de-DE" dirty="0"/>
-              <a:t>Code</a:t>
+              <a:t>://github.com/ChristianAdam/restjpa</a:t>
             </a:r>
           </a:p>
           <a:p>
             <a:pPr lvl="1"/>
             <a:r>
+              <a:rPr lang="de-DE" dirty="0" smtClean="0"/>
+              <a:t>Daten </a:t>
+            </a:r>
+            <a:r>
+              <a:rPr lang="de-DE" dirty="0" err="1" smtClean="0"/>
+              <a:t>TechUpdate</a:t>
+            </a:r>
+            <a:endParaRPr lang="de-DE" dirty="0"/>
+          </a:p>
+          <a:p>
+            <a:pPr lvl="2"/>
+            <a:r>
+              <a:rPr lang="de-DE" dirty="0" smtClean="0"/>
+              <a:t>https</a:t>
+            </a:r>
+            <a:r>
               <a:rPr lang="de-DE" dirty="0"/>
+              <a:t>://github.com/ChristianAdam/techupdate</a:t>
+            </a:r>
+            <a:endParaRPr lang="de-DE" dirty="0" smtClean="0"/>
+          </a:p>
+          <a:p>
+            <a:pPr lvl="1"/>
+            <a:r>
+              <a:rPr lang="de-DE" dirty="0" smtClean="0"/>
               <a:t>Ticketsystem</a:t>
             </a:r>
+            <a:endParaRPr lang="de-DE" dirty="0"/>
           </a:p>
           <a:p>
             <a:pPr lvl="1"/>
